--- a/cap3/Capstone_Final_Slides.pptx
+++ b/cap3/Capstone_Final_Slides.pptx
@@ -9,18 +9,17 @@
     <p:sldId id="301" r:id="rId6"/>
     <p:sldId id="302" r:id="rId7"/>
     <p:sldId id="303" r:id="rId8"/>
-    <p:sldId id="305" r:id="rId9"/>
-    <p:sldId id="306" r:id="rId10"/>
-    <p:sldId id="307" r:id="rId11"/>
-    <p:sldId id="308" r:id="rId12"/>
-    <p:sldId id="315" r:id="rId13"/>
-    <p:sldId id="310" r:id="rId14"/>
-    <p:sldId id="311" r:id="rId15"/>
-    <p:sldId id="304" r:id="rId16"/>
-    <p:sldId id="309" r:id="rId17"/>
-    <p:sldId id="312" r:id="rId18"/>
-    <p:sldId id="313" r:id="rId19"/>
-    <p:sldId id="314" r:id="rId20"/>
+    <p:sldId id="317" r:id="rId9"/>
+    <p:sldId id="316" r:id="rId10"/>
+    <p:sldId id="318" r:id="rId11"/>
+    <p:sldId id="305" r:id="rId12"/>
+    <p:sldId id="319" r:id="rId13"/>
+    <p:sldId id="320" r:id="rId14"/>
+    <p:sldId id="321" r:id="rId15"/>
+    <p:sldId id="322" r:id="rId16"/>
+    <p:sldId id="323" r:id="rId17"/>
+    <p:sldId id="309" r:id="rId18"/>
+    <p:sldId id="314" r:id="rId19"/>
   </p:sldIdLst>
   <p:sldSz cx="12192000" cy="6858000"/>
   <p:notesSz cx="6858000" cy="9144000"/>
@@ -3798,12 +3797,12 @@
           <a:chExt cx="0" cy="0"/>
         </a:xfrm>
       </p:grpSpPr>
-      <p:sp useBgFill="1">
-        <p:nvSpPr>
-          <p:cNvPr id="11" name="Rectangle 10">
-            <a:extLst>
-              <a:ext uri="{FF2B5EF4-FFF2-40B4-BE49-F238E27FC236}">
-                <a16:creationId xmlns:a16="http://schemas.microsoft.com/office/drawing/2014/main" id="{F64BBAA4-C62B-4146-B49F-FE4CC4655EE0}"/>
+      <p:sp>
+        <p:nvSpPr>
+          <p:cNvPr id="61" name="Rectangle 60">
+            <a:extLst>
+              <a:ext uri="{FF2B5EF4-FFF2-40B4-BE49-F238E27FC236}">
+                <a16:creationId xmlns:a16="http://schemas.microsoft.com/office/drawing/2014/main" id="{39E3965E-AC41-4711-9D10-E25ABB132D86}"/>
               </a:ext>
               <a:ext uri="{C183D7F6-B498-43B3-948B-1728B52AA6E4}">
                 <adec:decorative xmlns:adec="http://schemas.microsoft.com/office/drawing/2017/decorative" val="1"/>
@@ -3823,249 +3822,8 @@
         </p:nvSpPr>
         <p:spPr>
           <a:xfrm>
-            <a:off x="0" y="0"/>
-            <a:ext cx="12192001" cy="6858000"/>
-          </a:xfrm>
-          <a:prstGeom prst="rect">
-            <a:avLst/>
-          </a:prstGeom>
-          <a:ln>
-            <a:noFill/>
-          </a:ln>
-        </p:spPr>
-        <p:style>
-          <a:lnRef idx="2">
-            <a:schemeClr val="accent1">
-              <a:shade val="50000"/>
-            </a:schemeClr>
-          </a:lnRef>
-          <a:fillRef idx="1">
-            <a:schemeClr val="accent1"/>
-          </a:fillRef>
-          <a:effectRef idx="0">
-            <a:schemeClr val="accent1"/>
-          </a:effectRef>
-          <a:fontRef idx="minor">
-            <a:schemeClr val="lt1"/>
-          </a:fontRef>
-        </p:style>
-        <p:txBody>
-          <a:bodyPr rtlCol="0" anchor="ctr"/>
-          <a:lstStyle/>
-          <a:p>
-            <a:pPr algn="ctr"/>
-            <a:endParaRPr lang="en-US"/>
-          </a:p>
-        </p:txBody>
-      </p:sp>
-      <p:sp>
-        <p:nvSpPr>
-          <p:cNvPr id="2" name="Title 1">
-            <a:extLst>
-              <a:ext uri="{FF2B5EF4-FFF2-40B4-BE49-F238E27FC236}">
-                <a16:creationId xmlns:a16="http://schemas.microsoft.com/office/drawing/2014/main" id="{281658B4-F554-435A-9A44-B792DB2D85D3}"/>
-              </a:ext>
-            </a:extLst>
-          </p:cNvPr>
-          <p:cNvSpPr>
-            <a:spLocks noGrp="1"/>
-          </p:cNvSpPr>
-          <p:nvPr>
-            <p:ph type="title"/>
-          </p:nvPr>
-        </p:nvSpPr>
-        <p:spPr>
-          <a:xfrm>
-            <a:off x="878911" y="643468"/>
-            <a:ext cx="3177847" cy="1674180"/>
-          </a:xfrm>
-        </p:spPr>
-        <p:txBody>
-          <a:bodyPr>
-            <a:normAutofit/>
-          </a:bodyPr>
-          <a:lstStyle/>
-          <a:p>
-            <a:r>
-              <a:rPr lang="en-US" sz="4000" dirty="0"/>
-              <a:t>EDA</a:t>
-            </a:r>
-            <a:endParaRPr lang="en-CA" sz="4000" dirty="0"/>
-          </a:p>
-        </p:txBody>
-      </p:sp>
-      <p:cxnSp>
-        <p:nvCxnSpPr>
-          <p:cNvPr id="13" name="Straight Connector 12">
-            <a:extLst>
-              <a:ext uri="{FF2B5EF4-FFF2-40B4-BE49-F238E27FC236}">
-                <a16:creationId xmlns:a16="http://schemas.microsoft.com/office/drawing/2014/main" id="{EEB57AA8-F021-480C-A9E2-F89913313611}"/>
-              </a:ext>
-              <a:ext uri="{C183D7F6-B498-43B3-948B-1728B52AA6E4}">
-                <adec:decorative xmlns:adec="http://schemas.microsoft.com/office/drawing/2017/decorative" val="1"/>
-              </a:ext>
-            </a:extLst>
-          </p:cNvPr>
-          <p:cNvCxnSpPr>
-            <a:cxnSpLocks noGrp="1" noRot="1" noChangeAspect="1" noMove="1" noResize="1" noEditPoints="1" noAdjustHandles="1" noChangeArrowheads="1" noChangeShapeType="1"/>
-          </p:cNvCxnSpPr>
-          <p:nvPr>
-            <p:extLst>
-              <p:ext uri="{386F3935-93C4-4BCD-93E2-E3B085C9AB24}">
-                <p16:designElem xmlns:p16="http://schemas.microsoft.com/office/powerpoint/2015/main" val="1"/>
-              </p:ext>
-            </p:extLst>
-          </p:nvPr>
-        </p:nvCxnSpPr>
-        <p:spPr>
-          <a:xfrm>
-            <a:off x="962164" y="2478513"/>
-            <a:ext cx="2926080" cy="0"/>
-          </a:xfrm>
-          <a:prstGeom prst="line">
-            <a:avLst/>
-          </a:prstGeom>
-          <a:ln>
-            <a:solidFill>
-              <a:schemeClr val="tx1">
-                <a:lumMod val="75000"/>
-                <a:lumOff val="25000"/>
-              </a:schemeClr>
-            </a:solidFill>
-          </a:ln>
-        </p:spPr>
-        <p:style>
-          <a:lnRef idx="1">
-            <a:schemeClr val="accent1"/>
-          </a:lnRef>
-          <a:fillRef idx="0">
-            <a:schemeClr val="accent1"/>
-          </a:fillRef>
-          <a:effectRef idx="0">
-            <a:schemeClr val="accent1"/>
-          </a:effectRef>
-          <a:fontRef idx="minor">
-            <a:schemeClr val="tx1"/>
-          </a:fontRef>
-        </p:style>
-      </p:cxnSp>
-      <p:sp>
-        <p:nvSpPr>
-          <p:cNvPr id="8" name="Content Placeholder 7">
-            <a:extLst>
-              <a:ext uri="{FF2B5EF4-FFF2-40B4-BE49-F238E27FC236}">
-                <a16:creationId xmlns:a16="http://schemas.microsoft.com/office/drawing/2014/main" id="{44E7FE1F-8A1A-48AF-B8E3-5546F62399D7}"/>
-              </a:ext>
-            </a:extLst>
-          </p:cNvPr>
-          <p:cNvSpPr>
-            <a:spLocks noGrp="1"/>
-          </p:cNvSpPr>
-          <p:nvPr>
-            <p:ph idx="1"/>
-          </p:nvPr>
-        </p:nvSpPr>
-        <p:spPr>
-          <a:xfrm>
-            <a:off x="858064" y="2639380"/>
-            <a:ext cx="3205049" cy="3229714"/>
-          </a:xfrm>
-        </p:spPr>
-        <p:txBody>
-          <a:bodyPr>
-            <a:normAutofit/>
-          </a:bodyPr>
-          <a:lstStyle/>
-          <a:p>
-            <a:pPr lvl="1"/>
-            <a:r>
-              <a:rPr lang="en-CA" sz="1800" dirty="0">
-                <a:solidFill>
-                  <a:srgbClr val="24292F"/>
-                </a:solidFill>
-                <a:effectLst/>
-                <a:latin typeface="Segoe UI" panose="020B0502040204020203" pitchFamily="34" charset="0"/>
-                <a:ea typeface="Times New Roman" panose="02020603050405020304" pitchFamily="18" charset="0"/>
-              </a:rPr>
-              <a:t>The difference between average churn score of those who churn and do not churn is between 31.74 and 33.01</a:t>
-            </a:r>
-            <a:endParaRPr lang="en-CA" sz="1800" dirty="0">
-              <a:solidFill>
-                <a:srgbClr val="24292F"/>
-              </a:solidFill>
-              <a:latin typeface="Segoe UI" panose="020B0502040204020203" pitchFamily="34" charset="0"/>
-              <a:ea typeface="Times New Roman" panose="02020603050405020304" pitchFamily="18" charset="0"/>
-            </a:endParaRPr>
-          </a:p>
-          <a:p>
-            <a:endParaRPr lang="en-US" dirty="0"/>
-          </a:p>
-        </p:txBody>
-      </p:sp>
-      <p:pic>
-        <p:nvPicPr>
-          <p:cNvPr id="4" name="Content Placeholder 3" descr="A picture containing graphical user interface&#10;&#10;Description automatically generated">
-            <a:extLst>
-              <a:ext uri="{FF2B5EF4-FFF2-40B4-BE49-F238E27FC236}">
-                <a16:creationId xmlns:a16="http://schemas.microsoft.com/office/drawing/2014/main" id="{2FE1A2C7-1077-45B7-A07F-A8875D130C29}"/>
-              </a:ext>
-            </a:extLst>
-          </p:cNvPr>
-          <p:cNvPicPr>
-            <a:picLocks noChangeAspect="1"/>
-          </p:cNvPicPr>
-          <p:nvPr/>
-        </p:nvPicPr>
-        <p:blipFill>
-          <a:blip r:embed="rId2">
-            <a:extLst>
-              <a:ext uri="{28A0092B-C50C-407E-A947-70E740481C1C}">
-                <a14:useLocalDpi xmlns:a14="http://schemas.microsoft.com/office/drawing/2010/main" val="0"/>
-              </a:ext>
-            </a:extLst>
-          </a:blip>
-          <a:stretch>
-            <a:fillRect/>
-          </a:stretch>
-        </p:blipFill>
-        <p:spPr bwMode="auto">
-          <a:xfrm>
-            <a:off x="4864048" y="643466"/>
-            <a:ext cx="6471357" cy="5225621"/>
-          </a:xfrm>
-          <a:prstGeom prst="rect">
-            <a:avLst/>
-          </a:prstGeom>
-          <a:noFill/>
-        </p:spPr>
-      </p:pic>
-      <p:sp>
-        <p:nvSpPr>
-          <p:cNvPr id="15" name="Rectangle 14">
-            <a:extLst>
-              <a:ext uri="{FF2B5EF4-FFF2-40B4-BE49-F238E27FC236}">
-                <a16:creationId xmlns:a16="http://schemas.microsoft.com/office/drawing/2014/main" id="{6BF36B24-6632-4516-9692-731462896C1F}"/>
-              </a:ext>
-              <a:ext uri="{C183D7F6-B498-43B3-948B-1728B52AA6E4}">
-                <adec:decorative xmlns:adec="http://schemas.microsoft.com/office/drawing/2017/decorative" val="1"/>
-              </a:ext>
-            </a:extLst>
-          </p:cNvPr>
-          <p:cNvSpPr>
-            <a:spLocks noGrp="1" noRot="1" noChangeAspect="1" noMove="1" noResize="1" noEditPoints="1" noAdjustHandles="1" noChangeArrowheads="1" noChangeShapeType="1" noTextEdit="1"/>
-          </p:cNvSpPr>
-          <p:nvPr>
-            <p:extLst>
-              <p:ext uri="{386F3935-93C4-4BCD-93E2-E3B085C9AB24}">
-                <p16:designElem xmlns:p16="http://schemas.microsoft.com/office/powerpoint/2015/main" val="1"/>
-              </p:ext>
-            </p:extLst>
-          </p:nvPr>
-        </p:nvSpPr>
-        <p:spPr>
-          <a:xfrm>
-            <a:off x="0" y="6400800"/>
-            <a:ext cx="12192000" cy="457200"/>
+            <a:off x="3175" y="6400800"/>
+            <a:ext cx="12188825" cy="457200"/>
           </a:xfrm>
           <a:prstGeom prst="rect">
             <a:avLst/>
@@ -4094,10 +3852,314 @@
           </a:fontRef>
         </p:style>
       </p:sp>
+      <p:cxnSp>
+        <p:nvCxnSpPr>
+          <p:cNvPr id="63" name="Straight Connector 62">
+            <a:extLst>
+              <a:ext uri="{FF2B5EF4-FFF2-40B4-BE49-F238E27FC236}">
+                <a16:creationId xmlns:a16="http://schemas.microsoft.com/office/drawing/2014/main" id="{1F5DC8C3-BA5F-4EED-BB9A-A14272BD82A1}"/>
+              </a:ext>
+              <a:ext uri="{C183D7F6-B498-43B3-948B-1728B52AA6E4}">
+                <adec:decorative xmlns:adec="http://schemas.microsoft.com/office/drawing/2017/decorative" val="1"/>
+              </a:ext>
+            </a:extLst>
+          </p:cNvPr>
+          <p:cNvCxnSpPr>
+            <a:cxnSpLocks noGrp="1" noRot="1" noChangeAspect="1" noMove="1" noResize="1" noEditPoints="1" noAdjustHandles="1" noChangeArrowheads="1" noChangeShapeType="1"/>
+          </p:cNvCxnSpPr>
+          <p:nvPr>
+            <p:extLst>
+              <p:ext uri="{386F3935-93C4-4BCD-93E2-E3B085C9AB24}">
+                <p16:designElem xmlns:p16="http://schemas.microsoft.com/office/powerpoint/2015/main" val="1"/>
+              </p:ext>
+            </p:extLst>
+          </p:nvPr>
+        </p:nvCxnSpPr>
+        <p:spPr>
+          <a:xfrm>
+            <a:off x="1207658" y="4474741"/>
+            <a:ext cx="9875520" cy="0"/>
+          </a:xfrm>
+          <a:prstGeom prst="line">
+            <a:avLst/>
+          </a:prstGeom>
+          <a:ln w="12700">
+            <a:solidFill>
+              <a:schemeClr val="tx1">
+                <a:lumMod val="75000"/>
+                <a:lumOff val="25000"/>
+              </a:schemeClr>
+            </a:solidFill>
+          </a:ln>
+        </p:spPr>
+        <p:style>
+          <a:lnRef idx="1">
+            <a:schemeClr val="accent1"/>
+          </a:lnRef>
+          <a:fillRef idx="0">
+            <a:schemeClr val="accent1"/>
+          </a:fillRef>
+          <a:effectRef idx="0">
+            <a:schemeClr val="accent1"/>
+          </a:effectRef>
+          <a:fontRef idx="minor">
+            <a:schemeClr val="tx1"/>
+          </a:fontRef>
+        </p:style>
+      </p:cxnSp>
+      <p:sp useBgFill="1">
+        <p:nvSpPr>
+          <p:cNvPr id="65" name="Rectangle 64">
+            <a:extLst>
+              <a:ext uri="{FF2B5EF4-FFF2-40B4-BE49-F238E27FC236}">
+                <a16:creationId xmlns:a16="http://schemas.microsoft.com/office/drawing/2014/main" id="{33428ACC-71EC-4171-9527-10983BA6B41D}"/>
+              </a:ext>
+              <a:ext uri="{C183D7F6-B498-43B3-948B-1728B52AA6E4}">
+                <adec:decorative xmlns:adec="http://schemas.microsoft.com/office/drawing/2017/decorative" val="1"/>
+              </a:ext>
+            </a:extLst>
+          </p:cNvPr>
+          <p:cNvSpPr>
+            <a:spLocks noGrp="1" noRot="1" noChangeAspect="1" noMove="1" noResize="1" noEditPoints="1" noAdjustHandles="1" noChangeArrowheads="1" noChangeShapeType="1" noTextEdit="1"/>
+          </p:cNvSpPr>
+          <p:nvPr>
+            <p:extLst>
+              <p:ext uri="{386F3935-93C4-4BCD-93E2-E3B085C9AB24}">
+                <p16:designElem xmlns:p16="http://schemas.microsoft.com/office/powerpoint/2015/main" val="1"/>
+              </p:ext>
+            </p:extLst>
+          </p:nvPr>
+        </p:nvSpPr>
+        <p:spPr>
+          <a:xfrm>
+            <a:off x="0" y="0"/>
+            <a:ext cx="12192001" cy="6858000"/>
+          </a:xfrm>
+          <a:prstGeom prst="rect">
+            <a:avLst/>
+          </a:prstGeom>
+          <a:ln>
+            <a:noFill/>
+          </a:ln>
+        </p:spPr>
+        <p:style>
+          <a:lnRef idx="2">
+            <a:schemeClr val="accent1">
+              <a:shade val="50000"/>
+            </a:schemeClr>
+          </a:lnRef>
+          <a:fillRef idx="1">
+            <a:schemeClr val="accent1"/>
+          </a:fillRef>
+          <a:effectRef idx="0">
+            <a:schemeClr val="accent1"/>
+          </a:effectRef>
+          <a:fontRef idx="minor">
+            <a:schemeClr val="lt1"/>
+          </a:fontRef>
+        </p:style>
+        <p:txBody>
+          <a:bodyPr rtlCol="0" anchor="ctr"/>
+          <a:lstStyle/>
+          <a:p>
+            <a:pPr algn="ctr"/>
+            <a:endParaRPr lang="en-US"/>
+          </a:p>
+        </p:txBody>
+      </p:sp>
+      <p:sp>
+        <p:nvSpPr>
+          <p:cNvPr id="2" name="Title 1">
+            <a:extLst>
+              <a:ext uri="{FF2B5EF4-FFF2-40B4-BE49-F238E27FC236}">
+                <a16:creationId xmlns:a16="http://schemas.microsoft.com/office/drawing/2014/main" id="{17449018-BACA-4856-BF81-9ABF43C4001F}"/>
+              </a:ext>
+            </a:extLst>
+          </p:cNvPr>
+          <p:cNvSpPr>
+            <a:spLocks noGrp="1"/>
+          </p:cNvSpPr>
+          <p:nvPr>
+            <p:ph type="title"/>
+          </p:nvPr>
+        </p:nvSpPr>
+        <p:spPr>
+          <a:xfrm>
+            <a:off x="8141110" y="639098"/>
+            <a:ext cx="3401961" cy="3494790"/>
+          </a:xfrm>
+        </p:spPr>
+        <p:txBody>
+          <a:bodyPr vert="horz" lIns="91440" tIns="45720" rIns="91440" bIns="45720" rtlCol="0" anchor="b">
+            <a:normAutofit/>
+          </a:bodyPr>
+          <a:lstStyle/>
+          <a:p>
+            <a:r>
+              <a:rPr lang="en-US" sz="5400">
+                <a:solidFill>
+                  <a:schemeClr val="tx1">
+                    <a:lumMod val="85000"/>
+                    <a:lumOff val="15000"/>
+                  </a:schemeClr>
+                </a:solidFill>
+              </a:rPr>
+              <a:t>EDA</a:t>
+            </a:r>
+          </a:p>
+        </p:txBody>
+      </p:sp>
+      <p:pic>
+        <p:nvPicPr>
+          <p:cNvPr id="10" name="Picture 9" descr="Chart, line chart&#10;&#10;Description automatically generated">
+            <a:extLst>
+              <a:ext uri="{FF2B5EF4-FFF2-40B4-BE49-F238E27FC236}">
+                <a16:creationId xmlns:a16="http://schemas.microsoft.com/office/drawing/2014/main" id="{6CF306B7-C13F-444E-AB9B-3E36C5236E55}"/>
+              </a:ext>
+            </a:extLst>
+          </p:cNvPr>
+          <p:cNvPicPr>
+            <a:picLocks noChangeAspect="1"/>
+          </p:cNvPicPr>
+          <p:nvPr/>
+        </p:nvPicPr>
+        <p:blipFill>
+          <a:blip r:embed="rId2">
+            <a:extLst>
+              <a:ext uri="{28A0092B-C50C-407E-A947-70E740481C1C}">
+                <a14:useLocalDpi xmlns:a14="http://schemas.microsoft.com/office/drawing/2010/main" val="0"/>
+              </a:ext>
+            </a:extLst>
+          </a:blip>
+          <a:stretch>
+            <a:fillRect/>
+          </a:stretch>
+        </p:blipFill>
+        <p:spPr bwMode="auto">
+          <a:xfrm>
+            <a:off x="633999" y="1845197"/>
+            <a:ext cx="6912217" cy="2643923"/>
+          </a:xfrm>
+          <a:prstGeom prst="rect">
+            <a:avLst/>
+          </a:prstGeom>
+          <a:noFill/>
+        </p:spPr>
+      </p:pic>
+      <p:cxnSp>
+        <p:nvCxnSpPr>
+          <p:cNvPr id="67" name="Straight Connector 66">
+            <a:extLst>
+              <a:ext uri="{FF2B5EF4-FFF2-40B4-BE49-F238E27FC236}">
+                <a16:creationId xmlns:a16="http://schemas.microsoft.com/office/drawing/2014/main" id="{BA22713B-ABB6-4391-97F9-0449A2B9B664}"/>
+              </a:ext>
+              <a:ext uri="{C183D7F6-B498-43B3-948B-1728B52AA6E4}">
+                <adec:decorative xmlns:adec="http://schemas.microsoft.com/office/drawing/2017/decorative" val="1"/>
+              </a:ext>
+            </a:extLst>
+          </p:cNvPr>
+          <p:cNvCxnSpPr>
+            <a:cxnSpLocks noGrp="1" noRot="1" noChangeAspect="1" noMove="1" noResize="1" noEditPoints="1" noAdjustHandles="1" noChangeArrowheads="1" noChangeShapeType="1"/>
+          </p:cNvCxnSpPr>
+          <p:nvPr>
+            <p:extLst>
+              <p:ext uri="{386F3935-93C4-4BCD-93E2-E3B085C9AB24}">
+                <p16:designElem xmlns:p16="http://schemas.microsoft.com/office/powerpoint/2015/main" val="1"/>
+              </p:ext>
+            </p:extLst>
+          </p:nvPr>
+        </p:nvCxnSpPr>
+        <p:spPr>
+          <a:xfrm>
+            <a:off x="8209305" y="4294754"/>
+            <a:ext cx="3200400" cy="0"/>
+          </a:xfrm>
+          <a:prstGeom prst="line">
+            <a:avLst/>
+          </a:prstGeom>
+          <a:ln w="12700">
+            <a:solidFill>
+              <a:schemeClr val="tx1">
+                <a:lumMod val="75000"/>
+                <a:lumOff val="25000"/>
+              </a:schemeClr>
+            </a:solidFill>
+          </a:ln>
+        </p:spPr>
+        <p:style>
+          <a:lnRef idx="1">
+            <a:schemeClr val="accent1"/>
+          </a:lnRef>
+          <a:fillRef idx="0">
+            <a:schemeClr val="accent1"/>
+          </a:fillRef>
+          <a:effectRef idx="0">
+            <a:schemeClr val="accent1"/>
+          </a:effectRef>
+          <a:fontRef idx="minor">
+            <a:schemeClr val="tx1"/>
+          </a:fontRef>
+        </p:style>
+      </p:cxnSp>
+      <p:sp>
+        <p:nvSpPr>
+          <p:cNvPr id="69" name="Rectangle 68">
+            <a:extLst>
+              <a:ext uri="{FF2B5EF4-FFF2-40B4-BE49-F238E27FC236}">
+                <a16:creationId xmlns:a16="http://schemas.microsoft.com/office/drawing/2014/main" id="{8D4480B4-953D-41FA-9052-09AB3A026947}"/>
+              </a:ext>
+              <a:ext uri="{C183D7F6-B498-43B3-948B-1728B52AA6E4}">
+                <adec:decorative xmlns:adec="http://schemas.microsoft.com/office/drawing/2017/decorative" val="1"/>
+              </a:ext>
+            </a:extLst>
+          </p:cNvPr>
+          <p:cNvSpPr>
+            <a:spLocks noGrp="1" noRot="1" noChangeAspect="1" noMove="1" noResize="1" noEditPoints="1" noAdjustHandles="1" noChangeArrowheads="1" noChangeShapeType="1" noTextEdit="1"/>
+          </p:cNvSpPr>
+          <p:nvPr>
+            <p:extLst>
+              <p:ext uri="{386F3935-93C4-4BCD-93E2-E3B085C9AB24}">
+                <p16:designElem xmlns:p16="http://schemas.microsoft.com/office/powerpoint/2015/main" val="1"/>
+              </p:ext>
+            </p:extLst>
+          </p:nvPr>
+        </p:nvSpPr>
+        <p:spPr>
+          <a:xfrm>
+            <a:off x="0" y="6400800"/>
+            <a:ext cx="12192000" cy="457200"/>
+          </a:xfrm>
+          <a:prstGeom prst="rect">
+            <a:avLst/>
+          </a:prstGeom>
+          <a:solidFill>
+            <a:srgbClr val="262626"/>
+          </a:solidFill>
+          <a:ln>
+            <a:noFill/>
+          </a:ln>
+        </p:spPr>
+        <p:style>
+          <a:lnRef idx="2">
+            <a:schemeClr val="accent1">
+              <a:shade val="50000"/>
+            </a:schemeClr>
+          </a:lnRef>
+          <a:fillRef idx="1">
+            <a:schemeClr val="accent1"/>
+          </a:fillRef>
+          <a:effectRef idx="0">
+            <a:schemeClr val="accent1"/>
+          </a:effectRef>
+          <a:fontRef idx="minor">
+            <a:schemeClr val="lt1"/>
+          </a:fontRef>
+        </p:style>
+      </p:sp>
     </p:spTree>
     <p:extLst>
       <p:ext uri="{BB962C8B-B14F-4D97-AF65-F5344CB8AC3E}">
-        <p14:creationId xmlns:p14="http://schemas.microsoft.com/office/powerpoint/2010/main" val="1516938576"/>
+        <p14:creationId xmlns:p14="http://schemas.microsoft.com/office/powerpoint/2010/main" val="686321056"/>
       </p:ext>
     </p:extLst>
   </p:cSld>
@@ -4108,405 +4170,6 @@
 </file>
 
 <file path=ppt/slides/slide11.xml><?xml version="1.0" encoding="utf-8"?>
-<p:sld xmlns:a="http://schemas.openxmlformats.org/drawingml/2006/main" xmlns:r="http://schemas.openxmlformats.org/officeDocument/2006/relationships" xmlns:p="http://schemas.openxmlformats.org/presentationml/2006/main">
-  <p:cSld>
-    <p:spTree>
-      <p:nvGrpSpPr>
-        <p:cNvPr id="1" name=""/>
-        <p:cNvGrpSpPr/>
-        <p:nvPr/>
-      </p:nvGrpSpPr>
-      <p:grpSpPr>
-        <a:xfrm>
-          <a:off x="0" y="0"/>
-          <a:ext cx="0" cy="0"/>
-          <a:chOff x="0" y="0"/>
-          <a:chExt cx="0" cy="0"/>
-        </a:xfrm>
-      </p:grpSpPr>
-      <p:sp>
-        <p:nvSpPr>
-          <p:cNvPr id="2" name="Title 1">
-            <a:extLst>
-              <a:ext uri="{FF2B5EF4-FFF2-40B4-BE49-F238E27FC236}">
-                <a16:creationId xmlns:a16="http://schemas.microsoft.com/office/drawing/2014/main" id="{6DFD746B-40BD-48EF-9A87-280BCF286BD3}"/>
-              </a:ext>
-            </a:extLst>
-          </p:cNvPr>
-          <p:cNvSpPr>
-            <a:spLocks noGrp="1"/>
-          </p:cNvSpPr>
-          <p:nvPr>
-            <p:ph type="title"/>
-          </p:nvPr>
-        </p:nvSpPr>
-        <p:spPr/>
-        <p:txBody>
-          <a:bodyPr/>
-          <a:lstStyle/>
-          <a:p>
-            <a:r>
-              <a:rPr lang="en-US" dirty="0"/>
-              <a:t>Correlation Analysis</a:t>
-            </a:r>
-            <a:endParaRPr lang="en-CA" dirty="0"/>
-          </a:p>
-        </p:txBody>
-      </p:sp>
-      <p:pic>
-        <p:nvPicPr>
-          <p:cNvPr id="4" name="Content Placeholder 3" descr="Graphical user interface, chart, table&#10;&#10;Description automatically generated">
-            <a:extLst>
-              <a:ext uri="{FF2B5EF4-FFF2-40B4-BE49-F238E27FC236}">
-                <a16:creationId xmlns:a16="http://schemas.microsoft.com/office/drawing/2014/main" id="{ADB592B7-61EE-4E9D-80FC-635188B5D1D4}"/>
-              </a:ext>
-            </a:extLst>
-          </p:cNvPr>
-          <p:cNvPicPr>
-            <a:picLocks noGrp="1" noChangeAspect="1"/>
-          </p:cNvPicPr>
-          <p:nvPr>
-            <p:ph idx="1"/>
-          </p:nvPr>
-        </p:nvPicPr>
-        <p:blipFill>
-          <a:blip r:embed="rId2">
-            <a:extLst>
-              <a:ext uri="{28A0092B-C50C-407E-A947-70E740481C1C}">
-                <a14:useLocalDpi xmlns:a14="http://schemas.microsoft.com/office/drawing/2010/main" val="0"/>
-              </a:ext>
-            </a:extLst>
-          </a:blip>
-          <a:srcRect/>
-          <a:stretch>
-            <a:fillRect/>
-          </a:stretch>
-        </p:blipFill>
-        <p:spPr bwMode="auto">
-          <a:xfrm>
-            <a:off x="3393783" y="2108200"/>
-            <a:ext cx="5464760" cy="3760788"/>
-          </a:xfrm>
-          <a:prstGeom prst="rect">
-            <a:avLst/>
-          </a:prstGeom>
-          <a:noFill/>
-          <a:ln>
-            <a:noFill/>
-          </a:ln>
-        </p:spPr>
-      </p:pic>
-    </p:spTree>
-    <p:extLst>
-      <p:ext uri="{BB962C8B-B14F-4D97-AF65-F5344CB8AC3E}">
-        <p14:creationId xmlns:p14="http://schemas.microsoft.com/office/powerpoint/2010/main" val="2209025458"/>
-      </p:ext>
-    </p:extLst>
-  </p:cSld>
-  <p:clrMapOvr>
-    <a:masterClrMapping/>
-  </p:clrMapOvr>
-</p:sld>
-</file>
-
-<file path=ppt/slides/slide12.xml><?xml version="1.0" encoding="utf-8"?>
-<p:sld xmlns:a="http://schemas.openxmlformats.org/drawingml/2006/main" xmlns:r="http://schemas.openxmlformats.org/officeDocument/2006/relationships" xmlns:p="http://schemas.openxmlformats.org/presentationml/2006/main">
-  <p:cSld>
-    <p:spTree>
-      <p:nvGrpSpPr>
-        <p:cNvPr id="1" name=""/>
-        <p:cNvGrpSpPr/>
-        <p:nvPr/>
-      </p:nvGrpSpPr>
-      <p:grpSpPr>
-        <a:xfrm>
-          <a:off x="0" y="0"/>
-          <a:ext cx="0" cy="0"/>
-          <a:chOff x="0" y="0"/>
-          <a:chExt cx="0" cy="0"/>
-        </a:xfrm>
-      </p:grpSpPr>
-      <p:sp>
-        <p:nvSpPr>
-          <p:cNvPr id="2" name="Title 1">
-            <a:extLst>
-              <a:ext uri="{FF2B5EF4-FFF2-40B4-BE49-F238E27FC236}">
-                <a16:creationId xmlns:a16="http://schemas.microsoft.com/office/drawing/2014/main" id="{8A33AA51-8B5F-4687-A482-25CE38A1F0AE}"/>
-              </a:ext>
-            </a:extLst>
-          </p:cNvPr>
-          <p:cNvSpPr>
-            <a:spLocks noGrp="1"/>
-          </p:cNvSpPr>
-          <p:nvPr>
-            <p:ph type="title"/>
-          </p:nvPr>
-        </p:nvSpPr>
-        <p:spPr/>
-        <p:txBody>
-          <a:bodyPr/>
-          <a:lstStyle/>
-          <a:p>
-            <a:r>
-              <a:rPr lang="en-US" dirty="0"/>
-              <a:t>Preprocessing</a:t>
-            </a:r>
-            <a:endParaRPr lang="en-CA" dirty="0"/>
-          </a:p>
-        </p:txBody>
-      </p:sp>
-      <p:sp>
-        <p:nvSpPr>
-          <p:cNvPr id="3" name="Content Placeholder 2">
-            <a:extLst>
-              <a:ext uri="{FF2B5EF4-FFF2-40B4-BE49-F238E27FC236}">
-                <a16:creationId xmlns:a16="http://schemas.microsoft.com/office/drawing/2014/main" id="{16AB5B8A-84AE-4E53-A8ED-C5ED635F5F9C}"/>
-              </a:ext>
-            </a:extLst>
-          </p:cNvPr>
-          <p:cNvSpPr>
-            <a:spLocks noGrp="1"/>
-          </p:cNvSpPr>
-          <p:nvPr>
-            <p:ph idx="1"/>
-          </p:nvPr>
-        </p:nvSpPr>
-        <p:spPr/>
-        <p:txBody>
-          <a:bodyPr/>
-          <a:lstStyle/>
-          <a:p>
-            <a:r>
-              <a:rPr lang="en-US" dirty="0"/>
-              <a:t>Numerical Columns:</a:t>
-            </a:r>
-          </a:p>
-          <a:p>
-            <a:pPr lvl="1"/>
-            <a:r>
-              <a:rPr lang="en-US" dirty="0"/>
-              <a:t>Transformed into same scale using </a:t>
-            </a:r>
-            <a:r>
-              <a:rPr lang="en-US" dirty="0" err="1"/>
-              <a:t>MinMaxScaler</a:t>
-            </a:r>
-            <a:endParaRPr lang="en-US" dirty="0"/>
-          </a:p>
-          <a:p>
-            <a:pPr marL="201168" lvl="1" indent="0">
-              <a:buNone/>
-            </a:pPr>
-            <a:endParaRPr lang="en-US" dirty="0"/>
-          </a:p>
-          <a:p>
-            <a:r>
-              <a:rPr lang="en-US" dirty="0"/>
-              <a:t>Categorical Columns:</a:t>
-            </a:r>
-          </a:p>
-          <a:p>
-            <a:pPr lvl="1"/>
-            <a:r>
-              <a:rPr lang="en-US" dirty="0"/>
-              <a:t>Low cardinality columns: One Hot Encoding</a:t>
-            </a:r>
-          </a:p>
-          <a:p>
-            <a:pPr lvl="1"/>
-            <a:r>
-              <a:rPr lang="en-US" dirty="0"/>
-              <a:t>High cardinality column: Zip Code</a:t>
-            </a:r>
-          </a:p>
-          <a:p>
-            <a:pPr lvl="2"/>
-            <a:r>
-              <a:rPr lang="en-US" dirty="0"/>
-              <a:t>Mapped with corresponding county value.</a:t>
-            </a:r>
-          </a:p>
-          <a:p>
-            <a:pPr lvl="2"/>
-            <a:r>
-              <a:rPr lang="en-US" dirty="0"/>
-              <a:t>Label Encoding</a:t>
-            </a:r>
-          </a:p>
-          <a:p>
-            <a:pPr lvl="2"/>
-            <a:endParaRPr lang="en-CA" dirty="0"/>
-          </a:p>
-        </p:txBody>
-      </p:sp>
-    </p:spTree>
-    <p:extLst>
-      <p:ext uri="{BB962C8B-B14F-4D97-AF65-F5344CB8AC3E}">
-        <p14:creationId xmlns:p14="http://schemas.microsoft.com/office/powerpoint/2010/main" val="2954332642"/>
-      </p:ext>
-    </p:extLst>
-  </p:cSld>
-  <p:clrMapOvr>
-    <a:masterClrMapping/>
-  </p:clrMapOvr>
-</p:sld>
-</file>
-
-<file path=ppt/slides/slide13.xml><?xml version="1.0" encoding="utf-8"?>
-<p:sld xmlns:a="http://schemas.openxmlformats.org/drawingml/2006/main" xmlns:r="http://schemas.openxmlformats.org/officeDocument/2006/relationships" xmlns:p="http://schemas.openxmlformats.org/presentationml/2006/main">
-  <p:cSld>
-    <p:spTree>
-      <p:nvGrpSpPr>
-        <p:cNvPr id="1" name=""/>
-        <p:cNvGrpSpPr/>
-        <p:nvPr/>
-      </p:nvGrpSpPr>
-      <p:grpSpPr>
-        <a:xfrm>
-          <a:off x="0" y="0"/>
-          <a:ext cx="0" cy="0"/>
-          <a:chOff x="0" y="0"/>
-          <a:chExt cx="0" cy="0"/>
-        </a:xfrm>
-      </p:grpSpPr>
-      <p:sp>
-        <p:nvSpPr>
-          <p:cNvPr id="2" name="Title 1">
-            <a:extLst>
-              <a:ext uri="{FF2B5EF4-FFF2-40B4-BE49-F238E27FC236}">
-                <a16:creationId xmlns:a16="http://schemas.microsoft.com/office/drawing/2014/main" id="{0C174C66-9DCA-4573-BB3C-829396D3CBBB}"/>
-              </a:ext>
-            </a:extLst>
-          </p:cNvPr>
-          <p:cNvSpPr>
-            <a:spLocks noGrp="1"/>
-          </p:cNvSpPr>
-          <p:nvPr>
-            <p:ph type="title"/>
-          </p:nvPr>
-        </p:nvSpPr>
-        <p:spPr/>
-        <p:txBody>
-          <a:bodyPr/>
-          <a:lstStyle/>
-          <a:p>
-            <a:r>
-              <a:rPr lang="en-US" dirty="0"/>
-              <a:t>Machine Learning Algorithms</a:t>
-            </a:r>
-            <a:endParaRPr lang="en-CA" dirty="0"/>
-          </a:p>
-        </p:txBody>
-      </p:sp>
-      <p:sp>
-        <p:nvSpPr>
-          <p:cNvPr id="3" name="Content Placeholder 2">
-            <a:extLst>
-              <a:ext uri="{FF2B5EF4-FFF2-40B4-BE49-F238E27FC236}">
-                <a16:creationId xmlns:a16="http://schemas.microsoft.com/office/drawing/2014/main" id="{CE301247-1CD6-40BC-BBA1-82512768E207}"/>
-              </a:ext>
-            </a:extLst>
-          </p:cNvPr>
-          <p:cNvSpPr>
-            <a:spLocks noGrp="1"/>
-          </p:cNvSpPr>
-          <p:nvPr>
-            <p:ph idx="1"/>
-          </p:nvPr>
-        </p:nvSpPr>
-        <p:spPr/>
-        <p:txBody>
-          <a:bodyPr/>
-          <a:lstStyle/>
-          <a:p>
-            <a:pPr lvl="1">
-              <a:lnSpc>
-                <a:spcPct val="107000"/>
-              </a:lnSpc>
-              <a:spcBef>
-                <a:spcPts val="2400"/>
-              </a:spcBef>
-            </a:pPr>
-            <a:r>
-              <a:rPr lang="en-CA" sz="1600" b="1" i="0" dirty="0">
-                <a:solidFill>
-                  <a:srgbClr val="24292F"/>
-                </a:solidFill>
-                <a:effectLst/>
-                <a:latin typeface="Segoe UI" panose="020B0502040204020203" pitchFamily="34" charset="0"/>
-                <a:ea typeface="Times New Roman" panose="02020603050405020304" pitchFamily="18" charset="0"/>
-                <a:cs typeface="Times New Roman" panose="02020603050405020304" pitchFamily="18" charset="0"/>
-              </a:rPr>
-              <a:t>Ada Boost</a:t>
-            </a:r>
-          </a:p>
-          <a:p>
-            <a:pPr lvl="1">
-              <a:lnSpc>
-                <a:spcPct val="107000"/>
-              </a:lnSpc>
-              <a:spcBef>
-                <a:spcPts val="2400"/>
-              </a:spcBef>
-            </a:pPr>
-            <a:r>
-              <a:rPr lang="en-CA" sz="1600" b="1" dirty="0">
-                <a:solidFill>
-                  <a:srgbClr val="24292F"/>
-                </a:solidFill>
-                <a:effectLst/>
-                <a:latin typeface="Segoe UI" panose="020B0502040204020203" pitchFamily="34" charset="0"/>
-                <a:ea typeface="Times New Roman" panose="02020603050405020304" pitchFamily="18" charset="0"/>
-              </a:rPr>
-              <a:t>Linear Discriminant Analysis</a:t>
-            </a:r>
-          </a:p>
-          <a:p>
-            <a:pPr lvl="1">
-              <a:lnSpc>
-                <a:spcPct val="107000"/>
-              </a:lnSpc>
-              <a:spcBef>
-                <a:spcPts val="2400"/>
-              </a:spcBef>
-            </a:pPr>
-            <a:r>
-              <a:rPr lang="en-CA" sz="1600" b="1" dirty="0">
-                <a:solidFill>
-                  <a:srgbClr val="24292F"/>
-                </a:solidFill>
-                <a:effectLst/>
-                <a:latin typeface="Segoe UI" panose="020B0502040204020203" pitchFamily="34" charset="0"/>
-                <a:ea typeface="Times New Roman" panose="02020603050405020304" pitchFamily="18" charset="0"/>
-              </a:rPr>
-              <a:t>Light Gradient Boosting Machine</a:t>
-            </a:r>
-            <a:endParaRPr lang="en-CA" sz="1600" b="1" i="1" dirty="0">
-              <a:solidFill>
-                <a:srgbClr val="2F5496"/>
-              </a:solidFill>
-              <a:effectLst/>
-              <a:latin typeface="Calibri Light" panose="020F0302020204030204" pitchFamily="34" charset="0"/>
-              <a:ea typeface="Times New Roman" panose="02020603050405020304" pitchFamily="18" charset="0"/>
-              <a:cs typeface="Times New Roman" panose="02020603050405020304" pitchFamily="18" charset="0"/>
-            </a:endParaRPr>
-          </a:p>
-        </p:txBody>
-      </p:sp>
-    </p:spTree>
-    <p:extLst>
-      <p:ext uri="{BB962C8B-B14F-4D97-AF65-F5344CB8AC3E}">
-        <p14:creationId xmlns:p14="http://schemas.microsoft.com/office/powerpoint/2010/main" val="1526307458"/>
-      </p:ext>
-    </p:extLst>
-  </p:cSld>
-  <p:clrMapOvr>
-    <a:masterClrMapping/>
-  </p:clrMapOvr>
-</p:sld>
-</file>
-
-<file path=ppt/slides/slide14.xml><?xml version="1.0" encoding="utf-8"?>
 <p:sld xmlns:a="http://schemas.openxmlformats.org/drawingml/2006/main" xmlns:r="http://schemas.openxmlformats.org/officeDocument/2006/relationships" xmlns:p="http://schemas.openxmlformats.org/presentationml/2006/main">
   <p:cSld>
     <p:bg>
@@ -4533,7 +4196,7 @@
       </p:grpSpPr>
       <p:sp>
         <p:nvSpPr>
-          <p:cNvPr id="11" name="Rectangle 10">
+          <p:cNvPr id="74" name="Rectangle 73">
             <a:extLst>
               <a:ext uri="{FF2B5EF4-FFF2-40B4-BE49-F238E27FC236}">
                 <a16:creationId xmlns:a16="http://schemas.microsoft.com/office/drawing/2014/main" id="{39E3965E-AC41-4711-9D10-E25ABB132D86}"/>
@@ -4588,7 +4251,7 @@
       </p:sp>
       <p:cxnSp>
         <p:nvCxnSpPr>
-          <p:cNvPr id="13" name="Straight Connector 12">
+          <p:cNvPr id="76" name="Straight Connector 75">
             <a:extLst>
               <a:ext uri="{FF2B5EF4-FFF2-40B4-BE49-F238E27FC236}">
                 <a16:creationId xmlns:a16="http://schemas.microsoft.com/office/drawing/2014/main" id="{1F5DC8C3-BA5F-4EED-BB9A-A14272BD82A1}"/>
@@ -4643,10 +4306,10 @@
       </p:cxnSp>
       <p:sp useBgFill="1">
         <p:nvSpPr>
-          <p:cNvPr id="15" name="Rectangle 14">
-            <a:extLst>
-              <a:ext uri="{FF2B5EF4-FFF2-40B4-BE49-F238E27FC236}">
-                <a16:creationId xmlns:a16="http://schemas.microsoft.com/office/drawing/2014/main" id="{548B4202-DCD5-4F8C-B481-743A989A9DFF}"/>
+          <p:cNvPr id="78" name="Rectangle 77">
+            <a:extLst>
+              <a:ext uri="{FF2B5EF4-FFF2-40B4-BE49-F238E27FC236}">
+                <a16:creationId xmlns:a16="http://schemas.microsoft.com/office/drawing/2014/main" id="{33428ACC-71EC-4171-9527-10983BA6B41D}"/>
               </a:ext>
               <a:ext uri="{C183D7F6-B498-43B3-948B-1728B52AA6E4}">
                 <adec:decorative xmlns:adec="http://schemas.microsoft.com/office/drawing/2017/decorative" val="1"/>
@@ -4706,7 +4369,7 @@
           <p:cNvPr id="2" name="Title 1">
             <a:extLst>
               <a:ext uri="{FF2B5EF4-FFF2-40B4-BE49-F238E27FC236}">
-                <a16:creationId xmlns:a16="http://schemas.microsoft.com/office/drawing/2014/main" id="{AFEE6F95-F0D3-486E-B99C-E881D4A7CB47}"/>
+                <a16:creationId xmlns:a16="http://schemas.microsoft.com/office/drawing/2014/main" id="{17449018-BACA-4856-BF81-9ABF43C4001F}"/>
               </a:ext>
             </a:extLst>
           </p:cNvPr>
@@ -4719,8 +4382,8 @@
         </p:nvSpPr>
         <p:spPr>
           <a:xfrm>
-            <a:off x="633999" y="4550230"/>
-            <a:ext cx="10909073" cy="957902"/>
+            <a:off x="8141110" y="639098"/>
+            <a:ext cx="3401961" cy="3494790"/>
           </a:xfrm>
         </p:spPr>
         <p:txBody>
@@ -4730,7 +4393,7 @@
           <a:lstStyle/>
           <a:p>
             <a:r>
-              <a:rPr lang="en-US" sz="6000" dirty="0">
+              <a:rPr lang="en-US" sz="5400">
                 <a:solidFill>
                   <a:schemeClr val="tx1">
                     <a:lumMod val="85000"/>
@@ -4738,17 +4401,17 @@
                   </a:schemeClr>
                 </a:solidFill>
               </a:rPr>
-              <a:t>Confusion matrix</a:t>
+              <a:t>EDA</a:t>
             </a:r>
           </a:p>
         </p:txBody>
       </p:sp>
       <p:pic>
         <p:nvPicPr>
-          <p:cNvPr id="5" name="Picture 4" descr="Chart, treemap chart&#10;&#10;Description automatically generated">
-            <a:extLst>
-              <a:ext uri="{FF2B5EF4-FFF2-40B4-BE49-F238E27FC236}">
-                <a16:creationId xmlns:a16="http://schemas.microsoft.com/office/drawing/2014/main" id="{3C50A56B-F6AB-4215-A6AE-0CB4EA35B2E7}"/>
+          <p:cNvPr id="9" name="Picture 8" descr="Shape&#10;&#10;Description automatically generated">
+            <a:extLst>
+              <a:ext uri="{FF2B5EF4-FFF2-40B4-BE49-F238E27FC236}">
+                <a16:creationId xmlns:a16="http://schemas.microsoft.com/office/drawing/2014/main" id="{8DC6ED06-212B-4180-B1B7-F632DE863D15}"/>
               </a:ext>
             </a:extLst>
           </p:cNvPr>
@@ -4771,8 +4434,8 @@
         </p:blipFill>
         <p:spPr bwMode="auto">
           <a:xfrm>
-            <a:off x="635458" y="1347604"/>
-            <a:ext cx="3312784" cy="2187687"/>
+            <a:off x="633999" y="1750154"/>
+            <a:ext cx="6912217" cy="2834009"/>
           </a:xfrm>
           <a:prstGeom prst="rect">
             <a:avLst/>
@@ -4782,10 +4445,10 @@
       </p:pic>
       <p:cxnSp>
         <p:nvCxnSpPr>
-          <p:cNvPr id="17" name="Straight Connector 16">
-            <a:extLst>
-              <a:ext uri="{FF2B5EF4-FFF2-40B4-BE49-F238E27FC236}">
-                <a16:creationId xmlns:a16="http://schemas.microsoft.com/office/drawing/2014/main" id="{4FA8A11A-E0A0-4672-A17E-32CC5B422C88}"/>
+          <p:cNvPr id="80" name="Straight Connector 79">
+            <a:extLst>
+              <a:ext uri="{FF2B5EF4-FFF2-40B4-BE49-F238E27FC236}">
+                <a16:creationId xmlns:a16="http://schemas.microsoft.com/office/drawing/2014/main" id="{BA22713B-ABB6-4391-97F9-0449A2B9B664}"/>
               </a:ext>
               <a:ext uri="{C183D7F6-B498-43B3-948B-1728B52AA6E4}">
                 <adec:decorative xmlns:adec="http://schemas.microsoft.com/office/drawing/2017/decorative" val="1"/>
@@ -4805,8 +4468,8 @@
         </p:nvCxnSpPr>
         <p:spPr>
           <a:xfrm>
-            <a:off x="4190558" y="1298448"/>
-            <a:ext cx="0" cy="2286000"/>
+            <a:off x="8209305" y="4294754"/>
+            <a:ext cx="3200400" cy="0"/>
           </a:xfrm>
           <a:prstGeom prst="line">
             <a:avLst/>
@@ -4835,60 +4498,21 @@
           </a:fontRef>
         </p:style>
       </p:cxnSp>
-      <p:pic>
-        <p:nvPicPr>
-          <p:cNvPr id="4" name="Content Placeholder 3" descr="Chart, treemap chart&#10;&#10;Description automatically generated">
-            <a:extLst>
-              <a:ext uri="{FF2B5EF4-FFF2-40B4-BE49-F238E27FC236}">
-                <a16:creationId xmlns:a16="http://schemas.microsoft.com/office/drawing/2014/main" id="{22FB5E27-6882-487A-A449-A4AD7AD57B14}"/>
-              </a:ext>
-            </a:extLst>
-          </p:cNvPr>
-          <p:cNvPicPr>
-            <a:picLocks noGrp="1" noChangeAspect="1"/>
-          </p:cNvPicPr>
-          <p:nvPr>
-            <p:ph idx="1"/>
-          </p:nvPr>
-        </p:nvPicPr>
-        <p:blipFill>
-          <a:blip r:embed="rId3">
-            <a:extLst>
-              <a:ext uri="{28A0092B-C50C-407E-A947-70E740481C1C}">
-                <a14:useLocalDpi xmlns:a14="http://schemas.microsoft.com/office/drawing/2010/main" val="0"/>
-              </a:ext>
-            </a:extLst>
-          </a:blip>
-          <a:stretch>
-            <a:fillRect/>
-          </a:stretch>
-        </p:blipFill>
-        <p:spPr bwMode="auto">
-          <a:xfrm>
-            <a:off x="4432874" y="1347604"/>
-            <a:ext cx="3312785" cy="2187687"/>
-          </a:xfrm>
-          <a:prstGeom prst="rect">
-            <a:avLst/>
-          </a:prstGeom>
-          <a:noFill/>
-        </p:spPr>
-      </p:pic>
-      <p:cxnSp>
-        <p:nvCxnSpPr>
-          <p:cNvPr id="19" name="Straight Connector 18">
-            <a:extLst>
-              <a:ext uri="{FF2B5EF4-FFF2-40B4-BE49-F238E27FC236}">
-                <a16:creationId xmlns:a16="http://schemas.microsoft.com/office/drawing/2014/main" id="{292D7FC5-B427-4FF7-8FC7-9DA3C276DA4A}"/>
+      <p:sp>
+        <p:nvSpPr>
+          <p:cNvPr id="82" name="Rectangle 81">
+            <a:extLst>
+              <a:ext uri="{FF2B5EF4-FFF2-40B4-BE49-F238E27FC236}">
+                <a16:creationId xmlns:a16="http://schemas.microsoft.com/office/drawing/2014/main" id="{8D4480B4-953D-41FA-9052-09AB3A026947}"/>
               </a:ext>
               <a:ext uri="{C183D7F6-B498-43B3-948B-1728B52AA6E4}">
                 <adec:decorative xmlns:adec="http://schemas.microsoft.com/office/drawing/2017/decorative" val="1"/>
               </a:ext>
             </a:extLst>
           </p:cNvPr>
-          <p:cNvCxnSpPr>
-            <a:cxnSpLocks noGrp="1" noRot="1" noChangeAspect="1" noMove="1" noResize="1" noEditPoints="1" noAdjustHandles="1" noChangeArrowheads="1" noChangeShapeType="1"/>
-          </p:cNvCxnSpPr>
+          <p:cNvSpPr>
+            <a:spLocks noGrp="1" noRot="1" noChangeAspect="1" noMove="1" noResize="1" noEditPoints="1" noAdjustHandles="1" noChangeArrowheads="1" noChangeShapeType="1" noTextEdit="1"/>
+          </p:cNvSpPr>
           <p:nvPr>
             <p:extLst>
               <p:ext uri="{386F3935-93C4-4BCD-93E2-E3B085C9AB24}">
@@ -4896,11 +4520,159 @@
               </p:ext>
             </p:extLst>
           </p:nvPr>
+        </p:nvSpPr>
+        <p:spPr>
+          <a:xfrm>
+            <a:off x="0" y="6400800"/>
+            <a:ext cx="12192000" cy="457200"/>
+          </a:xfrm>
+          <a:prstGeom prst="rect">
+            <a:avLst/>
+          </a:prstGeom>
+          <a:solidFill>
+            <a:srgbClr val="262626"/>
+          </a:solidFill>
+          <a:ln>
+            <a:noFill/>
+          </a:ln>
+        </p:spPr>
+        <p:style>
+          <a:lnRef idx="2">
+            <a:schemeClr val="accent1">
+              <a:shade val="50000"/>
+            </a:schemeClr>
+          </a:lnRef>
+          <a:fillRef idx="1">
+            <a:schemeClr val="accent1"/>
+          </a:fillRef>
+          <a:effectRef idx="0">
+            <a:schemeClr val="accent1"/>
+          </a:effectRef>
+          <a:fontRef idx="minor">
+            <a:schemeClr val="lt1"/>
+          </a:fontRef>
+        </p:style>
+      </p:sp>
+    </p:spTree>
+    <p:extLst>
+      <p:ext uri="{BB962C8B-B14F-4D97-AF65-F5344CB8AC3E}">
+        <p14:creationId xmlns:p14="http://schemas.microsoft.com/office/powerpoint/2010/main" val="4284954982"/>
+      </p:ext>
+    </p:extLst>
+  </p:cSld>
+  <p:clrMapOvr>
+    <a:masterClrMapping/>
+  </p:clrMapOvr>
+</p:sld>
+</file>
+
+<file path=ppt/slides/slide12.xml><?xml version="1.0" encoding="utf-8"?>
+<p:sld xmlns:a="http://schemas.openxmlformats.org/drawingml/2006/main" xmlns:r="http://schemas.openxmlformats.org/officeDocument/2006/relationships" xmlns:p="http://schemas.openxmlformats.org/presentationml/2006/main">
+  <p:cSld>
+    <p:bg>
+      <p:bgPr>
+        <a:solidFill>
+          <a:schemeClr val="bg1"/>
+        </a:solidFill>
+        <a:effectLst/>
+      </p:bgPr>
+    </p:bg>
+    <p:spTree>
+      <p:nvGrpSpPr>
+        <p:cNvPr id="1" name=""/>
+        <p:cNvGrpSpPr/>
+        <p:nvPr/>
+      </p:nvGrpSpPr>
+      <p:grpSpPr>
+        <a:xfrm>
+          <a:off x="0" y="0"/>
+          <a:ext cx="0" cy="0"/>
+          <a:chOff x="0" y="0"/>
+          <a:chExt cx="0" cy="0"/>
+        </a:xfrm>
+      </p:grpSpPr>
+      <p:sp>
+        <p:nvSpPr>
+          <p:cNvPr id="87" name="Rectangle 86">
+            <a:extLst>
+              <a:ext uri="{FF2B5EF4-FFF2-40B4-BE49-F238E27FC236}">
+                <a16:creationId xmlns:a16="http://schemas.microsoft.com/office/drawing/2014/main" id="{39E3965E-AC41-4711-9D10-E25ABB132D86}"/>
+              </a:ext>
+              <a:ext uri="{C183D7F6-B498-43B3-948B-1728B52AA6E4}">
+                <adec:decorative xmlns:adec="http://schemas.microsoft.com/office/drawing/2017/decorative" val="1"/>
+              </a:ext>
+            </a:extLst>
+          </p:cNvPr>
+          <p:cNvSpPr>
+            <a:spLocks noGrp="1" noRot="1" noChangeAspect="1" noMove="1" noResize="1" noEditPoints="1" noAdjustHandles="1" noChangeArrowheads="1" noChangeShapeType="1" noTextEdit="1"/>
+          </p:cNvSpPr>
+          <p:nvPr>
+            <p:extLst>
+              <p:ext uri="{386F3935-93C4-4BCD-93E2-E3B085C9AB24}">
+                <p16:designElem xmlns:p16="http://schemas.microsoft.com/office/powerpoint/2015/main" val="1"/>
+              </p:ext>
+            </p:extLst>
+          </p:nvPr>
+        </p:nvSpPr>
+        <p:spPr>
+          <a:xfrm>
+            <a:off x="3175" y="6400800"/>
+            <a:ext cx="12188825" cy="457200"/>
+          </a:xfrm>
+          <a:prstGeom prst="rect">
+            <a:avLst/>
+          </a:prstGeom>
+          <a:solidFill>
+            <a:srgbClr val="262626"/>
+          </a:solidFill>
+          <a:ln>
+            <a:noFill/>
+          </a:ln>
+        </p:spPr>
+        <p:style>
+          <a:lnRef idx="2">
+            <a:schemeClr val="accent1">
+              <a:shade val="50000"/>
+            </a:schemeClr>
+          </a:lnRef>
+          <a:fillRef idx="1">
+            <a:schemeClr val="accent1"/>
+          </a:fillRef>
+          <a:effectRef idx="0">
+            <a:schemeClr val="accent1"/>
+          </a:effectRef>
+          <a:fontRef idx="minor">
+            <a:schemeClr val="lt1"/>
+          </a:fontRef>
+        </p:style>
+      </p:sp>
+      <p:cxnSp>
+        <p:nvCxnSpPr>
+          <p:cNvPr id="89" name="Straight Connector 88">
+            <a:extLst>
+              <a:ext uri="{FF2B5EF4-FFF2-40B4-BE49-F238E27FC236}">
+                <a16:creationId xmlns:a16="http://schemas.microsoft.com/office/drawing/2014/main" id="{1F5DC8C3-BA5F-4EED-BB9A-A14272BD82A1}"/>
+              </a:ext>
+              <a:ext uri="{C183D7F6-B498-43B3-948B-1728B52AA6E4}">
+                <adec:decorative xmlns:adec="http://schemas.microsoft.com/office/drawing/2017/decorative" val="1"/>
+              </a:ext>
+            </a:extLst>
+          </p:cNvPr>
+          <p:cNvCxnSpPr>
+            <a:cxnSpLocks noGrp="1" noRot="1" noChangeAspect="1" noMove="1" noResize="1" noEditPoints="1" noAdjustHandles="1" noChangeArrowheads="1" noChangeShapeType="1"/>
+          </p:cNvCxnSpPr>
+          <p:nvPr>
+            <p:extLst>
+              <p:ext uri="{386F3935-93C4-4BCD-93E2-E3B085C9AB24}">
+                <p16:designElem xmlns:p16="http://schemas.microsoft.com/office/powerpoint/2015/main" val="1"/>
+              </p:ext>
+            </p:extLst>
+          </p:nvPr>
         </p:nvCxnSpPr>
         <p:spPr>
           <a:xfrm>
-            <a:off x="7987975" y="1298448"/>
-            <a:ext cx="0" cy="2286000"/>
+            <a:off x="1207658" y="4474741"/>
+            <a:ext cx="9875520" cy="0"/>
           </a:xfrm>
           <a:prstGeom prst="line">
             <a:avLst/>
@@ -4929,12 +4701,114 @@
           </a:fontRef>
         </p:style>
       </p:cxnSp>
+      <p:sp useBgFill="1">
+        <p:nvSpPr>
+          <p:cNvPr id="91" name="Rectangle 90">
+            <a:extLst>
+              <a:ext uri="{FF2B5EF4-FFF2-40B4-BE49-F238E27FC236}">
+                <a16:creationId xmlns:a16="http://schemas.microsoft.com/office/drawing/2014/main" id="{33428ACC-71EC-4171-9527-10983BA6B41D}"/>
+              </a:ext>
+              <a:ext uri="{C183D7F6-B498-43B3-948B-1728B52AA6E4}">
+                <adec:decorative xmlns:adec="http://schemas.microsoft.com/office/drawing/2017/decorative" val="1"/>
+              </a:ext>
+            </a:extLst>
+          </p:cNvPr>
+          <p:cNvSpPr>
+            <a:spLocks noGrp="1" noRot="1" noChangeAspect="1" noMove="1" noResize="1" noEditPoints="1" noAdjustHandles="1" noChangeArrowheads="1" noChangeShapeType="1" noTextEdit="1"/>
+          </p:cNvSpPr>
+          <p:nvPr>
+            <p:extLst>
+              <p:ext uri="{386F3935-93C4-4BCD-93E2-E3B085C9AB24}">
+                <p16:designElem xmlns:p16="http://schemas.microsoft.com/office/powerpoint/2015/main" val="1"/>
+              </p:ext>
+            </p:extLst>
+          </p:nvPr>
+        </p:nvSpPr>
+        <p:spPr>
+          <a:xfrm>
+            <a:off x="0" y="0"/>
+            <a:ext cx="12192001" cy="6858000"/>
+          </a:xfrm>
+          <a:prstGeom prst="rect">
+            <a:avLst/>
+          </a:prstGeom>
+          <a:ln>
+            <a:noFill/>
+          </a:ln>
+        </p:spPr>
+        <p:style>
+          <a:lnRef idx="2">
+            <a:schemeClr val="accent1">
+              <a:shade val="50000"/>
+            </a:schemeClr>
+          </a:lnRef>
+          <a:fillRef idx="1">
+            <a:schemeClr val="accent1"/>
+          </a:fillRef>
+          <a:effectRef idx="0">
+            <a:schemeClr val="accent1"/>
+          </a:effectRef>
+          <a:fontRef idx="minor">
+            <a:schemeClr val="lt1"/>
+          </a:fontRef>
+        </p:style>
+        <p:txBody>
+          <a:bodyPr rtlCol="0" anchor="ctr"/>
+          <a:lstStyle/>
+          <a:p>
+            <a:pPr algn="ctr"/>
+            <a:endParaRPr lang="en-US"/>
+          </a:p>
+        </p:txBody>
+      </p:sp>
+      <p:sp>
+        <p:nvSpPr>
+          <p:cNvPr id="2" name="Title 1">
+            <a:extLst>
+              <a:ext uri="{FF2B5EF4-FFF2-40B4-BE49-F238E27FC236}">
+                <a16:creationId xmlns:a16="http://schemas.microsoft.com/office/drawing/2014/main" id="{17449018-BACA-4856-BF81-9ABF43C4001F}"/>
+              </a:ext>
+            </a:extLst>
+          </p:cNvPr>
+          <p:cNvSpPr>
+            <a:spLocks noGrp="1"/>
+          </p:cNvSpPr>
+          <p:nvPr>
+            <p:ph type="title"/>
+          </p:nvPr>
+        </p:nvSpPr>
+        <p:spPr>
+          <a:xfrm>
+            <a:off x="8141110" y="639098"/>
+            <a:ext cx="3401961" cy="3494790"/>
+          </a:xfrm>
+        </p:spPr>
+        <p:txBody>
+          <a:bodyPr vert="horz" lIns="91440" tIns="45720" rIns="91440" bIns="45720" rtlCol="0" anchor="b">
+            <a:normAutofit/>
+          </a:bodyPr>
+          <a:lstStyle/>
+          <a:p>
+            <a:r>
+              <a:rPr lang="en-US" sz="5400">
+                <a:solidFill>
+                  <a:schemeClr val="tx1">
+                    <a:lumMod val="85000"/>
+                    <a:lumOff val="15000"/>
+                  </a:schemeClr>
+                </a:solidFill>
+              </a:rPr>
+              <a:t>EDA</a:t>
+            </a:r>
+          </a:p>
+        </p:txBody>
+      </p:sp>
       <p:pic>
         <p:nvPicPr>
-          <p:cNvPr id="6" name="Picture 5" descr="Chart, treemap chart&#10;&#10;Description automatically generated">
-            <a:extLst>
-              <a:ext uri="{FF2B5EF4-FFF2-40B4-BE49-F238E27FC236}">
-                <a16:creationId xmlns:a16="http://schemas.microsoft.com/office/drawing/2014/main" id="{481D3C2B-81B3-4FF2-9C4D-FE86B9C10501}"/>
+          <p:cNvPr id="10" name="Picture 9" descr="Graphical user interface&#10;&#10;Description automatically generated with medium confidence">
+            <a:extLst>
+              <a:ext uri="{FF2B5EF4-FFF2-40B4-BE49-F238E27FC236}">
+                <a16:creationId xmlns:a16="http://schemas.microsoft.com/office/drawing/2014/main" id="{443EEB26-F8D9-4B0C-9A07-430116C0017A}"/>
               </a:ext>
             </a:extLst>
           </p:cNvPr>
@@ -4944,7 +4818,7 @@
           <p:nvPr/>
         </p:nvPicPr>
         <p:blipFill>
-          <a:blip r:embed="rId4">
+          <a:blip r:embed="rId2">
             <a:extLst>
               <a:ext uri="{28A0092B-C50C-407E-A947-70E740481C1C}">
                 <a14:useLocalDpi xmlns:a14="http://schemas.microsoft.com/office/drawing/2010/main" val="0"/>
@@ -4957,8 +4831,8 @@
         </p:blipFill>
         <p:spPr bwMode="auto">
           <a:xfrm>
-            <a:off x="8230289" y="1347604"/>
-            <a:ext cx="3312784" cy="2187687"/>
+            <a:off x="633999" y="1318141"/>
+            <a:ext cx="6912217" cy="3698035"/>
           </a:xfrm>
           <a:prstGeom prst="rect">
             <a:avLst/>
@@ -4968,10 +4842,10 @@
       </p:pic>
       <p:cxnSp>
         <p:nvCxnSpPr>
-          <p:cNvPr id="21" name="Straight Connector 20">
-            <a:extLst>
-              <a:ext uri="{FF2B5EF4-FFF2-40B4-BE49-F238E27FC236}">
-                <a16:creationId xmlns:a16="http://schemas.microsoft.com/office/drawing/2014/main" id="{F7F57F6B-E621-4E40-A34D-2FE12902AA20}"/>
+          <p:cNvPr id="93" name="Straight Connector 92">
+            <a:extLst>
+              <a:ext uri="{FF2B5EF4-FFF2-40B4-BE49-F238E27FC236}">
+                <a16:creationId xmlns:a16="http://schemas.microsoft.com/office/drawing/2014/main" id="{BA22713B-ABB6-4391-97F9-0449A2B9B664}"/>
               </a:ext>
               <a:ext uri="{C183D7F6-B498-43B3-948B-1728B52AA6E4}">
                 <adec:decorative xmlns:adec="http://schemas.microsoft.com/office/drawing/2017/decorative" val="1"/>
@@ -4991,8 +4865,8 @@
         </p:nvCxnSpPr>
         <p:spPr>
           <a:xfrm>
-            <a:off x="721086" y="5645296"/>
-            <a:ext cx="10515600" cy="0"/>
+            <a:off x="8209305" y="4294754"/>
+            <a:ext cx="3200400" cy="0"/>
           </a:xfrm>
           <a:prstGeom prst="line">
             <a:avLst/>
@@ -5023,10 +4897,10 @@
       </p:cxnSp>
       <p:sp>
         <p:nvSpPr>
-          <p:cNvPr id="23" name="Rectangle 22">
-            <a:extLst>
-              <a:ext uri="{FF2B5EF4-FFF2-40B4-BE49-F238E27FC236}">
-                <a16:creationId xmlns:a16="http://schemas.microsoft.com/office/drawing/2014/main" id="{8EE702CF-91CE-4661-ACBF-3C8160D1B433}"/>
+          <p:cNvPr id="95" name="Rectangle 94">
+            <a:extLst>
+              <a:ext uri="{FF2B5EF4-FFF2-40B4-BE49-F238E27FC236}">
+                <a16:creationId xmlns:a16="http://schemas.microsoft.com/office/drawing/2014/main" id="{8D4480B4-953D-41FA-9052-09AB3A026947}"/>
               </a:ext>
               <a:ext uri="{C183D7F6-B498-43B3-948B-1728B52AA6E4}">
                 <adec:decorative xmlns:adec="http://schemas.microsoft.com/office/drawing/2017/decorative" val="1"/>
@@ -5046,7 +4920,7 @@
         </p:nvSpPr>
         <p:spPr>
           <a:xfrm>
-            <a:off x="1" y="6400800"/>
+            <a:off x="0" y="6400800"/>
             <a:ext cx="12192000" cy="457200"/>
           </a:xfrm>
           <a:prstGeom prst="rect">
@@ -5076,188 +4950,417 @@
           </a:fontRef>
         </p:style>
       </p:sp>
-      <p:sp>
-        <p:nvSpPr>
-          <p:cNvPr id="7" name="TextBox 6">
-            <a:extLst>
-              <a:ext uri="{FF2B5EF4-FFF2-40B4-BE49-F238E27FC236}">
-                <a16:creationId xmlns:a16="http://schemas.microsoft.com/office/drawing/2014/main" id="{D065BD06-C0BB-438F-B71C-9E1639ABF60E}"/>
-              </a:ext>
-            </a:extLst>
-          </p:cNvPr>
-          <p:cNvSpPr txBox="1"/>
-          <p:nvPr/>
-        </p:nvSpPr>
-        <p:spPr>
-          <a:xfrm>
-            <a:off x="4602803" y="3820350"/>
-            <a:ext cx="3454882" cy="369332"/>
-          </a:xfrm>
-          <a:prstGeom prst="rect">
-            <a:avLst/>
-          </a:prstGeom>
-          <a:noFill/>
-        </p:spPr>
-        <p:txBody>
-          <a:bodyPr wrap="square" rtlCol="0">
-            <a:spAutoFit/>
-          </a:bodyPr>
-          <a:lstStyle/>
-          <a:p>
-            <a:r>
-              <a:rPr lang="en-US" dirty="0"/>
-              <a:t>Best Recall score = 0.845</a:t>
-            </a:r>
-            <a:endParaRPr lang="en-CA" dirty="0"/>
-          </a:p>
-        </p:txBody>
-      </p:sp>
     </p:spTree>
     <p:extLst>
       <p:ext uri="{BB962C8B-B14F-4D97-AF65-F5344CB8AC3E}">
-        <p14:creationId xmlns:p14="http://schemas.microsoft.com/office/powerpoint/2010/main" val="4220248417"/>
+        <p14:creationId xmlns:p14="http://schemas.microsoft.com/office/powerpoint/2010/main" val="2097917012"/>
       </p:ext>
     </p:extLst>
   </p:cSld>
   <p:clrMapOvr>
     <a:masterClrMapping/>
   </p:clrMapOvr>
-  <p:timing>
-    <p:tnLst>
-      <p:par>
-        <p:cTn id="1" dur="indefinite" restart="never" nodeType="tmRoot">
-          <p:childTnLst>
-            <p:seq concurrent="1" nextAc="seek">
-              <p:cTn id="2" dur="indefinite" nodeType="mainSeq">
-                <p:childTnLst>
-                  <p:par>
-                    <p:cTn id="3" fill="hold">
-                      <p:stCondLst>
-                        <p:cond delay="indefinite"/>
-                      </p:stCondLst>
-                      <p:childTnLst>
-                        <p:par>
-                          <p:cTn id="4" fill="hold">
-                            <p:stCondLst>
-                              <p:cond delay="0"/>
-                            </p:stCondLst>
-                            <p:childTnLst>
-                              <p:par>
-                                <p:cTn id="5" presetID="42" presetClass="entr" presetSubtype="0" fill="hold" grpId="0" nodeType="clickEffect">
-                                  <p:stCondLst>
-                                    <p:cond delay="0"/>
-                                  </p:stCondLst>
-                                  <p:childTnLst>
-                                    <p:set>
-                                      <p:cBhvr>
-                                        <p:cTn id="6" dur="1" fill="hold">
-                                          <p:stCondLst>
-                                            <p:cond delay="0"/>
-                                          </p:stCondLst>
-                                        </p:cTn>
-                                        <p:tgtEl>
-                                          <p:spTgt spid="7"/>
-                                        </p:tgtEl>
-                                        <p:attrNameLst>
-                                          <p:attrName>style.visibility</p:attrName>
-                                        </p:attrNameLst>
-                                      </p:cBhvr>
-                                      <p:to>
-                                        <p:strVal val="visible"/>
-                                      </p:to>
-                                    </p:set>
-                                    <p:animEffect transition="in" filter="fade">
-                                      <p:cBhvr>
-                                        <p:cTn id="7" dur="1000"/>
-                                        <p:tgtEl>
-                                          <p:spTgt spid="7"/>
-                                        </p:tgtEl>
-                                      </p:cBhvr>
-                                    </p:animEffect>
-                                    <p:anim calcmode="lin" valueType="num">
-                                      <p:cBhvr>
-                                        <p:cTn id="8" dur="1000" fill="hold"/>
-                                        <p:tgtEl>
-                                          <p:spTgt spid="7"/>
-                                        </p:tgtEl>
-                                        <p:attrNameLst>
-                                          <p:attrName>ppt_x</p:attrName>
-                                        </p:attrNameLst>
-                                      </p:cBhvr>
-                                      <p:tavLst>
-                                        <p:tav tm="0">
-                                          <p:val>
-                                            <p:strVal val="#ppt_x"/>
-                                          </p:val>
-                                        </p:tav>
-                                        <p:tav tm="100000">
-                                          <p:val>
-                                            <p:strVal val="#ppt_x"/>
-                                          </p:val>
-                                        </p:tav>
-                                      </p:tavLst>
-                                    </p:anim>
-                                    <p:anim calcmode="lin" valueType="num">
-                                      <p:cBhvr>
-                                        <p:cTn id="9" dur="1000" fill="hold"/>
-                                        <p:tgtEl>
-                                          <p:spTgt spid="7"/>
-                                        </p:tgtEl>
-                                        <p:attrNameLst>
-                                          <p:attrName>ppt_y</p:attrName>
-                                        </p:attrNameLst>
-                                      </p:cBhvr>
-                                      <p:tavLst>
-                                        <p:tav tm="0">
-                                          <p:val>
-                                            <p:strVal val="#ppt_y+.1"/>
-                                          </p:val>
-                                        </p:tav>
-                                        <p:tav tm="100000">
-                                          <p:val>
-                                            <p:strVal val="#ppt_y"/>
-                                          </p:val>
-                                        </p:tav>
-                                      </p:tavLst>
-                                    </p:anim>
-                                  </p:childTnLst>
-                                </p:cTn>
-                              </p:par>
-                            </p:childTnLst>
-                          </p:cTn>
-                        </p:par>
-                      </p:childTnLst>
-                    </p:cTn>
-                  </p:par>
-                </p:childTnLst>
-              </p:cTn>
-              <p:prevCondLst>
-                <p:cond evt="onPrev" delay="0">
-                  <p:tgtEl>
-                    <p:sldTgt/>
-                  </p:tgtEl>
-                </p:cond>
-              </p:prevCondLst>
-              <p:nextCondLst>
-                <p:cond evt="onNext" delay="0">
-                  <p:tgtEl>
-                    <p:sldTgt/>
-                  </p:tgtEl>
-                </p:cond>
-              </p:nextCondLst>
-            </p:seq>
-          </p:childTnLst>
-        </p:cTn>
-      </p:par>
-    </p:tnLst>
-    <p:bldLst>
-      <p:bldP spid="7" grpId="0"/>
-    </p:bldLst>
-  </p:timing>
 </p:sld>
 </file>
 
-<file path=ppt/slides/slide15.xml><?xml version="1.0" encoding="utf-8"?>
+<file path=ppt/slides/slide13.xml><?xml version="1.0" encoding="utf-8"?>
+<p:sld xmlns:a="http://schemas.openxmlformats.org/drawingml/2006/main" xmlns:r="http://schemas.openxmlformats.org/officeDocument/2006/relationships" xmlns:p="http://schemas.openxmlformats.org/presentationml/2006/main">
+  <p:cSld>
+    <p:bg>
+      <p:bgPr>
+        <a:solidFill>
+          <a:schemeClr val="bg1"/>
+        </a:solidFill>
+        <a:effectLst/>
+      </p:bgPr>
+    </p:bg>
+    <p:spTree>
+      <p:nvGrpSpPr>
+        <p:cNvPr id="1" name=""/>
+        <p:cNvGrpSpPr/>
+        <p:nvPr/>
+      </p:nvGrpSpPr>
+      <p:grpSpPr>
+        <a:xfrm>
+          <a:off x="0" y="0"/>
+          <a:ext cx="0" cy="0"/>
+          <a:chOff x="0" y="0"/>
+          <a:chExt cx="0" cy="0"/>
+        </a:xfrm>
+      </p:grpSpPr>
+      <p:sp>
+        <p:nvSpPr>
+          <p:cNvPr id="100" name="Rectangle 99">
+            <a:extLst>
+              <a:ext uri="{FF2B5EF4-FFF2-40B4-BE49-F238E27FC236}">
+                <a16:creationId xmlns:a16="http://schemas.microsoft.com/office/drawing/2014/main" id="{39E3965E-AC41-4711-9D10-E25ABB132D86}"/>
+              </a:ext>
+              <a:ext uri="{C183D7F6-B498-43B3-948B-1728B52AA6E4}">
+                <adec:decorative xmlns:adec="http://schemas.microsoft.com/office/drawing/2017/decorative" val="1"/>
+              </a:ext>
+            </a:extLst>
+          </p:cNvPr>
+          <p:cNvSpPr>
+            <a:spLocks noGrp="1" noRot="1" noChangeAspect="1" noMove="1" noResize="1" noEditPoints="1" noAdjustHandles="1" noChangeArrowheads="1" noChangeShapeType="1" noTextEdit="1"/>
+          </p:cNvSpPr>
+          <p:nvPr>
+            <p:extLst>
+              <p:ext uri="{386F3935-93C4-4BCD-93E2-E3B085C9AB24}">
+                <p16:designElem xmlns:p16="http://schemas.microsoft.com/office/powerpoint/2015/main" val="1"/>
+              </p:ext>
+            </p:extLst>
+          </p:nvPr>
+        </p:nvSpPr>
+        <p:spPr>
+          <a:xfrm>
+            <a:off x="3175" y="6400800"/>
+            <a:ext cx="12188825" cy="457200"/>
+          </a:xfrm>
+          <a:prstGeom prst="rect">
+            <a:avLst/>
+          </a:prstGeom>
+          <a:solidFill>
+            <a:srgbClr val="262626"/>
+          </a:solidFill>
+          <a:ln>
+            <a:noFill/>
+          </a:ln>
+        </p:spPr>
+        <p:style>
+          <a:lnRef idx="2">
+            <a:schemeClr val="accent1">
+              <a:shade val="50000"/>
+            </a:schemeClr>
+          </a:lnRef>
+          <a:fillRef idx="1">
+            <a:schemeClr val="accent1"/>
+          </a:fillRef>
+          <a:effectRef idx="0">
+            <a:schemeClr val="accent1"/>
+          </a:effectRef>
+          <a:fontRef idx="minor">
+            <a:schemeClr val="lt1"/>
+          </a:fontRef>
+        </p:style>
+      </p:sp>
+      <p:cxnSp>
+        <p:nvCxnSpPr>
+          <p:cNvPr id="102" name="Straight Connector 101">
+            <a:extLst>
+              <a:ext uri="{FF2B5EF4-FFF2-40B4-BE49-F238E27FC236}">
+                <a16:creationId xmlns:a16="http://schemas.microsoft.com/office/drawing/2014/main" id="{1F5DC8C3-BA5F-4EED-BB9A-A14272BD82A1}"/>
+              </a:ext>
+              <a:ext uri="{C183D7F6-B498-43B3-948B-1728B52AA6E4}">
+                <adec:decorative xmlns:adec="http://schemas.microsoft.com/office/drawing/2017/decorative" val="1"/>
+              </a:ext>
+            </a:extLst>
+          </p:cNvPr>
+          <p:cNvCxnSpPr>
+            <a:cxnSpLocks noGrp="1" noRot="1" noChangeAspect="1" noMove="1" noResize="1" noEditPoints="1" noAdjustHandles="1" noChangeArrowheads="1" noChangeShapeType="1"/>
+          </p:cNvCxnSpPr>
+          <p:nvPr>
+            <p:extLst>
+              <p:ext uri="{386F3935-93C4-4BCD-93E2-E3B085C9AB24}">
+                <p16:designElem xmlns:p16="http://schemas.microsoft.com/office/powerpoint/2015/main" val="1"/>
+              </p:ext>
+            </p:extLst>
+          </p:nvPr>
+        </p:nvCxnSpPr>
+        <p:spPr>
+          <a:xfrm>
+            <a:off x="1207658" y="4474741"/>
+            <a:ext cx="9875520" cy="0"/>
+          </a:xfrm>
+          <a:prstGeom prst="line">
+            <a:avLst/>
+          </a:prstGeom>
+          <a:ln w="12700">
+            <a:solidFill>
+              <a:schemeClr val="tx1">
+                <a:lumMod val="75000"/>
+                <a:lumOff val="25000"/>
+              </a:schemeClr>
+            </a:solidFill>
+          </a:ln>
+        </p:spPr>
+        <p:style>
+          <a:lnRef idx="1">
+            <a:schemeClr val="accent1"/>
+          </a:lnRef>
+          <a:fillRef idx="0">
+            <a:schemeClr val="accent1"/>
+          </a:fillRef>
+          <a:effectRef idx="0">
+            <a:schemeClr val="accent1"/>
+          </a:effectRef>
+          <a:fontRef idx="minor">
+            <a:schemeClr val="tx1"/>
+          </a:fontRef>
+        </p:style>
+      </p:cxnSp>
+      <p:sp useBgFill="1">
+        <p:nvSpPr>
+          <p:cNvPr id="104" name="Rectangle 103">
+            <a:extLst>
+              <a:ext uri="{FF2B5EF4-FFF2-40B4-BE49-F238E27FC236}">
+                <a16:creationId xmlns:a16="http://schemas.microsoft.com/office/drawing/2014/main" id="{33428ACC-71EC-4171-9527-10983BA6B41D}"/>
+              </a:ext>
+              <a:ext uri="{C183D7F6-B498-43B3-948B-1728B52AA6E4}">
+                <adec:decorative xmlns:adec="http://schemas.microsoft.com/office/drawing/2017/decorative" val="1"/>
+              </a:ext>
+            </a:extLst>
+          </p:cNvPr>
+          <p:cNvSpPr>
+            <a:spLocks noGrp="1" noRot="1" noChangeAspect="1" noMove="1" noResize="1" noEditPoints="1" noAdjustHandles="1" noChangeArrowheads="1" noChangeShapeType="1" noTextEdit="1"/>
+          </p:cNvSpPr>
+          <p:nvPr>
+            <p:extLst>
+              <p:ext uri="{386F3935-93C4-4BCD-93E2-E3B085C9AB24}">
+                <p16:designElem xmlns:p16="http://schemas.microsoft.com/office/powerpoint/2015/main" val="1"/>
+              </p:ext>
+            </p:extLst>
+          </p:nvPr>
+        </p:nvSpPr>
+        <p:spPr>
+          <a:xfrm>
+            <a:off x="0" y="0"/>
+            <a:ext cx="12192001" cy="6858000"/>
+          </a:xfrm>
+          <a:prstGeom prst="rect">
+            <a:avLst/>
+          </a:prstGeom>
+          <a:ln>
+            <a:noFill/>
+          </a:ln>
+        </p:spPr>
+        <p:style>
+          <a:lnRef idx="2">
+            <a:schemeClr val="accent1">
+              <a:shade val="50000"/>
+            </a:schemeClr>
+          </a:lnRef>
+          <a:fillRef idx="1">
+            <a:schemeClr val="accent1"/>
+          </a:fillRef>
+          <a:effectRef idx="0">
+            <a:schemeClr val="accent1"/>
+          </a:effectRef>
+          <a:fontRef idx="minor">
+            <a:schemeClr val="lt1"/>
+          </a:fontRef>
+        </p:style>
+        <p:txBody>
+          <a:bodyPr rtlCol="0" anchor="ctr"/>
+          <a:lstStyle/>
+          <a:p>
+            <a:pPr algn="ctr"/>
+            <a:endParaRPr lang="en-US"/>
+          </a:p>
+        </p:txBody>
+      </p:sp>
+      <p:sp>
+        <p:nvSpPr>
+          <p:cNvPr id="2" name="Title 1">
+            <a:extLst>
+              <a:ext uri="{FF2B5EF4-FFF2-40B4-BE49-F238E27FC236}">
+                <a16:creationId xmlns:a16="http://schemas.microsoft.com/office/drawing/2014/main" id="{17449018-BACA-4856-BF81-9ABF43C4001F}"/>
+              </a:ext>
+            </a:extLst>
+          </p:cNvPr>
+          <p:cNvSpPr>
+            <a:spLocks noGrp="1"/>
+          </p:cNvSpPr>
+          <p:nvPr>
+            <p:ph type="title"/>
+          </p:nvPr>
+        </p:nvSpPr>
+        <p:spPr>
+          <a:xfrm>
+            <a:off x="8141110" y="639098"/>
+            <a:ext cx="3401961" cy="3494790"/>
+          </a:xfrm>
+        </p:spPr>
+        <p:txBody>
+          <a:bodyPr vert="horz" lIns="91440" tIns="45720" rIns="91440" bIns="45720" rtlCol="0" anchor="b">
+            <a:normAutofit/>
+          </a:bodyPr>
+          <a:lstStyle/>
+          <a:p>
+            <a:r>
+              <a:rPr lang="en-US" sz="5400">
+                <a:solidFill>
+                  <a:schemeClr val="tx1">
+                    <a:lumMod val="85000"/>
+                    <a:lumOff val="15000"/>
+                  </a:schemeClr>
+                </a:solidFill>
+              </a:rPr>
+              <a:t>EDA</a:t>
+            </a:r>
+          </a:p>
+        </p:txBody>
+      </p:sp>
+      <p:pic>
+        <p:nvPicPr>
+          <p:cNvPr id="9" name="Picture 8" descr="Chart, histogram&#10;&#10;Description automatically generated">
+            <a:extLst>
+              <a:ext uri="{FF2B5EF4-FFF2-40B4-BE49-F238E27FC236}">
+                <a16:creationId xmlns:a16="http://schemas.microsoft.com/office/drawing/2014/main" id="{14C2BDF7-7012-4FD0-90DD-AABE07DFD548}"/>
+              </a:ext>
+            </a:extLst>
+          </p:cNvPr>
+          <p:cNvPicPr>
+            <a:picLocks noChangeAspect="1"/>
+          </p:cNvPicPr>
+          <p:nvPr/>
+        </p:nvPicPr>
+        <p:blipFill>
+          <a:blip r:embed="rId2">
+            <a:extLst>
+              <a:ext uri="{28A0092B-C50C-407E-A947-70E740481C1C}">
+                <a14:useLocalDpi xmlns:a14="http://schemas.microsoft.com/office/drawing/2010/main" val="0"/>
+              </a:ext>
+            </a:extLst>
+          </a:blip>
+          <a:stretch>
+            <a:fillRect/>
+          </a:stretch>
+        </p:blipFill>
+        <p:spPr bwMode="auto">
+          <a:xfrm>
+            <a:off x="633999" y="825646"/>
+            <a:ext cx="6912217" cy="4683026"/>
+          </a:xfrm>
+          <a:prstGeom prst="rect">
+            <a:avLst/>
+          </a:prstGeom>
+          <a:noFill/>
+        </p:spPr>
+      </p:pic>
+      <p:cxnSp>
+        <p:nvCxnSpPr>
+          <p:cNvPr id="106" name="Straight Connector 105">
+            <a:extLst>
+              <a:ext uri="{FF2B5EF4-FFF2-40B4-BE49-F238E27FC236}">
+                <a16:creationId xmlns:a16="http://schemas.microsoft.com/office/drawing/2014/main" id="{BA22713B-ABB6-4391-97F9-0449A2B9B664}"/>
+              </a:ext>
+              <a:ext uri="{C183D7F6-B498-43B3-948B-1728B52AA6E4}">
+                <adec:decorative xmlns:adec="http://schemas.microsoft.com/office/drawing/2017/decorative" val="1"/>
+              </a:ext>
+            </a:extLst>
+          </p:cNvPr>
+          <p:cNvCxnSpPr>
+            <a:cxnSpLocks noGrp="1" noRot="1" noChangeAspect="1" noMove="1" noResize="1" noEditPoints="1" noAdjustHandles="1" noChangeArrowheads="1" noChangeShapeType="1"/>
+          </p:cNvCxnSpPr>
+          <p:nvPr>
+            <p:extLst>
+              <p:ext uri="{386F3935-93C4-4BCD-93E2-E3B085C9AB24}">
+                <p16:designElem xmlns:p16="http://schemas.microsoft.com/office/powerpoint/2015/main" val="1"/>
+              </p:ext>
+            </p:extLst>
+          </p:nvPr>
+        </p:nvCxnSpPr>
+        <p:spPr>
+          <a:xfrm>
+            <a:off x="8209305" y="4294754"/>
+            <a:ext cx="3200400" cy="0"/>
+          </a:xfrm>
+          <a:prstGeom prst="line">
+            <a:avLst/>
+          </a:prstGeom>
+          <a:ln w="12700">
+            <a:solidFill>
+              <a:schemeClr val="tx1">
+                <a:lumMod val="75000"/>
+                <a:lumOff val="25000"/>
+              </a:schemeClr>
+            </a:solidFill>
+          </a:ln>
+        </p:spPr>
+        <p:style>
+          <a:lnRef idx="1">
+            <a:schemeClr val="accent1"/>
+          </a:lnRef>
+          <a:fillRef idx="0">
+            <a:schemeClr val="accent1"/>
+          </a:fillRef>
+          <a:effectRef idx="0">
+            <a:schemeClr val="accent1"/>
+          </a:effectRef>
+          <a:fontRef idx="minor">
+            <a:schemeClr val="tx1"/>
+          </a:fontRef>
+        </p:style>
+      </p:cxnSp>
+      <p:sp>
+        <p:nvSpPr>
+          <p:cNvPr id="108" name="Rectangle 107">
+            <a:extLst>
+              <a:ext uri="{FF2B5EF4-FFF2-40B4-BE49-F238E27FC236}">
+                <a16:creationId xmlns:a16="http://schemas.microsoft.com/office/drawing/2014/main" id="{8D4480B4-953D-41FA-9052-09AB3A026947}"/>
+              </a:ext>
+              <a:ext uri="{C183D7F6-B498-43B3-948B-1728B52AA6E4}">
+                <adec:decorative xmlns:adec="http://schemas.microsoft.com/office/drawing/2017/decorative" val="1"/>
+              </a:ext>
+            </a:extLst>
+          </p:cNvPr>
+          <p:cNvSpPr>
+            <a:spLocks noGrp="1" noRot="1" noChangeAspect="1" noMove="1" noResize="1" noEditPoints="1" noAdjustHandles="1" noChangeArrowheads="1" noChangeShapeType="1" noTextEdit="1"/>
+          </p:cNvSpPr>
+          <p:nvPr>
+            <p:extLst>
+              <p:ext uri="{386F3935-93C4-4BCD-93E2-E3B085C9AB24}">
+                <p16:designElem xmlns:p16="http://schemas.microsoft.com/office/powerpoint/2015/main" val="1"/>
+              </p:ext>
+            </p:extLst>
+          </p:nvPr>
+        </p:nvSpPr>
+        <p:spPr>
+          <a:xfrm>
+            <a:off x="0" y="6400800"/>
+            <a:ext cx="12192000" cy="457200"/>
+          </a:xfrm>
+          <a:prstGeom prst="rect">
+            <a:avLst/>
+          </a:prstGeom>
+          <a:solidFill>
+            <a:srgbClr val="262626"/>
+          </a:solidFill>
+          <a:ln>
+            <a:noFill/>
+          </a:ln>
+        </p:spPr>
+        <p:style>
+          <a:lnRef idx="2">
+            <a:schemeClr val="accent1">
+              <a:shade val="50000"/>
+            </a:schemeClr>
+          </a:lnRef>
+          <a:fillRef idx="1">
+            <a:schemeClr val="accent1"/>
+          </a:fillRef>
+          <a:effectRef idx="0">
+            <a:schemeClr val="accent1"/>
+          </a:effectRef>
+          <a:fontRef idx="minor">
+            <a:schemeClr val="lt1"/>
+          </a:fontRef>
+        </p:style>
+      </p:sp>
+    </p:spTree>
+    <p:extLst>
+      <p:ext uri="{BB962C8B-B14F-4D97-AF65-F5344CB8AC3E}">
+        <p14:creationId xmlns:p14="http://schemas.microsoft.com/office/powerpoint/2010/main" val="1937997572"/>
+      </p:ext>
+    </p:extLst>
+  </p:cSld>
+  <p:clrMapOvr>
+    <a:masterClrMapping/>
+  </p:clrMapOvr>
+</p:sld>
+</file>
+
+<file path=ppt/slides/slide14.xml><?xml version="1.0" encoding="utf-8"?>
 <p:sld xmlns:a="http://schemas.openxmlformats.org/drawingml/2006/main" xmlns:r="http://schemas.openxmlformats.org/officeDocument/2006/relationships" xmlns:p="http://schemas.openxmlformats.org/presentationml/2006/main">
   <p:cSld>
     <p:spTree>
@@ -5279,7 +5382,7 @@
           <p:cNvPr id="2" name="Title 1">
             <a:extLst>
               <a:ext uri="{FF2B5EF4-FFF2-40B4-BE49-F238E27FC236}">
-                <a16:creationId xmlns:a16="http://schemas.microsoft.com/office/drawing/2014/main" id="{A4CED07D-E4F7-4A77-9B0B-B20ACF3B7788}"/>
+                <a16:creationId xmlns:a16="http://schemas.microsoft.com/office/drawing/2014/main" id="{0C174C66-9DCA-4573-BB3C-829396D3CBBB}"/>
               </a:ext>
             </a:extLst>
           </p:cNvPr>
@@ -5297,59 +5400,111 @@
           <a:p>
             <a:r>
               <a:rPr lang="en-US" dirty="0"/>
-              <a:t>Feature Importance</a:t>
+              <a:t>Machine Learning Algorithms</a:t>
             </a:r>
             <a:endParaRPr lang="en-CA" dirty="0"/>
           </a:p>
         </p:txBody>
       </p:sp>
-      <p:pic>
-        <p:nvPicPr>
-          <p:cNvPr id="4" name="Content Placeholder 3" descr="Graphical user interface, application, table&#10;&#10;Description automatically generated with medium confidence">
-            <a:extLst>
-              <a:ext uri="{FF2B5EF4-FFF2-40B4-BE49-F238E27FC236}">
-                <a16:creationId xmlns:a16="http://schemas.microsoft.com/office/drawing/2014/main" id="{3879CB0F-5348-4931-87BA-3FC2617C30C2}"/>
-              </a:ext>
-            </a:extLst>
-          </p:cNvPr>
-          <p:cNvPicPr>
-            <a:picLocks noGrp="1" noChangeAspect="1"/>
-          </p:cNvPicPr>
+      <p:sp>
+        <p:nvSpPr>
+          <p:cNvPr id="3" name="Content Placeholder 2">
+            <a:extLst>
+              <a:ext uri="{FF2B5EF4-FFF2-40B4-BE49-F238E27FC236}">
+                <a16:creationId xmlns:a16="http://schemas.microsoft.com/office/drawing/2014/main" id="{CE301247-1CD6-40BC-BBA1-82512768E207}"/>
+              </a:ext>
+            </a:extLst>
+          </p:cNvPr>
+          <p:cNvSpPr>
+            <a:spLocks noGrp="1"/>
+          </p:cNvSpPr>
           <p:nvPr>
             <p:ph idx="1"/>
           </p:nvPr>
-        </p:nvPicPr>
-        <p:blipFill>
-          <a:blip r:embed="rId2">
-            <a:extLst>
-              <a:ext uri="{28A0092B-C50C-407E-A947-70E740481C1C}">
-                <a14:useLocalDpi xmlns:a14="http://schemas.microsoft.com/office/drawing/2010/main" val="0"/>
-              </a:ext>
-            </a:extLst>
-          </a:blip>
-          <a:srcRect/>
-          <a:stretch>
-            <a:fillRect/>
-          </a:stretch>
-        </p:blipFill>
-        <p:spPr bwMode="auto">
-          <a:xfrm>
-            <a:off x="2463270" y="2108200"/>
-            <a:ext cx="7325786" cy="3760788"/>
-          </a:xfrm>
-          <a:prstGeom prst="rect">
-            <a:avLst/>
-          </a:prstGeom>
-          <a:noFill/>
-          <a:ln>
-            <a:noFill/>
-          </a:ln>
-        </p:spPr>
-      </p:pic>
+        </p:nvSpPr>
+        <p:spPr/>
+        <p:txBody>
+          <a:bodyPr/>
+          <a:lstStyle/>
+          <a:p>
+            <a:pPr lvl="1">
+              <a:lnSpc>
+                <a:spcPct val="107000"/>
+              </a:lnSpc>
+              <a:spcBef>
+                <a:spcPts val="2400"/>
+              </a:spcBef>
+            </a:pPr>
+            <a:r>
+              <a:rPr lang="en-CA" sz="1600" b="1" i="0" dirty="0">
+                <a:solidFill>
+                  <a:srgbClr val="24292F"/>
+                </a:solidFill>
+                <a:effectLst/>
+                <a:latin typeface="Segoe UI" panose="020B0502040204020203" pitchFamily="34" charset="0"/>
+                <a:ea typeface="Times New Roman" panose="02020603050405020304" pitchFamily="18" charset="0"/>
+                <a:cs typeface="Times New Roman" panose="02020603050405020304" pitchFamily="18" charset="0"/>
+              </a:rPr>
+              <a:t>Ada Boost</a:t>
+            </a:r>
+          </a:p>
+          <a:p>
+            <a:pPr lvl="1">
+              <a:lnSpc>
+                <a:spcPct val="107000"/>
+              </a:lnSpc>
+              <a:spcBef>
+                <a:spcPts val="2400"/>
+              </a:spcBef>
+            </a:pPr>
+            <a:r>
+              <a:rPr lang="en-CA" sz="1600" b="1" dirty="0">
+                <a:solidFill>
+                  <a:srgbClr val="24292F"/>
+                </a:solidFill>
+                <a:effectLst/>
+                <a:latin typeface="Segoe UI" panose="020B0502040204020203" pitchFamily="34" charset="0"/>
+                <a:ea typeface="Times New Roman" panose="02020603050405020304" pitchFamily="18" charset="0"/>
+              </a:rPr>
+              <a:t>Linear Discriminant Analysis</a:t>
+            </a:r>
+          </a:p>
+          <a:p>
+            <a:pPr lvl="1">
+              <a:lnSpc>
+                <a:spcPct val="107000"/>
+              </a:lnSpc>
+              <a:spcBef>
+                <a:spcPts val="2400"/>
+              </a:spcBef>
+            </a:pPr>
+            <a:r>
+              <a:rPr lang="en-CA" sz="1600" b="1" dirty="0">
+                <a:solidFill>
+                  <a:srgbClr val="24292F"/>
+                </a:solidFill>
+                <a:effectLst/>
+                <a:latin typeface="Segoe UI" panose="020B0502040204020203" pitchFamily="34" charset="0"/>
+                <a:ea typeface="Times New Roman" panose="02020603050405020304" pitchFamily="18" charset="0"/>
+              </a:rPr>
+              <a:t>Light Gradient Boosting Machine</a:t>
+            </a:r>
+            <a:endParaRPr lang="en-CA" sz="1600" b="1" i="1" dirty="0">
+              <a:solidFill>
+                <a:srgbClr val="2F5496"/>
+              </a:solidFill>
+              <a:effectLst/>
+              <a:latin typeface="Calibri Light" panose="020F0302020204030204" pitchFamily="34" charset="0"/>
+              <a:ea typeface="Times New Roman" panose="02020603050405020304" pitchFamily="18" charset="0"/>
+              <a:cs typeface="Times New Roman" panose="02020603050405020304" pitchFamily="18" charset="0"/>
+            </a:endParaRPr>
+          </a:p>
+        </p:txBody>
+      </p:sp>
     </p:spTree>
     <p:extLst>
       <p:ext uri="{BB962C8B-B14F-4D97-AF65-F5344CB8AC3E}">
-        <p14:creationId xmlns:p14="http://schemas.microsoft.com/office/powerpoint/2010/main" val="2216693711"/>
+        <p14:creationId xmlns:p14="http://schemas.microsoft.com/office/powerpoint/2010/main" val="1526307458"/>
       </p:ext>
     </p:extLst>
   </p:cSld>
@@ -5359,7 +5514,7 @@
 </p:sld>
 </file>
 
-<file path=ppt/slides/slide16.xml><?xml version="1.0" encoding="utf-8"?>
+<file path=ppt/slides/slide15.xml><?xml version="1.0" encoding="utf-8"?>
 <p:sld xmlns:a="http://schemas.openxmlformats.org/drawingml/2006/main" xmlns:r="http://schemas.openxmlformats.org/officeDocument/2006/relationships" xmlns:p="http://schemas.openxmlformats.org/presentationml/2006/main">
   <p:cSld>
     <p:spTree>
@@ -5717,87 +5872,75 @@
         <p:spPr/>
         <p:txBody>
           <a:bodyPr>
-            <a:normAutofit lnSpcReduction="10000"/>
+            <a:normAutofit/>
           </a:bodyPr>
           <a:lstStyle/>
+          <a:p>
+            <a:pPr marL="457200" indent="-457200">
+              <a:buAutoNum type="arabicPeriod"/>
+            </a:pPr>
+            <a:r>
+              <a:rPr lang="en-CA" b="1" dirty="0">
+                <a:hlinkClick r:id="rId2">
+                  <a:extLst>
+                    <a:ext uri="{A12FA001-AC4F-418D-AE19-62706E023703}">
+                      <ahyp:hlinkClr xmlns:ahyp="http://schemas.microsoft.com/office/drawing/2018/hyperlinkcolor" val="tx"/>
+                    </a:ext>
+                  </a:extLst>
+                </a:hlinkClick>
+              </a:rPr>
+              <a:t>COVID-19 Data Repository by the Center for Systems Science and Engineering (CSSE) at Johns Hopkins University</a:t>
+            </a:r>
+            <a:endParaRPr lang="en-US" b="1" dirty="0"/>
+          </a:p>
+          <a:p>
+            <a:pPr marL="749808" lvl="1" indent="-457200"/>
+            <a:endParaRPr lang="en-US" sz="1900" dirty="0"/>
+          </a:p>
+          <a:p>
+            <a:pPr marL="749808" lvl="1" indent="-457200"/>
+            <a:r>
+              <a:rPr lang="en-CA" sz="1800" dirty="0">
+                <a:latin typeface="Segoe UI" panose="020B0502040204020203" pitchFamily="34" charset="0"/>
+                <a:ea typeface="Times New Roman" panose="02020603050405020304" pitchFamily="18" charset="0"/>
+              </a:rPr>
+              <a:t>D</a:t>
+            </a:r>
+            <a:r>
+              <a:rPr lang="en-CA" sz="1800" dirty="0">
+                <a:effectLst/>
+                <a:latin typeface="Segoe UI" panose="020B0502040204020203" pitchFamily="34" charset="0"/>
+                <a:ea typeface="Times New Roman" panose="02020603050405020304" pitchFamily="18" charset="0"/>
+              </a:rPr>
+              <a:t>ata repository for the 2019 Novel Coronavirus Visual Dashboard operated by the Johns Hopkins University Center for Systems Science and Engineering (JHU CSSE)</a:t>
+            </a:r>
+            <a:endParaRPr lang="en-US" sz="1900" dirty="0"/>
+          </a:p>
+          <a:p>
+            <a:pPr lvl="5"/>
+            <a:endParaRPr lang="en-US" sz="1700" dirty="0"/>
+          </a:p>
           <a:p>
             <a:pPr marL="0" indent="0">
               <a:buNone/>
             </a:pPr>
             <a:r>
-              <a:rPr lang="en-CA" b="1" dirty="0"/>
-              <a:t>1. IBM Accelerator catalog</a:t>
-            </a:r>
-            <a:r>
-              <a:rPr lang="en-US" b="1" dirty="0"/>
-              <a:t> </a:t>
-            </a:r>
-          </a:p>
-          <a:p>
-            <a:pPr marL="749808" lvl="1" indent="-457200"/>
-            <a:r>
-              <a:rPr lang="en-US" sz="1900" dirty="0"/>
-              <a:t>Information about customers from fictional company Telco</a:t>
-            </a:r>
-          </a:p>
-          <a:p>
-            <a:pPr marL="749808" lvl="1" indent="-457200"/>
-            <a:r>
-              <a:rPr lang="en-US" sz="1900" dirty="0"/>
-              <a:t>Predictor variables includes various information about customer such as demographics, services used etc.</a:t>
-            </a:r>
-          </a:p>
-          <a:p>
-            <a:pPr marL="749808" lvl="1" indent="-457200"/>
-            <a:r>
-              <a:rPr lang="en-US" sz="1900" dirty="0"/>
-              <a:t>Target Class: Customer Churn</a:t>
-            </a:r>
-          </a:p>
-          <a:p>
-            <a:pPr lvl="5"/>
-            <a:r>
-              <a:rPr lang="en-US" sz="1700" dirty="0"/>
-              <a:t>0 -&gt; Customer did not churn</a:t>
-            </a:r>
-          </a:p>
-          <a:p>
-            <a:pPr lvl="5"/>
-            <a:r>
-              <a:rPr lang="en-US" sz="1700" dirty="0"/>
-              <a:t>1 -&gt; Customer left the company</a:t>
-            </a:r>
-          </a:p>
-          <a:p>
-            <a:pPr lvl="5"/>
-            <a:r>
-              <a:rPr lang="en-US" sz="1600" dirty="0"/>
-              <a:t>27% of rows have Customers have Churn = 1</a:t>
-            </a:r>
-          </a:p>
-          <a:p>
-            <a:pPr lvl="5"/>
-            <a:endParaRPr lang="en-US" sz="1700" dirty="0"/>
-          </a:p>
-          <a:p>
-            <a:pPr marL="0" indent="0">
-              <a:buNone/>
-            </a:pPr>
-            <a:r>
               <a:rPr lang="en-US" b="1" dirty="0"/>
               <a:t>2. </a:t>
             </a:r>
             <a:r>
               <a:rPr lang="en-CA" b="1" dirty="0"/>
-              <a:t>United States zip codes database</a:t>
+              <a:t>Canada population data by province</a:t>
             </a:r>
             <a:endParaRPr lang="en-US" b="1" dirty="0"/>
           </a:p>
           <a:p>
             <a:pPr marL="578358" lvl="1" indent="-285750"/>
             <a:r>
-              <a:rPr lang="en-US" sz="1900" dirty="0"/>
-              <a:t>Maps zip codes to county names</a:t>
+              <a:rPr lang="en-US" sz="1800" dirty="0">
+                <a:latin typeface="Segoe UI" panose="020B0502040204020203" pitchFamily="34" charset="0"/>
+              </a:rPr>
+              <a:t>Dataset containing province specific population data</a:t>
             </a:r>
           </a:p>
           <a:p>
@@ -5861,7 +6004,7 @@
           <a:p>
             <a:r>
               <a:rPr lang="en-US" dirty="0"/>
-              <a:t>Data Cleaning</a:t>
+              <a:t>Data Ingestion</a:t>
             </a:r>
             <a:endParaRPr lang="en-CA" dirty="0"/>
           </a:p>
@@ -5890,60 +6033,7 @@
           <a:p>
             <a:r>
               <a:rPr lang="en-US" dirty="0"/>
-              <a:t>Missing values in </a:t>
-            </a:r>
-            <a:r>
-              <a:rPr lang="en-US" i="1" dirty="0"/>
-              <a:t>Total Charges </a:t>
-            </a:r>
-            <a:r>
-              <a:rPr lang="en-US" dirty="0"/>
-              <a:t>column</a:t>
-            </a:r>
-          </a:p>
-          <a:p>
-            <a:pPr lvl="1"/>
-            <a:r>
-              <a:rPr lang="en-CA" dirty="0"/>
-              <a:t>correlated with Monthly Charges and Tenure Months column</a:t>
-            </a:r>
-          </a:p>
-          <a:p>
-            <a:pPr lvl="1"/>
-            <a:r>
-              <a:rPr lang="en-CA" dirty="0"/>
-              <a:t>Column dropped</a:t>
-            </a:r>
-          </a:p>
-          <a:p>
-            <a:endParaRPr lang="en-US" dirty="0"/>
-          </a:p>
-          <a:p>
-            <a:r>
-              <a:rPr lang="en-US" dirty="0"/>
-              <a:t>Missing values in </a:t>
-            </a:r>
-            <a:r>
-              <a:rPr lang="en-US" i="1" dirty="0"/>
-              <a:t>Churn Reason</a:t>
-            </a:r>
-            <a:r>
-              <a:rPr lang="en-US" dirty="0"/>
-              <a:t> column</a:t>
-            </a:r>
-          </a:p>
-          <a:p>
-            <a:pPr lvl="1"/>
-            <a:r>
-              <a:rPr lang="en-CA" dirty="0"/>
-              <a:t>Data not available at the time of prediction.</a:t>
-            </a:r>
-          </a:p>
-          <a:p>
-            <a:pPr lvl="1"/>
-            <a:r>
-              <a:rPr lang="en-CA" dirty="0"/>
-              <a:t>Column dropped</a:t>
+              <a:t>Pipeline for fetching population data from Azure Blob storage into Data Lake Gen 2</a:t>
             </a:r>
           </a:p>
           <a:p>
@@ -5956,16 +6046,70 @@
             <a:pPr marL="201168" lvl="1" indent="0">
               <a:buNone/>
             </a:pPr>
-            <a:endParaRPr lang="en-US" dirty="0"/>
-          </a:p>
-          <a:p>
-            <a:pPr marL="201168" lvl="1" indent="0">
-              <a:buNone/>
-            </a:pPr>
             <a:endParaRPr lang="en-CA" dirty="0"/>
           </a:p>
         </p:txBody>
       </p:sp>
+      <p:pic>
+        <p:nvPicPr>
+          <p:cNvPr id="4" name="Picture 3" descr="A picture containing graphical user interface&#10;&#10;Description automatically generated">
+            <a:extLst>
+              <a:ext uri="{FF2B5EF4-FFF2-40B4-BE49-F238E27FC236}">
+                <a16:creationId xmlns:a16="http://schemas.microsoft.com/office/drawing/2014/main" id="{D61445B9-1E26-402C-ACFB-95376BAC2C5D}"/>
+              </a:ext>
+            </a:extLst>
+          </p:cNvPr>
+          <p:cNvPicPr>
+            <a:picLocks noChangeAspect="1"/>
+          </p:cNvPicPr>
+          <p:nvPr/>
+        </p:nvPicPr>
+        <p:blipFill>
+          <a:blip r:embed="rId2"/>
+          <a:stretch>
+            <a:fillRect/>
+          </a:stretch>
+        </p:blipFill>
+        <p:spPr>
+          <a:xfrm>
+            <a:off x="383457" y="2897243"/>
+            <a:ext cx="6540910" cy="2272547"/>
+          </a:xfrm>
+          <a:prstGeom prst="rect">
+            <a:avLst/>
+          </a:prstGeom>
+        </p:spPr>
+      </p:pic>
+      <p:pic>
+        <p:nvPicPr>
+          <p:cNvPr id="5" name="Picture 4" descr="Diagram&#10;&#10;Description automatically generated">
+            <a:extLst>
+              <a:ext uri="{FF2B5EF4-FFF2-40B4-BE49-F238E27FC236}">
+                <a16:creationId xmlns:a16="http://schemas.microsoft.com/office/drawing/2014/main" id="{4804B71F-2F07-4AC6-A94D-65564F7D17CD}"/>
+              </a:ext>
+            </a:extLst>
+          </p:cNvPr>
+          <p:cNvPicPr>
+            <a:picLocks noChangeAspect="1"/>
+          </p:cNvPicPr>
+          <p:nvPr/>
+        </p:nvPicPr>
+        <p:blipFill>
+          <a:blip r:embed="rId3"/>
+          <a:stretch>
+            <a:fillRect/>
+          </a:stretch>
+        </p:blipFill>
+        <p:spPr>
+          <a:xfrm>
+            <a:off x="6917421" y="2826322"/>
+            <a:ext cx="5274579" cy="1983602"/>
+          </a:xfrm>
+          <a:prstGeom prst="rect">
+            <a:avLst/>
+          </a:prstGeom>
+        </p:spPr>
+      </p:pic>
     </p:spTree>
     <p:extLst>
       <p:ext uri="{BB962C8B-B14F-4D97-AF65-F5344CB8AC3E}">
@@ -5982,14 +6126,6 @@
 <file path=ppt/slides/slide5.xml><?xml version="1.0" encoding="utf-8"?>
 <p:sld xmlns:a="http://schemas.openxmlformats.org/drawingml/2006/main" xmlns:r="http://schemas.openxmlformats.org/officeDocument/2006/relationships" xmlns:p="http://schemas.openxmlformats.org/presentationml/2006/main">
   <p:cSld>
-    <p:bg>
-      <p:bgPr>
-        <a:solidFill>
-          <a:schemeClr val="bg1"/>
-        </a:solidFill>
-        <a:effectLst/>
-      </p:bgPr>
-    </p:bg>
     <p:spTree>
       <p:nvGrpSpPr>
         <p:cNvPr id="1" name=""/>
@@ -6006,339 +6142,79 @@
       </p:grpSpPr>
       <p:sp>
         <p:nvSpPr>
-          <p:cNvPr id="20" name="Rectangle 19">
-            <a:extLst>
-              <a:ext uri="{FF2B5EF4-FFF2-40B4-BE49-F238E27FC236}">
-                <a16:creationId xmlns:a16="http://schemas.microsoft.com/office/drawing/2014/main" id="{39E3965E-AC41-4711-9D10-E25ABB132D86}"/>
-              </a:ext>
-              <a:ext uri="{C183D7F6-B498-43B3-948B-1728B52AA6E4}">
-                <adec:decorative xmlns:adec="http://schemas.microsoft.com/office/drawing/2017/decorative" val="1"/>
-              </a:ext>
-            </a:extLst>
-          </p:cNvPr>
-          <p:cNvSpPr>
-            <a:spLocks noGrp="1" noRot="1" noChangeAspect="1" noMove="1" noResize="1" noEditPoints="1" noAdjustHandles="1" noChangeArrowheads="1" noChangeShapeType="1" noTextEdit="1"/>
-          </p:cNvSpPr>
-          <p:nvPr>
-            <p:extLst>
-              <p:ext uri="{386F3935-93C4-4BCD-93E2-E3B085C9AB24}">
-                <p16:designElem xmlns:p16="http://schemas.microsoft.com/office/powerpoint/2015/main" val="1"/>
-              </p:ext>
-            </p:extLst>
-          </p:nvPr>
-        </p:nvSpPr>
-        <p:spPr>
-          <a:xfrm>
-            <a:off x="3175" y="6400800"/>
-            <a:ext cx="12188825" cy="457200"/>
-          </a:xfrm>
-          <a:prstGeom prst="rect">
-            <a:avLst/>
-          </a:prstGeom>
-          <a:solidFill>
-            <a:srgbClr val="262626"/>
-          </a:solidFill>
-          <a:ln>
-            <a:noFill/>
-          </a:ln>
-        </p:spPr>
-        <p:style>
-          <a:lnRef idx="2">
-            <a:schemeClr val="accent1">
-              <a:shade val="50000"/>
-            </a:schemeClr>
-          </a:lnRef>
-          <a:fillRef idx="1">
-            <a:schemeClr val="accent1"/>
-          </a:fillRef>
-          <a:effectRef idx="0">
-            <a:schemeClr val="accent1"/>
-          </a:effectRef>
-          <a:fontRef idx="minor">
-            <a:schemeClr val="lt1"/>
-          </a:fontRef>
-        </p:style>
-      </p:sp>
-      <p:cxnSp>
-        <p:nvCxnSpPr>
-          <p:cNvPr id="22" name="Straight Connector 21">
-            <a:extLst>
-              <a:ext uri="{FF2B5EF4-FFF2-40B4-BE49-F238E27FC236}">
-                <a16:creationId xmlns:a16="http://schemas.microsoft.com/office/drawing/2014/main" id="{1F5DC8C3-BA5F-4EED-BB9A-A14272BD82A1}"/>
-              </a:ext>
-              <a:ext uri="{C183D7F6-B498-43B3-948B-1728B52AA6E4}">
-                <adec:decorative xmlns:adec="http://schemas.microsoft.com/office/drawing/2017/decorative" val="1"/>
-              </a:ext>
-            </a:extLst>
-          </p:cNvPr>
-          <p:cNvCxnSpPr>
-            <a:cxnSpLocks noGrp="1" noRot="1" noChangeAspect="1" noMove="1" noResize="1" noEditPoints="1" noAdjustHandles="1" noChangeArrowheads="1" noChangeShapeType="1"/>
-          </p:cNvCxnSpPr>
-          <p:nvPr>
-            <p:extLst>
-              <p:ext uri="{386F3935-93C4-4BCD-93E2-E3B085C9AB24}">
-                <p16:designElem xmlns:p16="http://schemas.microsoft.com/office/powerpoint/2015/main" val="1"/>
-              </p:ext>
-            </p:extLst>
-          </p:nvPr>
-        </p:nvCxnSpPr>
-        <p:spPr>
-          <a:xfrm>
-            <a:off x="1207658" y="4474741"/>
-            <a:ext cx="9875520" cy="0"/>
-          </a:xfrm>
-          <a:prstGeom prst="line">
-            <a:avLst/>
-          </a:prstGeom>
-          <a:ln w="12700">
-            <a:solidFill>
-              <a:schemeClr val="tx1">
-                <a:lumMod val="75000"/>
-                <a:lumOff val="25000"/>
-              </a:schemeClr>
-            </a:solidFill>
-          </a:ln>
-        </p:spPr>
-        <p:style>
-          <a:lnRef idx="1">
-            <a:schemeClr val="accent1"/>
-          </a:lnRef>
-          <a:fillRef idx="0">
-            <a:schemeClr val="accent1"/>
-          </a:fillRef>
-          <a:effectRef idx="0">
-            <a:schemeClr val="accent1"/>
-          </a:effectRef>
-          <a:fontRef idx="minor">
-            <a:schemeClr val="tx1"/>
-          </a:fontRef>
-        </p:style>
-      </p:cxnSp>
-      <p:sp>
-        <p:nvSpPr>
-          <p:cNvPr id="24" name="Rectangle 23">
-            <a:extLst>
-              <a:ext uri="{FF2B5EF4-FFF2-40B4-BE49-F238E27FC236}">
-                <a16:creationId xmlns:a16="http://schemas.microsoft.com/office/drawing/2014/main" id="{2FDF0794-1B86-42B2-B8C7-F60123E638ED}"/>
-              </a:ext>
-              <a:ext uri="{C183D7F6-B498-43B3-948B-1728B52AA6E4}">
-                <adec:decorative xmlns:adec="http://schemas.microsoft.com/office/drawing/2017/decorative" val="1"/>
-              </a:ext>
-            </a:extLst>
-          </p:cNvPr>
-          <p:cNvSpPr>
-            <a:spLocks noGrp="1" noRot="1" noChangeAspect="1" noMove="1" noResize="1" noEditPoints="1" noAdjustHandles="1" noChangeArrowheads="1" noChangeShapeType="1" noTextEdit="1"/>
-          </p:cNvSpPr>
-          <p:nvPr>
-            <p:extLst>
-              <p:ext uri="{386F3935-93C4-4BCD-93E2-E3B085C9AB24}">
-                <p16:designElem xmlns:p16="http://schemas.microsoft.com/office/powerpoint/2015/main" val="1"/>
-              </p:ext>
-            </p:extLst>
-          </p:nvPr>
-        </p:nvSpPr>
-        <p:spPr>
-          <a:xfrm>
-            <a:off x="3274" y="0"/>
-            <a:ext cx="12188726" cy="6858975"/>
-          </a:xfrm>
-          <a:prstGeom prst="rect">
-            <a:avLst/>
-          </a:prstGeom>
-          <a:solidFill>
-            <a:schemeClr val="bg1"/>
-          </a:solidFill>
-          <a:ln>
-            <a:noFill/>
-          </a:ln>
-        </p:spPr>
-        <p:style>
-          <a:lnRef idx="2">
-            <a:schemeClr val="accent1">
-              <a:shade val="50000"/>
-            </a:schemeClr>
-          </a:lnRef>
-          <a:fillRef idx="1">
-            <a:schemeClr val="accent1"/>
-          </a:fillRef>
-          <a:effectRef idx="0">
-            <a:schemeClr val="accent1"/>
-          </a:effectRef>
-          <a:fontRef idx="minor">
-            <a:schemeClr val="lt1"/>
-          </a:fontRef>
-        </p:style>
-        <p:txBody>
-          <a:bodyPr rtlCol="0" anchor="ctr"/>
+          <p:cNvPr id="2" name="Title 1">
+            <a:extLst>
+              <a:ext uri="{FF2B5EF4-FFF2-40B4-BE49-F238E27FC236}">
+                <a16:creationId xmlns:a16="http://schemas.microsoft.com/office/drawing/2014/main" id="{61FEA467-86BA-44D1-91D8-5F9BF6FE274F}"/>
+              </a:ext>
+            </a:extLst>
+          </p:cNvPr>
+          <p:cNvSpPr>
+            <a:spLocks noGrp="1"/>
+          </p:cNvSpPr>
+          <p:nvPr>
+            <p:ph type="title"/>
+          </p:nvPr>
+        </p:nvSpPr>
+        <p:spPr/>
+        <p:txBody>
+          <a:bodyPr/>
           <a:lstStyle/>
           <a:p>
-            <a:pPr algn="ctr"/>
-            <a:endParaRPr lang="en-US"/>
-          </a:p>
-        </p:txBody>
-      </p:sp>
-      <p:sp>
-        <p:nvSpPr>
-          <p:cNvPr id="26" name="Rectangle 25">
-            <a:extLst>
-              <a:ext uri="{FF2B5EF4-FFF2-40B4-BE49-F238E27FC236}">
-                <a16:creationId xmlns:a16="http://schemas.microsoft.com/office/drawing/2014/main" id="{C5373426-E26E-431D-959C-5DB96C0B6208}"/>
-              </a:ext>
-              <a:ext uri="{C183D7F6-B498-43B3-948B-1728B52AA6E4}">
-                <adec:decorative xmlns:adec="http://schemas.microsoft.com/office/drawing/2017/decorative" val="1"/>
-              </a:ext>
-            </a:extLst>
-          </p:cNvPr>
-          <p:cNvSpPr>
-            <a:spLocks noGrp="1" noRot="1" noChangeAspect="1" noMove="1" noResize="1" noEditPoints="1" noAdjustHandles="1" noChangeArrowheads="1" noChangeShapeType="1" noTextEdit="1"/>
-          </p:cNvSpPr>
-          <p:nvPr>
-            <p:extLst>
-              <p:ext uri="{386F3935-93C4-4BCD-93E2-E3B085C9AB24}">
-                <p16:designElem xmlns:p16="http://schemas.microsoft.com/office/powerpoint/2015/main" val="1"/>
-              </p:ext>
-            </p:extLst>
-          </p:nvPr>
-        </p:nvSpPr>
-        <p:spPr>
-          <a:xfrm>
-            <a:off x="643467" y="1238442"/>
-            <a:ext cx="3635926" cy="4355751"/>
-          </a:xfrm>
-          <a:prstGeom prst="rect">
-            <a:avLst/>
-          </a:prstGeom>
-          <a:solidFill>
-            <a:schemeClr val="tx1">
-              <a:alpha val="85000"/>
-            </a:schemeClr>
-          </a:solidFill>
-          <a:ln>
-            <a:noFill/>
-          </a:ln>
-        </p:spPr>
-        <p:style>
-          <a:lnRef idx="2">
-            <a:schemeClr val="accent1">
-              <a:shade val="50000"/>
-            </a:schemeClr>
-          </a:lnRef>
-          <a:fillRef idx="1">
-            <a:schemeClr val="accent1"/>
-          </a:fillRef>
-          <a:effectRef idx="0">
-            <a:schemeClr val="accent1"/>
-          </a:effectRef>
-          <a:fontRef idx="minor">
-            <a:schemeClr val="lt1"/>
-          </a:fontRef>
-        </p:style>
-        <p:txBody>
-          <a:bodyPr rtlCol="0" anchor="ctr"/>
+            <a:r>
+              <a:rPr lang="en-US" dirty="0"/>
+              <a:t>Data Ingestion</a:t>
+            </a:r>
+            <a:endParaRPr lang="en-CA" dirty="0"/>
+          </a:p>
+        </p:txBody>
+      </p:sp>
+      <p:sp>
+        <p:nvSpPr>
+          <p:cNvPr id="3" name="Content Placeholder 2">
+            <a:extLst>
+              <a:ext uri="{FF2B5EF4-FFF2-40B4-BE49-F238E27FC236}">
+                <a16:creationId xmlns:a16="http://schemas.microsoft.com/office/drawing/2014/main" id="{96F0FC1A-28BC-479E-A80A-811C3E4B171F}"/>
+              </a:ext>
+            </a:extLst>
+          </p:cNvPr>
+          <p:cNvSpPr>
+            <a:spLocks noGrp="1"/>
+          </p:cNvSpPr>
+          <p:nvPr>
+            <p:ph idx="1"/>
+          </p:nvPr>
+        </p:nvSpPr>
+        <p:spPr/>
+        <p:txBody>
+          <a:bodyPr/>
           <a:lstStyle/>
           <a:p>
-            <a:pPr algn="ctr"/>
-            <a:endParaRPr lang="en-US"/>
-          </a:p>
-        </p:txBody>
-      </p:sp>
-      <p:sp>
-        <p:nvSpPr>
-          <p:cNvPr id="2" name="Title 1">
-            <a:extLst>
-              <a:ext uri="{FF2B5EF4-FFF2-40B4-BE49-F238E27FC236}">
-                <a16:creationId xmlns:a16="http://schemas.microsoft.com/office/drawing/2014/main" id="{17449018-BACA-4856-BF81-9ABF43C4001F}"/>
-              </a:ext>
-            </a:extLst>
-          </p:cNvPr>
-          <p:cNvSpPr>
-            <a:spLocks noGrp="1"/>
-          </p:cNvSpPr>
-          <p:nvPr>
-            <p:ph type="title"/>
-          </p:nvPr>
-        </p:nvSpPr>
-        <p:spPr>
-          <a:xfrm>
-            <a:off x="854277" y="1475234"/>
-            <a:ext cx="3214307" cy="2901694"/>
-          </a:xfrm>
-        </p:spPr>
-        <p:txBody>
-          <a:bodyPr vert="horz" lIns="91440" tIns="45720" rIns="91440" bIns="45720" rtlCol="0" anchor="b">
-            <a:normAutofit/>
-          </a:bodyPr>
-          <a:lstStyle/>
-          <a:p>
-            <a:r>
-              <a:rPr lang="en-US" sz="4400">
-                <a:solidFill>
-                  <a:schemeClr val="bg1"/>
-                </a:solidFill>
-              </a:rPr>
-              <a:t>EDA</a:t>
-            </a:r>
-          </a:p>
-        </p:txBody>
-      </p:sp>
-      <p:cxnSp>
-        <p:nvCxnSpPr>
-          <p:cNvPr id="28" name="Straight Connector 27">
-            <a:extLst>
-              <a:ext uri="{FF2B5EF4-FFF2-40B4-BE49-F238E27FC236}">
-                <a16:creationId xmlns:a16="http://schemas.microsoft.com/office/drawing/2014/main" id="{96D07482-83A3-4451-943C-B46961082957}"/>
-              </a:ext>
-              <a:ext uri="{C183D7F6-B498-43B3-948B-1728B52AA6E4}">
-                <adec:decorative xmlns:adec="http://schemas.microsoft.com/office/drawing/2017/decorative" val="1"/>
-              </a:ext>
-            </a:extLst>
-          </p:cNvPr>
-          <p:cNvCxnSpPr>
-            <a:cxnSpLocks noGrp="1" noRot="1" noChangeAspect="1" noMove="1" noResize="1" noEditPoints="1" noAdjustHandles="1" noChangeArrowheads="1" noChangeShapeType="1"/>
-          </p:cNvCxnSpPr>
-          <p:nvPr>
-            <p:extLst>
-              <p:ext uri="{386F3935-93C4-4BCD-93E2-E3B085C9AB24}">
-                <p16:designElem xmlns:p16="http://schemas.microsoft.com/office/powerpoint/2015/main" val="1"/>
-              </p:ext>
-            </p:extLst>
-          </p:nvPr>
-        </p:nvCxnSpPr>
-        <p:spPr>
-          <a:xfrm>
-            <a:off x="906950" y="4508519"/>
-            <a:ext cx="3108960" cy="0"/>
-          </a:xfrm>
-          <a:prstGeom prst="line">
-            <a:avLst/>
-          </a:prstGeom>
-          <a:ln w="19050">
-            <a:solidFill>
-              <a:schemeClr val="accent1"/>
-            </a:solidFill>
-          </a:ln>
-        </p:spPr>
-        <p:style>
-          <a:lnRef idx="1">
-            <a:schemeClr val="accent1"/>
-          </a:lnRef>
-          <a:fillRef idx="0">
-            <a:schemeClr val="accent1"/>
-          </a:fillRef>
-          <a:effectRef idx="0">
-            <a:schemeClr val="accent1"/>
-          </a:effectRef>
-          <a:fontRef idx="minor">
-            <a:schemeClr val="tx1"/>
-          </a:fontRef>
-        </p:style>
-      </p:cxnSp>
+            <a:r>
+              <a:rPr lang="en-US" dirty="0"/>
+              <a:t>Pipeline for fetching daily covid data from CSSE repository into Data Lake Gen 2</a:t>
+            </a:r>
+          </a:p>
+          <a:p>
+            <a:pPr marL="201168" lvl="1" indent="0">
+              <a:buNone/>
+            </a:pPr>
+            <a:endParaRPr lang="en-US" dirty="0"/>
+          </a:p>
+          <a:p>
+            <a:pPr marL="201168" lvl="1" indent="0">
+              <a:buNone/>
+            </a:pPr>
+            <a:endParaRPr lang="en-CA" dirty="0"/>
+          </a:p>
+        </p:txBody>
+      </p:sp>
       <p:pic>
         <p:nvPicPr>
-          <p:cNvPr id="10" name="Picture 9" descr="Chart, bar chart&#10;&#10;Description automatically generated">
-            <a:extLst>
-              <a:ext uri="{FF2B5EF4-FFF2-40B4-BE49-F238E27FC236}">
-                <a16:creationId xmlns:a16="http://schemas.microsoft.com/office/drawing/2014/main" id="{C9064EFE-5AD6-4AA3-AB22-1930B4939430}"/>
+          <p:cNvPr id="6" name="Picture 5" descr="Graphical user interface, application&#10;&#10;Description automatically generated">
+            <a:extLst>
+              <a:ext uri="{FF2B5EF4-FFF2-40B4-BE49-F238E27FC236}">
+                <a16:creationId xmlns:a16="http://schemas.microsoft.com/office/drawing/2014/main" id="{D46F8546-122F-40D9-A7D5-1FDBC05F47A7}"/>
               </a:ext>
             </a:extLst>
           </p:cNvPr>
@@ -6348,114 +6224,25 @@
           <p:nvPr/>
         </p:nvPicPr>
         <p:blipFill>
-          <a:blip r:embed="rId2">
-            <a:extLst>
-              <a:ext uri="{28A0092B-C50C-407E-A947-70E740481C1C}">
-                <a14:useLocalDpi xmlns:a14="http://schemas.microsoft.com/office/drawing/2010/main" val="0"/>
-              </a:ext>
-            </a:extLst>
-          </a:blip>
+          <a:blip r:embed="rId2"/>
           <a:stretch>
             <a:fillRect/>
           </a:stretch>
         </p:blipFill>
-        <p:spPr bwMode="auto">
-          <a:xfrm>
-            <a:off x="4602763" y="1694818"/>
-            <a:ext cx="3309846" cy="3443000"/>
+        <p:spPr>
+          <a:xfrm>
+            <a:off x="1720650" y="3502093"/>
+            <a:ext cx="8811659" cy="1934611"/>
           </a:xfrm>
           <a:prstGeom prst="rect">
             <a:avLst/>
           </a:prstGeom>
-          <a:noFill/>
         </p:spPr>
       </p:pic>
-      <p:sp>
-        <p:nvSpPr>
-          <p:cNvPr id="30" name="Rectangle 29">
-            <a:extLst>
-              <a:ext uri="{FF2B5EF4-FFF2-40B4-BE49-F238E27FC236}">
-                <a16:creationId xmlns:a16="http://schemas.microsoft.com/office/drawing/2014/main" id="{E239D8CC-16F4-4B2B-80F0-203C56D0D2DE}"/>
-              </a:ext>
-              <a:ext uri="{C183D7F6-B498-43B3-948B-1728B52AA6E4}">
-                <adec:decorative xmlns:adec="http://schemas.microsoft.com/office/drawing/2017/decorative" val="1"/>
-              </a:ext>
-            </a:extLst>
-          </p:cNvPr>
-          <p:cNvSpPr>
-            <a:spLocks noGrp="1" noRot="1" noChangeAspect="1" noMove="1" noResize="1" noEditPoints="1" noAdjustHandles="1" noChangeArrowheads="1" noChangeShapeType="1" noTextEdit="1"/>
-          </p:cNvSpPr>
-          <p:nvPr>
-            <p:extLst>
-              <p:ext uri="{386F3935-93C4-4BCD-93E2-E3B085C9AB24}">
-                <p16:designElem xmlns:p16="http://schemas.microsoft.com/office/powerpoint/2015/main" val="1"/>
-              </p:ext>
-            </p:extLst>
-          </p:nvPr>
-        </p:nvSpPr>
-        <p:spPr>
-          <a:xfrm>
-            <a:off x="1" y="6400800"/>
-            <a:ext cx="12192000" cy="457200"/>
-          </a:xfrm>
-          <a:prstGeom prst="rect">
-            <a:avLst/>
-          </a:prstGeom>
-          <a:solidFill>
-            <a:srgbClr val="262626">
-              <a:alpha val="95000"/>
-            </a:srgbClr>
-          </a:solidFill>
-          <a:ln>
-            <a:noFill/>
-          </a:ln>
-        </p:spPr>
-        <p:style>
-          <a:lnRef idx="2">
-            <a:schemeClr val="accent1">
-              <a:shade val="50000"/>
-            </a:schemeClr>
-          </a:lnRef>
-          <a:fillRef idx="1">
-            <a:schemeClr val="accent1"/>
-          </a:fillRef>
-          <a:effectRef idx="0">
-            <a:schemeClr val="accent1"/>
-          </a:effectRef>
-          <a:fontRef idx="minor">
-            <a:schemeClr val="lt1"/>
-          </a:fontRef>
-        </p:style>
-      </p:sp>
-      <p:sp>
-        <p:nvSpPr>
-          <p:cNvPr id="4" name="Content Placeholder 3">
-            <a:extLst>
-              <a:ext uri="{FF2B5EF4-FFF2-40B4-BE49-F238E27FC236}">
-                <a16:creationId xmlns:a16="http://schemas.microsoft.com/office/drawing/2014/main" id="{74836C82-9027-44C4-B7D5-7954ACB6DA1C}"/>
-              </a:ext>
-            </a:extLst>
-          </p:cNvPr>
-          <p:cNvSpPr>
-            <a:spLocks noGrp="1"/>
-          </p:cNvSpPr>
-          <p:nvPr>
-            <p:ph idx="1"/>
-          </p:nvPr>
-        </p:nvSpPr>
-        <p:spPr/>
-        <p:txBody>
-          <a:bodyPr/>
-          <a:lstStyle/>
-          <a:p>
-            <a:endParaRPr lang="en-CA"/>
-          </a:p>
-        </p:txBody>
-      </p:sp>
     </p:spTree>
     <p:extLst>
       <p:ext uri="{BB962C8B-B14F-4D97-AF65-F5344CB8AC3E}">
-        <p14:creationId xmlns:p14="http://schemas.microsoft.com/office/powerpoint/2010/main" val="2276577762"/>
+        <p14:creationId xmlns:p14="http://schemas.microsoft.com/office/powerpoint/2010/main" val="393720858"/>
       </p:ext>
     </p:extLst>
   </p:cSld>
@@ -6487,7 +6274,7 @@
           <p:cNvPr id="2" name="Title 1">
             <a:extLst>
               <a:ext uri="{FF2B5EF4-FFF2-40B4-BE49-F238E27FC236}">
-                <a16:creationId xmlns:a16="http://schemas.microsoft.com/office/drawing/2014/main" id="{25BE12DC-DD6A-412B-85F9-243D03D210C7}"/>
+                <a16:creationId xmlns:a16="http://schemas.microsoft.com/office/drawing/2014/main" id="{61FEA467-86BA-44D1-91D8-5F9BF6FE274F}"/>
               </a:ext>
             </a:extLst>
           </p:cNvPr>
@@ -6505,59 +6292,87 @@
           <a:p>
             <a:r>
               <a:rPr lang="en-US" dirty="0"/>
-              <a:t>EDA</a:t>
+              <a:t>Data Wrangling</a:t>
             </a:r>
             <a:endParaRPr lang="en-CA" dirty="0"/>
           </a:p>
         </p:txBody>
       </p:sp>
-      <p:pic>
-        <p:nvPicPr>
-          <p:cNvPr id="4" name="Content Placeholder 3" descr="Chart, bar chart&#10;&#10;Description automatically generated">
-            <a:extLst>
-              <a:ext uri="{FF2B5EF4-FFF2-40B4-BE49-F238E27FC236}">
-                <a16:creationId xmlns:a16="http://schemas.microsoft.com/office/drawing/2014/main" id="{8D2C391F-6EB7-4BFA-88E9-B90303DEDC4A}"/>
-              </a:ext>
-            </a:extLst>
-          </p:cNvPr>
-          <p:cNvPicPr>
-            <a:picLocks noGrp="1" noChangeAspect="1"/>
-          </p:cNvPicPr>
+      <p:sp>
+        <p:nvSpPr>
+          <p:cNvPr id="3" name="Content Placeholder 2">
+            <a:extLst>
+              <a:ext uri="{FF2B5EF4-FFF2-40B4-BE49-F238E27FC236}">
+                <a16:creationId xmlns:a16="http://schemas.microsoft.com/office/drawing/2014/main" id="{96F0FC1A-28BC-479E-A80A-811C3E4B171F}"/>
+              </a:ext>
+            </a:extLst>
+          </p:cNvPr>
+          <p:cNvSpPr>
+            <a:spLocks noGrp="1"/>
+          </p:cNvSpPr>
           <p:nvPr>
             <p:ph idx="1"/>
           </p:nvPr>
-        </p:nvPicPr>
-        <p:blipFill>
-          <a:blip r:embed="rId2">
-            <a:extLst>
-              <a:ext uri="{28A0092B-C50C-407E-A947-70E740481C1C}">
-                <a14:useLocalDpi xmlns:a14="http://schemas.microsoft.com/office/drawing/2010/main" val="0"/>
-              </a:ext>
-            </a:extLst>
-          </a:blip>
-          <a:srcRect/>
-          <a:stretch>
-            <a:fillRect/>
-          </a:stretch>
-        </p:blipFill>
-        <p:spPr bwMode="auto">
-          <a:xfrm>
-            <a:off x="3775670" y="2108200"/>
-            <a:ext cx="4700985" cy="3760788"/>
-          </a:xfrm>
-          <a:prstGeom prst="rect">
-            <a:avLst/>
-          </a:prstGeom>
-          <a:noFill/>
-          <a:ln>
-            <a:noFill/>
-          </a:ln>
-        </p:spPr>
-      </p:pic>
+        </p:nvSpPr>
+        <p:spPr/>
+        <p:txBody>
+          <a:bodyPr/>
+          <a:lstStyle/>
+          <a:p>
+            <a:r>
+              <a:rPr lang="en-US" dirty="0"/>
+              <a:t>Missing values</a:t>
+            </a:r>
+          </a:p>
+          <a:p>
+            <a:pPr lvl="1"/>
+            <a:r>
+              <a:rPr lang="en-CA" sz="1800" dirty="0">
+                <a:solidFill>
+                  <a:srgbClr val="24292F"/>
+                </a:solidFill>
+                <a:effectLst/>
+                <a:latin typeface="Segoe UI" panose="020B0502040204020203" pitchFamily="34" charset="0"/>
+                <a:ea typeface="Times New Roman" panose="02020603050405020304" pitchFamily="18" charset="0"/>
+              </a:rPr>
+              <a:t>only for Repatriated Travellers</a:t>
+            </a:r>
+            <a:endParaRPr lang="en-CA" dirty="0"/>
+          </a:p>
+          <a:p>
+            <a:pPr lvl="1"/>
+            <a:r>
+              <a:rPr lang="en-CA" dirty="0"/>
+              <a:t>Eventually get deleted when we filter for province specific data</a:t>
+            </a:r>
+          </a:p>
+          <a:p>
+            <a:endParaRPr lang="en-US" dirty="0"/>
+          </a:p>
+          <a:p>
+            <a:pPr marL="201168" lvl="1" indent="0">
+              <a:buNone/>
+            </a:pPr>
+            <a:endParaRPr lang="en-US" dirty="0"/>
+          </a:p>
+          <a:p>
+            <a:pPr marL="201168" lvl="1" indent="0">
+              <a:buNone/>
+            </a:pPr>
+            <a:endParaRPr lang="en-US" dirty="0"/>
+          </a:p>
+          <a:p>
+            <a:pPr marL="201168" lvl="1" indent="0">
+              <a:buNone/>
+            </a:pPr>
+            <a:endParaRPr lang="en-CA" dirty="0"/>
+          </a:p>
+        </p:txBody>
+      </p:sp>
     </p:spTree>
     <p:extLst>
       <p:ext uri="{BB962C8B-B14F-4D97-AF65-F5344CB8AC3E}">
-        <p14:creationId xmlns:p14="http://schemas.microsoft.com/office/powerpoint/2010/main" val="2768976671"/>
+        <p14:creationId xmlns:p14="http://schemas.microsoft.com/office/powerpoint/2010/main" val="1048259057"/>
       </p:ext>
     </p:extLst>
   </p:cSld>
@@ -6570,14 +6385,6 @@
 <file path=ppt/slides/slide7.xml><?xml version="1.0" encoding="utf-8"?>
 <p:sld xmlns:a="http://schemas.openxmlformats.org/drawingml/2006/main" xmlns:r="http://schemas.openxmlformats.org/officeDocument/2006/relationships" xmlns:p="http://schemas.openxmlformats.org/presentationml/2006/main">
   <p:cSld>
-    <p:bg>
-      <p:bgPr>
-        <a:solidFill>
-          <a:schemeClr val="bg1"/>
-        </a:solidFill>
-        <a:effectLst/>
-      </p:bgPr>
-    </p:bg>
     <p:spTree>
       <p:nvGrpSpPr>
         <p:cNvPr id="1" name=""/>
@@ -6592,72 +6399,41 @@
           <a:chExt cx="0" cy="0"/>
         </a:xfrm>
       </p:grpSpPr>
-      <p:sp useBgFill="1">
-        <p:nvSpPr>
-          <p:cNvPr id="24" name="Rectangle 23">
-            <a:extLst>
-              <a:ext uri="{FF2B5EF4-FFF2-40B4-BE49-F238E27FC236}">
-                <a16:creationId xmlns:a16="http://schemas.microsoft.com/office/drawing/2014/main" id="{F64BBAA4-C62B-4146-B49F-FE4CC4655EE0}"/>
-              </a:ext>
-              <a:ext uri="{C183D7F6-B498-43B3-948B-1728B52AA6E4}">
-                <adec:decorative xmlns:adec="http://schemas.microsoft.com/office/drawing/2017/decorative" val="1"/>
-              </a:ext>
-            </a:extLst>
-          </p:cNvPr>
-          <p:cNvSpPr>
-            <a:spLocks noGrp="1" noRot="1" noChangeAspect="1" noMove="1" noResize="1" noEditPoints="1" noAdjustHandles="1" noChangeArrowheads="1" noChangeShapeType="1" noTextEdit="1"/>
-          </p:cNvSpPr>
-          <p:nvPr>
-            <p:extLst>
-              <p:ext uri="{386F3935-93C4-4BCD-93E2-E3B085C9AB24}">
-                <p16:designElem xmlns:p16="http://schemas.microsoft.com/office/powerpoint/2015/main" val="1"/>
-              </p:ext>
-            </p:extLst>
-          </p:nvPr>
-        </p:nvSpPr>
-        <p:spPr>
-          <a:xfrm>
-            <a:off x="0" y="0"/>
-            <a:ext cx="12192001" cy="6858000"/>
-          </a:xfrm>
-          <a:prstGeom prst="rect">
-            <a:avLst/>
-          </a:prstGeom>
-          <a:ln>
-            <a:noFill/>
-          </a:ln>
-        </p:spPr>
-        <p:style>
-          <a:lnRef idx="2">
-            <a:schemeClr val="accent1">
-              <a:shade val="50000"/>
-            </a:schemeClr>
-          </a:lnRef>
-          <a:fillRef idx="1">
-            <a:schemeClr val="accent1"/>
-          </a:fillRef>
-          <a:effectRef idx="0">
-            <a:schemeClr val="accent1"/>
-          </a:effectRef>
-          <a:fontRef idx="minor">
-            <a:schemeClr val="lt1"/>
-          </a:fontRef>
-        </p:style>
-        <p:txBody>
-          <a:bodyPr rtlCol="0" anchor="ctr"/>
+      <p:sp>
+        <p:nvSpPr>
+          <p:cNvPr id="2" name="Title 1">
+            <a:extLst>
+              <a:ext uri="{FF2B5EF4-FFF2-40B4-BE49-F238E27FC236}">
+                <a16:creationId xmlns:a16="http://schemas.microsoft.com/office/drawing/2014/main" id="{61FEA467-86BA-44D1-91D8-5F9BF6FE274F}"/>
+              </a:ext>
+            </a:extLst>
+          </p:cNvPr>
+          <p:cNvSpPr>
+            <a:spLocks noGrp="1"/>
+          </p:cNvSpPr>
+          <p:nvPr>
+            <p:ph type="title"/>
+          </p:nvPr>
+        </p:nvSpPr>
+        <p:spPr/>
+        <p:txBody>
+          <a:bodyPr/>
           <a:lstStyle/>
           <a:p>
-            <a:pPr algn="ctr"/>
-            <a:endParaRPr lang="en-US"/>
-          </a:p>
-        </p:txBody>
-      </p:sp>
-      <p:sp>
-        <p:nvSpPr>
-          <p:cNvPr id="2" name="Title 1">
-            <a:extLst>
-              <a:ext uri="{FF2B5EF4-FFF2-40B4-BE49-F238E27FC236}">
-                <a16:creationId xmlns:a16="http://schemas.microsoft.com/office/drawing/2014/main" id="{BA8FC94A-DE82-4011-89F4-601CD2839395}"/>
+            <a:r>
+              <a:rPr lang="en-US" dirty="0"/>
+              <a:t>Data Wrangling</a:t>
+            </a:r>
+            <a:endParaRPr lang="en-CA" dirty="0"/>
+          </a:p>
+        </p:txBody>
+      </p:sp>
+      <p:sp>
+        <p:nvSpPr>
+          <p:cNvPr id="3" name="Content Placeholder 2">
+            <a:extLst>
+              <a:ext uri="{FF2B5EF4-FFF2-40B4-BE49-F238E27FC236}">
+                <a16:creationId xmlns:a16="http://schemas.microsoft.com/office/drawing/2014/main" id="{96F0FC1A-28BC-479E-A80A-811C3E4B171F}"/>
               </a:ext>
             </a:extLst>
           </p:cNvPr>
@@ -6665,110 +6441,19 @@
             <a:spLocks noGrp="1"/>
           </p:cNvSpPr>
           <p:nvPr>
-            <p:ph type="title"/>
-          </p:nvPr>
-        </p:nvSpPr>
-        <p:spPr>
-          <a:xfrm>
-            <a:off x="878911" y="643468"/>
-            <a:ext cx="3177847" cy="1674180"/>
-          </a:xfrm>
-        </p:spPr>
-        <p:txBody>
-          <a:bodyPr vert="horz" lIns="91440" tIns="45720" rIns="91440" bIns="45720" rtlCol="0">
-            <a:normAutofit/>
-          </a:bodyPr>
+            <p:ph idx="1"/>
+          </p:nvPr>
+        </p:nvSpPr>
+        <p:spPr/>
+        <p:txBody>
+          <a:bodyPr/>
           <a:lstStyle/>
           <a:p>
             <a:r>
-              <a:rPr lang="en-US" sz="4000"/>
-              <a:t>EDA</a:t>
-            </a:r>
-          </a:p>
-        </p:txBody>
-      </p:sp>
-      <p:cxnSp>
-        <p:nvCxnSpPr>
-          <p:cNvPr id="26" name="Straight Connector 25">
-            <a:extLst>
-              <a:ext uri="{FF2B5EF4-FFF2-40B4-BE49-F238E27FC236}">
-                <a16:creationId xmlns:a16="http://schemas.microsoft.com/office/drawing/2014/main" id="{EEB57AA8-F021-480C-A9E2-F89913313611}"/>
-              </a:ext>
-              <a:ext uri="{C183D7F6-B498-43B3-948B-1728B52AA6E4}">
-                <adec:decorative xmlns:adec="http://schemas.microsoft.com/office/drawing/2017/decorative" val="1"/>
-              </a:ext>
-            </a:extLst>
-          </p:cNvPr>
-          <p:cNvCxnSpPr>
-            <a:cxnSpLocks noGrp="1" noRot="1" noChangeAspect="1" noMove="1" noResize="1" noEditPoints="1" noAdjustHandles="1" noChangeArrowheads="1" noChangeShapeType="1"/>
-          </p:cNvCxnSpPr>
-          <p:nvPr>
-            <p:extLst>
-              <p:ext uri="{386F3935-93C4-4BCD-93E2-E3B085C9AB24}">
-                <p16:designElem xmlns:p16="http://schemas.microsoft.com/office/powerpoint/2015/main" val="1"/>
-              </p:ext>
-            </p:extLst>
-          </p:nvPr>
-        </p:nvCxnSpPr>
-        <p:spPr>
-          <a:xfrm>
-            <a:off x="962164" y="2478513"/>
-            <a:ext cx="2926080" cy="0"/>
-          </a:xfrm>
-          <a:prstGeom prst="line">
-            <a:avLst/>
-          </a:prstGeom>
-          <a:ln>
-            <a:solidFill>
-              <a:schemeClr val="tx1">
-                <a:lumMod val="75000"/>
-                <a:lumOff val="25000"/>
-              </a:schemeClr>
-            </a:solidFill>
-          </a:ln>
-        </p:spPr>
-        <p:style>
-          <a:lnRef idx="1">
-            <a:schemeClr val="accent1"/>
-          </a:lnRef>
-          <a:fillRef idx="0">
-            <a:schemeClr val="accent1"/>
-          </a:fillRef>
-          <a:effectRef idx="0">
-            <a:schemeClr val="accent1"/>
-          </a:effectRef>
-          <a:fontRef idx="minor">
-            <a:schemeClr val="tx1"/>
-          </a:fontRef>
-        </p:style>
-      </p:cxnSp>
-      <p:sp>
-        <p:nvSpPr>
-          <p:cNvPr id="21" name="Content Placeholder 20">
-            <a:extLst>
-              <a:ext uri="{FF2B5EF4-FFF2-40B4-BE49-F238E27FC236}">
-                <a16:creationId xmlns:a16="http://schemas.microsoft.com/office/drawing/2014/main" id="{2B2B2B92-3558-4D49-8A7B-8AFD4F6E01E4}"/>
-              </a:ext>
-            </a:extLst>
-          </p:cNvPr>
-          <p:cNvSpPr>
-            <a:spLocks noGrp="1"/>
-          </p:cNvSpPr>
-          <p:nvPr>
-            <p:ph idx="1"/>
-          </p:nvPr>
-        </p:nvSpPr>
-        <p:spPr>
-          <a:xfrm>
-            <a:off x="858064" y="2639380"/>
-            <a:ext cx="3205049" cy="3229714"/>
-          </a:xfrm>
-        </p:spPr>
-        <p:txBody>
-          <a:bodyPr>
-            <a:normAutofit/>
-          </a:bodyPr>
-          <a:lstStyle/>
+              <a:rPr lang="en-US" b="1" dirty="0"/>
+              <a:t>Preprocessing and feature engineering</a:t>
+            </a:r>
+          </a:p>
           <a:p>
             <a:pPr lvl="1"/>
             <a:r>
@@ -6780,110 +6465,142 @@
                 <a:latin typeface="Segoe UI" panose="020B0502040204020203" pitchFamily="34" charset="0"/>
                 <a:ea typeface="Times New Roman" panose="02020603050405020304" pitchFamily="18" charset="0"/>
               </a:rPr>
-              <a:t>Among the customers who churned, 70% of them had Fibre Optic Internet Service with the company</a:t>
-            </a:r>
-          </a:p>
-          <a:p>
+              <a:t>Create time series data frame by melting wide data frame is into long data frame</a:t>
+            </a:r>
+            <a:endParaRPr lang="en-CA" dirty="0"/>
+          </a:p>
+          <a:p>
+            <a:pPr lvl="1"/>
+            <a:r>
+              <a:rPr lang="en-CA" dirty="0"/>
+              <a:t>Feature engineered the following columns</a:t>
+            </a:r>
+          </a:p>
+          <a:p>
+            <a:pPr lvl="1"/>
+            <a:endParaRPr lang="en-CA" dirty="0"/>
+          </a:p>
+          <a:p>
+            <a:pPr lvl="2"/>
+            <a:r>
+              <a:rPr lang="en-CA" dirty="0"/>
+              <a:t> </a:t>
+            </a:r>
+            <a:r>
+              <a:rPr lang="en-CA" sz="1400" dirty="0">
+                <a:solidFill>
+                  <a:srgbClr val="24292F"/>
+                </a:solidFill>
+                <a:effectLst/>
+                <a:latin typeface="Segoe UI" panose="020B0502040204020203" pitchFamily="34" charset="0"/>
+                <a:ea typeface="Times New Roman" panose="02020603050405020304" pitchFamily="18" charset="0"/>
+              </a:rPr>
+              <a:t>number of daily deaths and confirmed cases</a:t>
+            </a:r>
+          </a:p>
+          <a:p>
+            <a:pPr lvl="2"/>
+            <a:r>
+              <a:rPr lang="en-CA" sz="1400" dirty="0">
+                <a:solidFill>
+                  <a:srgbClr val="24292F"/>
+                </a:solidFill>
+                <a:effectLst/>
+                <a:latin typeface="Segoe UI" panose="020B0502040204020203" pitchFamily="34" charset="0"/>
+                <a:ea typeface="Times New Roman" panose="02020603050405020304" pitchFamily="18" charset="0"/>
+              </a:rPr>
+              <a:t>7 day and 30-day moving average of confirmed cases and deaths </a:t>
+            </a:r>
+          </a:p>
+          <a:p>
+            <a:pPr lvl="2"/>
+            <a:r>
+              <a:rPr lang="en-CA" sz="1400" dirty="0">
+                <a:solidFill>
+                  <a:srgbClr val="24292F"/>
+                </a:solidFill>
+                <a:latin typeface="Segoe UI" panose="020B0502040204020203" pitchFamily="34" charset="0"/>
+              </a:rPr>
+              <a:t>exponential weighted moving average of confirmed cases and deaths</a:t>
+            </a:r>
+          </a:p>
+          <a:p>
+            <a:pPr lvl="2"/>
+            <a:r>
+              <a:rPr lang="en-CA" sz="1400" dirty="0">
+                <a:solidFill>
+                  <a:srgbClr val="24292F"/>
+                </a:solidFill>
+                <a:latin typeface="Segoe UI" panose="020B0502040204020203" pitchFamily="34" charset="0"/>
+              </a:rPr>
+              <a:t>Mortality rate as ratio of number of deaths to number of confirmed cases</a:t>
+            </a:r>
+          </a:p>
+          <a:p>
+            <a:pPr lvl="1"/>
+            <a:endParaRPr lang="en-CA" sz="2000" dirty="0">
+              <a:solidFill>
+                <a:srgbClr val="24292F"/>
+              </a:solidFill>
+              <a:effectLst/>
+              <a:latin typeface="Segoe UI" panose="020B0502040204020203" pitchFamily="34" charset="0"/>
+              <a:ea typeface="Times New Roman" panose="02020603050405020304" pitchFamily="18" charset="0"/>
+            </a:endParaRPr>
+          </a:p>
+          <a:p>
+            <a:pPr lvl="1"/>
+            <a:r>
+              <a:rPr lang="en-CA" sz="1800" dirty="0">
+                <a:solidFill>
+                  <a:srgbClr val="24292F"/>
+                </a:solidFill>
+                <a:latin typeface="Segoe UI" panose="020B0502040204020203" pitchFamily="34" charset="0"/>
+              </a:rPr>
+              <a:t>Corrected errors in some columns with value 0.  </a:t>
+            </a:r>
+          </a:p>
+          <a:p>
+            <a:pPr lvl="1"/>
+            <a:r>
+              <a:rPr lang="en-CA" sz="1800" dirty="0">
+                <a:solidFill>
+                  <a:srgbClr val="24292F"/>
+                </a:solidFill>
+                <a:latin typeface="Segoe UI" panose="020B0502040204020203" pitchFamily="34" charset="0"/>
+              </a:rPr>
+              <a:t>The resulting time-series data frame is written as csv file for further processing </a:t>
+            </a:r>
+            <a:endParaRPr lang="en-US" sz="1800" dirty="0">
+              <a:solidFill>
+                <a:srgbClr val="24292F"/>
+              </a:solidFill>
+              <a:latin typeface="Segoe UI" panose="020B0502040204020203" pitchFamily="34" charset="0"/>
+            </a:endParaRPr>
+          </a:p>
+          <a:p>
+            <a:pPr marL="201168" lvl="1" indent="0">
+              <a:buNone/>
+            </a:pPr>
             <a:endParaRPr lang="en-US" dirty="0"/>
           </a:p>
-        </p:txBody>
-      </p:sp>
-      <p:pic>
-        <p:nvPicPr>
-          <p:cNvPr id="4" name="Content Placeholder 3" descr="Chart, bar chart&#10;&#10;Description automatically generated">
-            <a:extLst>
-              <a:ext uri="{FF2B5EF4-FFF2-40B4-BE49-F238E27FC236}">
-                <a16:creationId xmlns:a16="http://schemas.microsoft.com/office/drawing/2014/main" id="{F4BF3273-AF2A-416A-BC7F-903666F34728}"/>
-              </a:ext>
-            </a:extLst>
-          </p:cNvPr>
-          <p:cNvPicPr>
-            <a:picLocks noChangeAspect="1"/>
-          </p:cNvPicPr>
-          <p:nvPr/>
-        </p:nvPicPr>
-        <p:blipFill>
-          <a:blip r:embed="rId2">
-            <a:extLst>
-              <a:ext uri="{28A0092B-C50C-407E-A947-70E740481C1C}">
-                <a14:useLocalDpi xmlns:a14="http://schemas.microsoft.com/office/drawing/2010/main" val="0"/>
-              </a:ext>
-            </a:extLst>
-          </a:blip>
-          <a:stretch>
-            <a:fillRect/>
-          </a:stretch>
-        </p:blipFill>
-        <p:spPr bwMode="auto">
-          <a:xfrm>
-            <a:off x="4833714" y="643466"/>
-            <a:ext cx="6532026" cy="5225621"/>
-          </a:xfrm>
-          <a:prstGeom prst="rect">
-            <a:avLst/>
-          </a:prstGeom>
-          <a:noFill/>
-        </p:spPr>
-      </p:pic>
-      <p:sp>
-        <p:nvSpPr>
-          <p:cNvPr id="28" name="Rectangle 27">
-            <a:extLst>
-              <a:ext uri="{FF2B5EF4-FFF2-40B4-BE49-F238E27FC236}">
-                <a16:creationId xmlns:a16="http://schemas.microsoft.com/office/drawing/2014/main" id="{6BF36B24-6632-4516-9692-731462896C1F}"/>
-              </a:ext>
-              <a:ext uri="{C183D7F6-B498-43B3-948B-1728B52AA6E4}">
-                <adec:decorative xmlns:adec="http://schemas.microsoft.com/office/drawing/2017/decorative" val="1"/>
-              </a:ext>
-            </a:extLst>
-          </p:cNvPr>
-          <p:cNvSpPr>
-            <a:spLocks noGrp="1" noRot="1" noChangeAspect="1" noMove="1" noResize="1" noEditPoints="1" noAdjustHandles="1" noChangeArrowheads="1" noChangeShapeType="1" noTextEdit="1"/>
-          </p:cNvSpPr>
-          <p:nvPr>
-            <p:extLst>
-              <p:ext uri="{386F3935-93C4-4BCD-93E2-E3B085C9AB24}">
-                <p16:designElem xmlns:p16="http://schemas.microsoft.com/office/powerpoint/2015/main" val="1"/>
-              </p:ext>
-            </p:extLst>
-          </p:nvPr>
-        </p:nvSpPr>
-        <p:spPr>
-          <a:xfrm>
-            <a:off x="0" y="6400800"/>
-            <a:ext cx="12192000" cy="457200"/>
-          </a:xfrm>
-          <a:prstGeom prst="rect">
-            <a:avLst/>
-          </a:prstGeom>
-          <a:solidFill>
-            <a:srgbClr val="262626"/>
-          </a:solidFill>
-          <a:ln>
-            <a:noFill/>
-          </a:ln>
-        </p:spPr>
-        <p:style>
-          <a:lnRef idx="2">
-            <a:schemeClr val="accent1">
-              <a:shade val="50000"/>
-            </a:schemeClr>
-          </a:lnRef>
-          <a:fillRef idx="1">
-            <a:schemeClr val="accent1"/>
-          </a:fillRef>
-          <a:effectRef idx="0">
-            <a:schemeClr val="accent1"/>
-          </a:effectRef>
-          <a:fontRef idx="minor">
-            <a:schemeClr val="lt1"/>
-          </a:fontRef>
-        </p:style>
+          <a:p>
+            <a:pPr marL="201168" lvl="1" indent="0">
+              <a:buNone/>
+            </a:pPr>
+            <a:endParaRPr lang="en-US" dirty="0"/>
+          </a:p>
+          <a:p>
+            <a:pPr marL="201168" lvl="1" indent="0">
+              <a:buNone/>
+            </a:pPr>
+            <a:endParaRPr lang="en-CA" dirty="0"/>
+          </a:p>
+        </p:txBody>
       </p:sp>
     </p:spTree>
     <p:extLst>
       <p:ext uri="{BB962C8B-B14F-4D97-AF65-F5344CB8AC3E}">
-        <p14:creationId xmlns:p14="http://schemas.microsoft.com/office/powerpoint/2010/main" val="1138189922"/>
+        <p14:creationId xmlns:p14="http://schemas.microsoft.com/office/powerpoint/2010/main" val="4240856773"/>
       </p:ext>
     </p:extLst>
   </p:cSld>
@@ -6918,12 +6635,12 @@
           <a:chExt cx="0" cy="0"/>
         </a:xfrm>
       </p:grpSpPr>
-      <p:sp useBgFill="1">
-        <p:nvSpPr>
-          <p:cNvPr id="24" name="Rectangle 23">
-            <a:extLst>
-              <a:ext uri="{FF2B5EF4-FFF2-40B4-BE49-F238E27FC236}">
-                <a16:creationId xmlns:a16="http://schemas.microsoft.com/office/drawing/2014/main" id="{F64BBAA4-C62B-4146-B49F-FE4CC4655EE0}"/>
+      <p:sp>
+        <p:nvSpPr>
+          <p:cNvPr id="35" name="Rectangle 34">
+            <a:extLst>
+              <a:ext uri="{FF2B5EF4-FFF2-40B4-BE49-F238E27FC236}">
+                <a16:creationId xmlns:a16="http://schemas.microsoft.com/office/drawing/2014/main" id="{39E3965E-AC41-4711-9D10-E25ABB132D86}"/>
               </a:ext>
               <a:ext uri="{C183D7F6-B498-43B3-948B-1728B52AA6E4}">
                 <adec:decorative xmlns:adec="http://schemas.microsoft.com/office/drawing/2017/decorative" val="1"/>
@@ -6943,256 +6660,8 @@
         </p:nvSpPr>
         <p:spPr>
           <a:xfrm>
-            <a:off x="0" y="0"/>
-            <a:ext cx="12192001" cy="6858000"/>
-          </a:xfrm>
-          <a:prstGeom prst="rect">
-            <a:avLst/>
-          </a:prstGeom>
-          <a:ln>
-            <a:noFill/>
-          </a:ln>
-        </p:spPr>
-        <p:style>
-          <a:lnRef idx="2">
-            <a:schemeClr val="accent1">
-              <a:shade val="50000"/>
-            </a:schemeClr>
-          </a:lnRef>
-          <a:fillRef idx="1">
-            <a:schemeClr val="accent1"/>
-          </a:fillRef>
-          <a:effectRef idx="0">
-            <a:schemeClr val="accent1"/>
-          </a:effectRef>
-          <a:fontRef idx="minor">
-            <a:schemeClr val="lt1"/>
-          </a:fontRef>
-        </p:style>
-        <p:txBody>
-          <a:bodyPr rtlCol="0" anchor="ctr"/>
-          <a:lstStyle/>
-          <a:p>
-            <a:pPr algn="ctr"/>
-            <a:endParaRPr lang="en-US"/>
-          </a:p>
-        </p:txBody>
-      </p:sp>
-      <p:sp>
-        <p:nvSpPr>
-          <p:cNvPr id="2" name="Title 1">
-            <a:extLst>
-              <a:ext uri="{FF2B5EF4-FFF2-40B4-BE49-F238E27FC236}">
-                <a16:creationId xmlns:a16="http://schemas.microsoft.com/office/drawing/2014/main" id="{933CA662-6CDA-4963-8DFB-76DCEA7C5CC3}"/>
-              </a:ext>
-            </a:extLst>
-          </p:cNvPr>
-          <p:cNvSpPr>
-            <a:spLocks noGrp="1"/>
-          </p:cNvSpPr>
-          <p:nvPr>
-            <p:ph type="title"/>
-          </p:nvPr>
-        </p:nvSpPr>
-        <p:spPr>
-          <a:xfrm>
-            <a:off x="878911" y="643468"/>
-            <a:ext cx="3177847" cy="1674180"/>
-          </a:xfrm>
-        </p:spPr>
-        <p:txBody>
-          <a:bodyPr vert="horz" lIns="91440" tIns="45720" rIns="91440" bIns="45720" rtlCol="0">
-            <a:normAutofit/>
-          </a:bodyPr>
-          <a:lstStyle/>
-          <a:p>
-            <a:r>
-              <a:rPr lang="en-US" sz="4000" dirty="0"/>
-              <a:t>Churn reason</a:t>
-            </a:r>
-          </a:p>
-        </p:txBody>
-      </p:sp>
-      <p:cxnSp>
-        <p:nvCxnSpPr>
-          <p:cNvPr id="26" name="Straight Connector 25">
-            <a:extLst>
-              <a:ext uri="{FF2B5EF4-FFF2-40B4-BE49-F238E27FC236}">
-                <a16:creationId xmlns:a16="http://schemas.microsoft.com/office/drawing/2014/main" id="{EEB57AA8-F021-480C-A9E2-F89913313611}"/>
-              </a:ext>
-              <a:ext uri="{C183D7F6-B498-43B3-948B-1728B52AA6E4}">
-                <adec:decorative xmlns:adec="http://schemas.microsoft.com/office/drawing/2017/decorative" val="1"/>
-              </a:ext>
-            </a:extLst>
-          </p:cNvPr>
-          <p:cNvCxnSpPr>
-            <a:cxnSpLocks noGrp="1" noRot="1" noChangeAspect="1" noMove="1" noResize="1" noEditPoints="1" noAdjustHandles="1" noChangeArrowheads="1" noChangeShapeType="1"/>
-          </p:cNvCxnSpPr>
-          <p:nvPr>
-            <p:extLst>
-              <p:ext uri="{386F3935-93C4-4BCD-93E2-E3B085C9AB24}">
-                <p16:designElem xmlns:p16="http://schemas.microsoft.com/office/powerpoint/2015/main" val="1"/>
-              </p:ext>
-            </p:extLst>
-          </p:nvPr>
-        </p:nvCxnSpPr>
-        <p:spPr>
-          <a:xfrm>
-            <a:off x="962164" y="2478513"/>
-            <a:ext cx="2926080" cy="0"/>
-          </a:xfrm>
-          <a:prstGeom prst="line">
-            <a:avLst/>
-          </a:prstGeom>
-          <a:ln>
-            <a:solidFill>
-              <a:schemeClr val="tx1">
-                <a:lumMod val="75000"/>
-                <a:lumOff val="25000"/>
-              </a:schemeClr>
-            </a:solidFill>
-          </a:ln>
-        </p:spPr>
-        <p:style>
-          <a:lnRef idx="1">
-            <a:schemeClr val="accent1"/>
-          </a:lnRef>
-          <a:fillRef idx="0">
-            <a:schemeClr val="accent1"/>
-          </a:fillRef>
-          <a:effectRef idx="0">
-            <a:schemeClr val="accent1"/>
-          </a:effectRef>
-          <a:fontRef idx="minor">
-            <a:schemeClr val="tx1"/>
-          </a:fontRef>
-        </p:style>
-      </p:cxnSp>
-      <p:sp>
-        <p:nvSpPr>
-          <p:cNvPr id="21" name="Content Placeholder 20">
-            <a:extLst>
-              <a:ext uri="{FF2B5EF4-FFF2-40B4-BE49-F238E27FC236}">
-                <a16:creationId xmlns:a16="http://schemas.microsoft.com/office/drawing/2014/main" id="{CF52F108-10C8-4F5E-BA33-5EBBDFDF0DF7}"/>
-              </a:ext>
-            </a:extLst>
-          </p:cNvPr>
-          <p:cNvSpPr>
-            <a:spLocks noGrp="1"/>
-          </p:cNvSpPr>
-          <p:nvPr>
-            <p:ph idx="1"/>
-          </p:nvPr>
-        </p:nvSpPr>
-        <p:spPr>
-          <a:xfrm>
-            <a:off x="858064" y="2639380"/>
-            <a:ext cx="3205049" cy="3229714"/>
-          </a:xfrm>
-        </p:spPr>
-        <p:txBody>
-          <a:bodyPr>
-            <a:normAutofit/>
-          </a:bodyPr>
-          <a:lstStyle/>
-          <a:p>
-            <a:pPr lvl="1"/>
-            <a:r>
-              <a:rPr lang="en-CA" sz="1800" dirty="0">
-                <a:solidFill>
-                  <a:srgbClr val="24292F"/>
-                </a:solidFill>
-                <a:effectLst/>
-                <a:latin typeface="Segoe UI" panose="020B0502040204020203" pitchFamily="34" charset="0"/>
-                <a:ea typeface="Times New Roman" panose="02020603050405020304" pitchFamily="18" charset="0"/>
-              </a:rPr>
-              <a:t>33% of the customers who left the company were offered with better internet or devices by competitors.</a:t>
-            </a:r>
-          </a:p>
-          <a:p>
-            <a:pPr lvl="1"/>
-            <a:r>
-              <a:rPr lang="en-CA" sz="1800" dirty="0">
-                <a:solidFill>
-                  <a:srgbClr val="24292F"/>
-                </a:solidFill>
-                <a:effectLst/>
-                <a:latin typeface="Segoe UI" panose="020B0502040204020203" pitchFamily="34" charset="0"/>
-                <a:ea typeface="Times New Roman" panose="02020603050405020304" pitchFamily="18" charset="0"/>
-              </a:rPr>
-              <a:t>37% were not satisfied with the services provided by the company</a:t>
-            </a:r>
-            <a:endParaRPr lang="en-CA" dirty="0"/>
-          </a:p>
-          <a:p>
-            <a:endParaRPr lang="en-US" dirty="0"/>
-          </a:p>
-        </p:txBody>
-      </p:sp>
-      <p:pic>
-        <p:nvPicPr>
-          <p:cNvPr id="4" name="Content Placeholder 3" descr="Chart, bar chart&#10;&#10;Description automatically generated">
-            <a:extLst>
-              <a:ext uri="{FF2B5EF4-FFF2-40B4-BE49-F238E27FC236}">
-                <a16:creationId xmlns:a16="http://schemas.microsoft.com/office/drawing/2014/main" id="{B7930C7D-BAFF-4AA5-969D-2E28726AE16E}"/>
-              </a:ext>
-            </a:extLst>
-          </p:cNvPr>
-          <p:cNvPicPr>
-            <a:picLocks noChangeAspect="1"/>
-          </p:cNvPicPr>
-          <p:nvPr/>
-        </p:nvPicPr>
-        <p:blipFill>
-          <a:blip r:embed="rId2">
-            <a:extLst>
-              <a:ext uri="{28A0092B-C50C-407E-A947-70E740481C1C}">
-                <a14:useLocalDpi xmlns:a14="http://schemas.microsoft.com/office/drawing/2010/main" val="0"/>
-              </a:ext>
-            </a:extLst>
-          </a:blip>
-          <a:stretch>
-            <a:fillRect/>
-          </a:stretch>
-        </p:blipFill>
-        <p:spPr bwMode="auto">
-          <a:xfrm>
-            <a:off x="4653447" y="1154046"/>
-            <a:ext cx="6892560" cy="4204461"/>
-          </a:xfrm>
-          <a:prstGeom prst="rect">
-            <a:avLst/>
-          </a:prstGeom>
-          <a:noFill/>
-        </p:spPr>
-      </p:pic>
-      <p:sp>
-        <p:nvSpPr>
-          <p:cNvPr id="28" name="Rectangle 27">
-            <a:extLst>
-              <a:ext uri="{FF2B5EF4-FFF2-40B4-BE49-F238E27FC236}">
-                <a16:creationId xmlns:a16="http://schemas.microsoft.com/office/drawing/2014/main" id="{6BF36B24-6632-4516-9692-731462896C1F}"/>
-              </a:ext>
-              <a:ext uri="{C183D7F6-B498-43B3-948B-1728B52AA6E4}">
-                <adec:decorative xmlns:adec="http://schemas.microsoft.com/office/drawing/2017/decorative" val="1"/>
-              </a:ext>
-            </a:extLst>
-          </p:cNvPr>
-          <p:cNvSpPr>
-            <a:spLocks noGrp="1" noRot="1" noChangeAspect="1" noMove="1" noResize="1" noEditPoints="1" noAdjustHandles="1" noChangeArrowheads="1" noChangeShapeType="1" noTextEdit="1"/>
-          </p:cNvSpPr>
-          <p:nvPr>
-            <p:extLst>
-              <p:ext uri="{386F3935-93C4-4BCD-93E2-E3B085C9AB24}">
-                <p16:designElem xmlns:p16="http://schemas.microsoft.com/office/powerpoint/2015/main" val="1"/>
-              </p:ext>
-            </p:extLst>
-          </p:nvPr>
-        </p:nvSpPr>
-        <p:spPr>
-          <a:xfrm>
-            <a:off x="0" y="6400800"/>
-            <a:ext cx="12192000" cy="457200"/>
+            <a:off x="3175" y="6400800"/>
+            <a:ext cx="12188825" cy="457200"/>
           </a:xfrm>
           <a:prstGeom prst="rect">
             <a:avLst/>
@@ -7221,10 +6690,314 @@
           </a:fontRef>
         </p:style>
       </p:sp>
+      <p:cxnSp>
+        <p:nvCxnSpPr>
+          <p:cNvPr id="37" name="Straight Connector 36">
+            <a:extLst>
+              <a:ext uri="{FF2B5EF4-FFF2-40B4-BE49-F238E27FC236}">
+                <a16:creationId xmlns:a16="http://schemas.microsoft.com/office/drawing/2014/main" id="{1F5DC8C3-BA5F-4EED-BB9A-A14272BD82A1}"/>
+              </a:ext>
+              <a:ext uri="{C183D7F6-B498-43B3-948B-1728B52AA6E4}">
+                <adec:decorative xmlns:adec="http://schemas.microsoft.com/office/drawing/2017/decorative" val="1"/>
+              </a:ext>
+            </a:extLst>
+          </p:cNvPr>
+          <p:cNvCxnSpPr>
+            <a:cxnSpLocks noGrp="1" noRot="1" noChangeAspect="1" noMove="1" noResize="1" noEditPoints="1" noAdjustHandles="1" noChangeArrowheads="1" noChangeShapeType="1"/>
+          </p:cNvCxnSpPr>
+          <p:nvPr>
+            <p:extLst>
+              <p:ext uri="{386F3935-93C4-4BCD-93E2-E3B085C9AB24}">
+                <p16:designElem xmlns:p16="http://schemas.microsoft.com/office/powerpoint/2015/main" val="1"/>
+              </p:ext>
+            </p:extLst>
+          </p:nvPr>
+        </p:nvCxnSpPr>
+        <p:spPr>
+          <a:xfrm>
+            <a:off x="1207658" y="4474741"/>
+            <a:ext cx="9875520" cy="0"/>
+          </a:xfrm>
+          <a:prstGeom prst="line">
+            <a:avLst/>
+          </a:prstGeom>
+          <a:ln w="12700">
+            <a:solidFill>
+              <a:schemeClr val="tx1">
+                <a:lumMod val="75000"/>
+                <a:lumOff val="25000"/>
+              </a:schemeClr>
+            </a:solidFill>
+          </a:ln>
+        </p:spPr>
+        <p:style>
+          <a:lnRef idx="1">
+            <a:schemeClr val="accent1"/>
+          </a:lnRef>
+          <a:fillRef idx="0">
+            <a:schemeClr val="accent1"/>
+          </a:fillRef>
+          <a:effectRef idx="0">
+            <a:schemeClr val="accent1"/>
+          </a:effectRef>
+          <a:fontRef idx="minor">
+            <a:schemeClr val="tx1"/>
+          </a:fontRef>
+        </p:style>
+      </p:cxnSp>
+      <p:sp useBgFill="1">
+        <p:nvSpPr>
+          <p:cNvPr id="39" name="Rectangle 38">
+            <a:extLst>
+              <a:ext uri="{FF2B5EF4-FFF2-40B4-BE49-F238E27FC236}">
+                <a16:creationId xmlns:a16="http://schemas.microsoft.com/office/drawing/2014/main" id="{33428ACC-71EC-4171-9527-10983BA6B41D}"/>
+              </a:ext>
+              <a:ext uri="{C183D7F6-B498-43B3-948B-1728B52AA6E4}">
+                <adec:decorative xmlns:adec="http://schemas.microsoft.com/office/drawing/2017/decorative" val="1"/>
+              </a:ext>
+            </a:extLst>
+          </p:cNvPr>
+          <p:cNvSpPr>
+            <a:spLocks noGrp="1" noRot="1" noChangeAspect="1" noMove="1" noResize="1" noEditPoints="1" noAdjustHandles="1" noChangeArrowheads="1" noChangeShapeType="1" noTextEdit="1"/>
+          </p:cNvSpPr>
+          <p:nvPr>
+            <p:extLst>
+              <p:ext uri="{386F3935-93C4-4BCD-93E2-E3B085C9AB24}">
+                <p16:designElem xmlns:p16="http://schemas.microsoft.com/office/powerpoint/2015/main" val="1"/>
+              </p:ext>
+            </p:extLst>
+          </p:nvPr>
+        </p:nvSpPr>
+        <p:spPr>
+          <a:xfrm>
+            <a:off x="0" y="0"/>
+            <a:ext cx="12192001" cy="6858000"/>
+          </a:xfrm>
+          <a:prstGeom prst="rect">
+            <a:avLst/>
+          </a:prstGeom>
+          <a:ln>
+            <a:noFill/>
+          </a:ln>
+        </p:spPr>
+        <p:style>
+          <a:lnRef idx="2">
+            <a:schemeClr val="accent1">
+              <a:shade val="50000"/>
+            </a:schemeClr>
+          </a:lnRef>
+          <a:fillRef idx="1">
+            <a:schemeClr val="accent1"/>
+          </a:fillRef>
+          <a:effectRef idx="0">
+            <a:schemeClr val="accent1"/>
+          </a:effectRef>
+          <a:fontRef idx="minor">
+            <a:schemeClr val="lt1"/>
+          </a:fontRef>
+        </p:style>
+        <p:txBody>
+          <a:bodyPr rtlCol="0" anchor="ctr"/>
+          <a:lstStyle/>
+          <a:p>
+            <a:pPr algn="ctr"/>
+            <a:endParaRPr lang="en-US"/>
+          </a:p>
+        </p:txBody>
+      </p:sp>
+      <p:sp>
+        <p:nvSpPr>
+          <p:cNvPr id="2" name="Title 1">
+            <a:extLst>
+              <a:ext uri="{FF2B5EF4-FFF2-40B4-BE49-F238E27FC236}">
+                <a16:creationId xmlns:a16="http://schemas.microsoft.com/office/drawing/2014/main" id="{17449018-BACA-4856-BF81-9ABF43C4001F}"/>
+              </a:ext>
+            </a:extLst>
+          </p:cNvPr>
+          <p:cNvSpPr>
+            <a:spLocks noGrp="1"/>
+          </p:cNvSpPr>
+          <p:nvPr>
+            <p:ph type="title"/>
+          </p:nvPr>
+        </p:nvSpPr>
+        <p:spPr>
+          <a:xfrm>
+            <a:off x="8141110" y="639098"/>
+            <a:ext cx="3401961" cy="3494790"/>
+          </a:xfrm>
+        </p:spPr>
+        <p:txBody>
+          <a:bodyPr vert="horz" lIns="91440" tIns="45720" rIns="91440" bIns="45720" rtlCol="0" anchor="b">
+            <a:normAutofit/>
+          </a:bodyPr>
+          <a:lstStyle/>
+          <a:p>
+            <a:r>
+              <a:rPr lang="en-US" sz="5400">
+                <a:solidFill>
+                  <a:schemeClr val="tx1">
+                    <a:lumMod val="85000"/>
+                    <a:lumOff val="15000"/>
+                  </a:schemeClr>
+                </a:solidFill>
+              </a:rPr>
+              <a:t>EDA</a:t>
+            </a:r>
+          </a:p>
+        </p:txBody>
+      </p:sp>
+      <p:pic>
+        <p:nvPicPr>
+          <p:cNvPr id="11" name="Picture 10">
+            <a:extLst>
+              <a:ext uri="{FF2B5EF4-FFF2-40B4-BE49-F238E27FC236}">
+                <a16:creationId xmlns:a16="http://schemas.microsoft.com/office/drawing/2014/main" id="{52F6AA15-BAEA-44D4-9753-93E73201726D}"/>
+              </a:ext>
+            </a:extLst>
+          </p:cNvPr>
+          <p:cNvPicPr>
+            <a:picLocks noChangeAspect="1"/>
+          </p:cNvPicPr>
+          <p:nvPr/>
+        </p:nvPicPr>
+        <p:blipFill>
+          <a:blip r:embed="rId2">
+            <a:extLst>
+              <a:ext uri="{28A0092B-C50C-407E-A947-70E740481C1C}">
+                <a14:useLocalDpi xmlns:a14="http://schemas.microsoft.com/office/drawing/2010/main" val="0"/>
+              </a:ext>
+            </a:extLst>
+          </a:blip>
+          <a:stretch>
+            <a:fillRect/>
+          </a:stretch>
+        </p:blipFill>
+        <p:spPr bwMode="auto">
+          <a:xfrm>
+            <a:off x="633999" y="1776075"/>
+            <a:ext cx="6912217" cy="2782167"/>
+          </a:xfrm>
+          <a:prstGeom prst="rect">
+            <a:avLst/>
+          </a:prstGeom>
+          <a:noFill/>
+        </p:spPr>
+      </p:pic>
+      <p:cxnSp>
+        <p:nvCxnSpPr>
+          <p:cNvPr id="41" name="Straight Connector 40">
+            <a:extLst>
+              <a:ext uri="{FF2B5EF4-FFF2-40B4-BE49-F238E27FC236}">
+                <a16:creationId xmlns:a16="http://schemas.microsoft.com/office/drawing/2014/main" id="{BA22713B-ABB6-4391-97F9-0449A2B9B664}"/>
+              </a:ext>
+              <a:ext uri="{C183D7F6-B498-43B3-948B-1728B52AA6E4}">
+                <adec:decorative xmlns:adec="http://schemas.microsoft.com/office/drawing/2017/decorative" val="1"/>
+              </a:ext>
+            </a:extLst>
+          </p:cNvPr>
+          <p:cNvCxnSpPr>
+            <a:cxnSpLocks noGrp="1" noRot="1" noChangeAspect="1" noMove="1" noResize="1" noEditPoints="1" noAdjustHandles="1" noChangeArrowheads="1" noChangeShapeType="1"/>
+          </p:cNvCxnSpPr>
+          <p:nvPr>
+            <p:extLst>
+              <p:ext uri="{386F3935-93C4-4BCD-93E2-E3B085C9AB24}">
+                <p16:designElem xmlns:p16="http://schemas.microsoft.com/office/powerpoint/2015/main" val="1"/>
+              </p:ext>
+            </p:extLst>
+          </p:nvPr>
+        </p:nvCxnSpPr>
+        <p:spPr>
+          <a:xfrm>
+            <a:off x="8209305" y="4294754"/>
+            <a:ext cx="3200400" cy="0"/>
+          </a:xfrm>
+          <a:prstGeom prst="line">
+            <a:avLst/>
+          </a:prstGeom>
+          <a:ln w="12700">
+            <a:solidFill>
+              <a:schemeClr val="tx1">
+                <a:lumMod val="75000"/>
+                <a:lumOff val="25000"/>
+              </a:schemeClr>
+            </a:solidFill>
+          </a:ln>
+        </p:spPr>
+        <p:style>
+          <a:lnRef idx="1">
+            <a:schemeClr val="accent1"/>
+          </a:lnRef>
+          <a:fillRef idx="0">
+            <a:schemeClr val="accent1"/>
+          </a:fillRef>
+          <a:effectRef idx="0">
+            <a:schemeClr val="accent1"/>
+          </a:effectRef>
+          <a:fontRef idx="minor">
+            <a:schemeClr val="tx1"/>
+          </a:fontRef>
+        </p:style>
+      </p:cxnSp>
+      <p:sp>
+        <p:nvSpPr>
+          <p:cNvPr id="43" name="Rectangle 42">
+            <a:extLst>
+              <a:ext uri="{FF2B5EF4-FFF2-40B4-BE49-F238E27FC236}">
+                <a16:creationId xmlns:a16="http://schemas.microsoft.com/office/drawing/2014/main" id="{8D4480B4-953D-41FA-9052-09AB3A026947}"/>
+              </a:ext>
+              <a:ext uri="{C183D7F6-B498-43B3-948B-1728B52AA6E4}">
+                <adec:decorative xmlns:adec="http://schemas.microsoft.com/office/drawing/2017/decorative" val="1"/>
+              </a:ext>
+            </a:extLst>
+          </p:cNvPr>
+          <p:cNvSpPr>
+            <a:spLocks noGrp="1" noRot="1" noChangeAspect="1" noMove="1" noResize="1" noEditPoints="1" noAdjustHandles="1" noChangeArrowheads="1" noChangeShapeType="1" noTextEdit="1"/>
+          </p:cNvSpPr>
+          <p:nvPr>
+            <p:extLst>
+              <p:ext uri="{386F3935-93C4-4BCD-93E2-E3B085C9AB24}">
+                <p16:designElem xmlns:p16="http://schemas.microsoft.com/office/powerpoint/2015/main" val="1"/>
+              </p:ext>
+            </p:extLst>
+          </p:nvPr>
+        </p:nvSpPr>
+        <p:spPr>
+          <a:xfrm>
+            <a:off x="0" y="6400800"/>
+            <a:ext cx="12192000" cy="457200"/>
+          </a:xfrm>
+          <a:prstGeom prst="rect">
+            <a:avLst/>
+          </a:prstGeom>
+          <a:solidFill>
+            <a:srgbClr val="262626"/>
+          </a:solidFill>
+          <a:ln>
+            <a:noFill/>
+          </a:ln>
+        </p:spPr>
+        <p:style>
+          <a:lnRef idx="2">
+            <a:schemeClr val="accent1">
+              <a:shade val="50000"/>
+            </a:schemeClr>
+          </a:lnRef>
+          <a:fillRef idx="1">
+            <a:schemeClr val="accent1"/>
+          </a:fillRef>
+          <a:effectRef idx="0">
+            <a:schemeClr val="accent1"/>
+          </a:effectRef>
+          <a:fontRef idx="minor">
+            <a:schemeClr val="lt1"/>
+          </a:fontRef>
+        </p:style>
+      </p:sp>
     </p:spTree>
     <p:extLst>
       <p:ext uri="{BB962C8B-B14F-4D97-AF65-F5344CB8AC3E}">
-        <p14:creationId xmlns:p14="http://schemas.microsoft.com/office/powerpoint/2010/main" val="2811664287"/>
+        <p14:creationId xmlns:p14="http://schemas.microsoft.com/office/powerpoint/2010/main" val="2276577762"/>
       </p:ext>
     </p:extLst>
   </p:cSld>
@@ -7259,12 +7032,12 @@
           <a:chExt cx="0" cy="0"/>
         </a:xfrm>
       </p:grpSpPr>
-      <p:sp useBgFill="1">
-        <p:nvSpPr>
-          <p:cNvPr id="24" name="Rectangle 23">
-            <a:extLst>
-              <a:ext uri="{FF2B5EF4-FFF2-40B4-BE49-F238E27FC236}">
-                <a16:creationId xmlns:a16="http://schemas.microsoft.com/office/drawing/2014/main" id="{F64BBAA4-C62B-4146-B49F-FE4CC4655EE0}"/>
+      <p:sp>
+        <p:nvSpPr>
+          <p:cNvPr id="48" name="Rectangle 47">
+            <a:extLst>
+              <a:ext uri="{FF2B5EF4-FFF2-40B4-BE49-F238E27FC236}">
+                <a16:creationId xmlns:a16="http://schemas.microsoft.com/office/drawing/2014/main" id="{39E3965E-AC41-4711-9D10-E25ABB132D86}"/>
               </a:ext>
               <a:ext uri="{C183D7F6-B498-43B3-948B-1728B52AA6E4}">
                 <adec:decorative xmlns:adec="http://schemas.microsoft.com/office/drawing/2017/decorative" val="1"/>
@@ -7284,219 +7057,8 @@
         </p:nvSpPr>
         <p:spPr>
           <a:xfrm>
-            <a:off x="0" y="0"/>
-            <a:ext cx="12192001" cy="6858000"/>
-          </a:xfrm>
-          <a:prstGeom prst="rect">
-            <a:avLst/>
-          </a:prstGeom>
-          <a:ln>
-            <a:noFill/>
-          </a:ln>
-        </p:spPr>
-        <p:style>
-          <a:lnRef idx="2">
-            <a:schemeClr val="accent1">
-              <a:shade val="50000"/>
-            </a:schemeClr>
-          </a:lnRef>
-          <a:fillRef idx="1">
-            <a:schemeClr val="accent1"/>
-          </a:fillRef>
-          <a:effectRef idx="0">
-            <a:schemeClr val="accent1"/>
-          </a:effectRef>
-          <a:fontRef idx="minor">
-            <a:schemeClr val="lt1"/>
-          </a:fontRef>
-        </p:style>
-        <p:txBody>
-          <a:bodyPr rtlCol="0" anchor="ctr"/>
-          <a:lstStyle/>
-          <a:p>
-            <a:pPr algn="ctr"/>
-            <a:endParaRPr lang="en-US"/>
-          </a:p>
-        </p:txBody>
-      </p:sp>
-      <p:sp>
-        <p:nvSpPr>
-          <p:cNvPr id="2" name="Title 1">
-            <a:extLst>
-              <a:ext uri="{FF2B5EF4-FFF2-40B4-BE49-F238E27FC236}">
-                <a16:creationId xmlns:a16="http://schemas.microsoft.com/office/drawing/2014/main" id="{933CA662-6CDA-4963-8DFB-76DCEA7C5CC3}"/>
-              </a:ext>
-            </a:extLst>
-          </p:cNvPr>
-          <p:cNvSpPr>
-            <a:spLocks noGrp="1"/>
-          </p:cNvSpPr>
-          <p:nvPr>
-            <p:ph type="title"/>
-          </p:nvPr>
-        </p:nvSpPr>
-        <p:spPr>
-          <a:xfrm>
-            <a:off x="878911" y="643468"/>
-            <a:ext cx="3177847" cy="1674180"/>
-          </a:xfrm>
-        </p:spPr>
-        <p:txBody>
-          <a:bodyPr vert="horz" lIns="91440" tIns="45720" rIns="91440" bIns="45720" rtlCol="0">
-            <a:normAutofit/>
-          </a:bodyPr>
-          <a:lstStyle/>
-          <a:p>
-            <a:r>
-              <a:rPr lang="en-US" sz="4000" dirty="0"/>
-              <a:t>Churn Score</a:t>
-            </a:r>
-          </a:p>
-        </p:txBody>
-      </p:sp>
-      <p:cxnSp>
-        <p:nvCxnSpPr>
-          <p:cNvPr id="26" name="Straight Connector 25">
-            <a:extLst>
-              <a:ext uri="{FF2B5EF4-FFF2-40B4-BE49-F238E27FC236}">
-                <a16:creationId xmlns:a16="http://schemas.microsoft.com/office/drawing/2014/main" id="{EEB57AA8-F021-480C-A9E2-F89913313611}"/>
-              </a:ext>
-              <a:ext uri="{C183D7F6-B498-43B3-948B-1728B52AA6E4}">
-                <adec:decorative xmlns:adec="http://schemas.microsoft.com/office/drawing/2017/decorative" val="1"/>
-              </a:ext>
-            </a:extLst>
-          </p:cNvPr>
-          <p:cNvCxnSpPr>
-            <a:cxnSpLocks noGrp="1" noRot="1" noChangeAspect="1" noMove="1" noResize="1" noEditPoints="1" noAdjustHandles="1" noChangeArrowheads="1" noChangeShapeType="1"/>
-          </p:cNvCxnSpPr>
-          <p:nvPr>
-            <p:extLst>
-              <p:ext uri="{386F3935-93C4-4BCD-93E2-E3B085C9AB24}">
-                <p16:designElem xmlns:p16="http://schemas.microsoft.com/office/powerpoint/2015/main" val="1"/>
-              </p:ext>
-            </p:extLst>
-          </p:nvPr>
-        </p:nvCxnSpPr>
-        <p:spPr>
-          <a:xfrm>
-            <a:off x="962164" y="2478513"/>
-            <a:ext cx="2926080" cy="0"/>
-          </a:xfrm>
-          <a:prstGeom prst="line">
-            <a:avLst/>
-          </a:prstGeom>
-          <a:ln>
-            <a:solidFill>
-              <a:schemeClr val="tx1">
-                <a:lumMod val="75000"/>
-                <a:lumOff val="25000"/>
-              </a:schemeClr>
-            </a:solidFill>
-          </a:ln>
-        </p:spPr>
-        <p:style>
-          <a:lnRef idx="1">
-            <a:schemeClr val="accent1"/>
-          </a:lnRef>
-          <a:fillRef idx="0">
-            <a:schemeClr val="accent1"/>
-          </a:fillRef>
-          <a:effectRef idx="0">
-            <a:schemeClr val="accent1"/>
-          </a:effectRef>
-          <a:fontRef idx="minor">
-            <a:schemeClr val="tx1"/>
-          </a:fontRef>
-        </p:style>
-      </p:cxnSp>
-      <p:sp>
-        <p:nvSpPr>
-          <p:cNvPr id="21" name="Content Placeholder 20">
-            <a:extLst>
-              <a:ext uri="{FF2B5EF4-FFF2-40B4-BE49-F238E27FC236}">
-                <a16:creationId xmlns:a16="http://schemas.microsoft.com/office/drawing/2014/main" id="{CF52F108-10C8-4F5E-BA33-5EBBDFDF0DF7}"/>
-              </a:ext>
-            </a:extLst>
-          </p:cNvPr>
-          <p:cNvSpPr>
-            <a:spLocks noGrp="1"/>
-          </p:cNvSpPr>
-          <p:nvPr>
-            <p:ph idx="1"/>
-          </p:nvPr>
-        </p:nvSpPr>
-        <p:spPr>
-          <a:xfrm>
-            <a:off x="858064" y="2639380"/>
-            <a:ext cx="3205049" cy="3229714"/>
-          </a:xfrm>
-        </p:spPr>
-        <p:txBody>
-          <a:bodyPr>
-            <a:normAutofit/>
-          </a:bodyPr>
-          <a:lstStyle/>
-          <a:p>
-            <a:pPr lvl="1"/>
-            <a:r>
-              <a:rPr lang="en-CA" sz="1800" dirty="0">
-                <a:solidFill>
-                  <a:srgbClr val="24292F"/>
-                </a:solidFill>
-                <a:effectLst/>
-                <a:latin typeface="Segoe UI" panose="020B0502040204020203" pitchFamily="34" charset="0"/>
-                <a:ea typeface="Times New Roman" panose="02020603050405020304" pitchFamily="18" charset="0"/>
-              </a:rPr>
-              <a:t>Check whether the difference between the mean churn score or both classes are statistically significant.</a:t>
-            </a:r>
-          </a:p>
-          <a:p>
-            <a:pPr lvl="1"/>
-            <a:r>
-              <a:rPr lang="en-CA" sz="1800" dirty="0">
-                <a:solidFill>
-                  <a:srgbClr val="24292F"/>
-                </a:solidFill>
-                <a:effectLst/>
-                <a:latin typeface="Segoe UI" panose="020B0502040204020203" pitchFamily="34" charset="0"/>
-                <a:ea typeface="Times New Roman" panose="02020603050405020304" pitchFamily="18" charset="0"/>
-              </a:rPr>
-              <a:t>Welch’s Test for unequal variance</a:t>
-            </a:r>
-            <a:endParaRPr lang="en-CA" dirty="0"/>
-          </a:p>
-          <a:p>
-            <a:endParaRPr lang="en-US" dirty="0"/>
-          </a:p>
-        </p:txBody>
-      </p:sp>
-      <p:sp>
-        <p:nvSpPr>
-          <p:cNvPr id="28" name="Rectangle 27">
-            <a:extLst>
-              <a:ext uri="{FF2B5EF4-FFF2-40B4-BE49-F238E27FC236}">
-                <a16:creationId xmlns:a16="http://schemas.microsoft.com/office/drawing/2014/main" id="{6BF36B24-6632-4516-9692-731462896C1F}"/>
-              </a:ext>
-              <a:ext uri="{C183D7F6-B498-43B3-948B-1728B52AA6E4}">
-                <adec:decorative xmlns:adec="http://schemas.microsoft.com/office/drawing/2017/decorative" val="1"/>
-              </a:ext>
-            </a:extLst>
-          </p:cNvPr>
-          <p:cNvSpPr>
-            <a:spLocks noGrp="1" noRot="1" noChangeAspect="1" noMove="1" noResize="1" noEditPoints="1" noAdjustHandles="1" noChangeArrowheads="1" noChangeShapeType="1" noTextEdit="1"/>
-          </p:cNvSpPr>
-          <p:nvPr>
-            <p:extLst>
-              <p:ext uri="{386F3935-93C4-4BCD-93E2-E3B085C9AB24}">
-                <p16:designElem xmlns:p16="http://schemas.microsoft.com/office/powerpoint/2015/main" val="1"/>
-              </p:ext>
-            </p:extLst>
-          </p:nvPr>
-        </p:nvSpPr>
-        <p:spPr>
-          <a:xfrm>
-            <a:off x="0" y="6400800"/>
-            <a:ext cx="12192000" cy="457200"/>
+            <a:off x="3175" y="6400800"/>
+            <a:ext cx="12188825" cy="457200"/>
           </a:xfrm>
           <a:prstGeom prst="rect">
             <a:avLst/>
@@ -7525,12 +7087,169 @@
           </a:fontRef>
         </p:style>
       </p:sp>
+      <p:cxnSp>
+        <p:nvCxnSpPr>
+          <p:cNvPr id="50" name="Straight Connector 49">
+            <a:extLst>
+              <a:ext uri="{FF2B5EF4-FFF2-40B4-BE49-F238E27FC236}">
+                <a16:creationId xmlns:a16="http://schemas.microsoft.com/office/drawing/2014/main" id="{1F5DC8C3-BA5F-4EED-BB9A-A14272BD82A1}"/>
+              </a:ext>
+              <a:ext uri="{C183D7F6-B498-43B3-948B-1728B52AA6E4}">
+                <adec:decorative xmlns:adec="http://schemas.microsoft.com/office/drawing/2017/decorative" val="1"/>
+              </a:ext>
+            </a:extLst>
+          </p:cNvPr>
+          <p:cNvCxnSpPr>
+            <a:cxnSpLocks noGrp="1" noRot="1" noChangeAspect="1" noMove="1" noResize="1" noEditPoints="1" noAdjustHandles="1" noChangeArrowheads="1" noChangeShapeType="1"/>
+          </p:cNvCxnSpPr>
+          <p:nvPr>
+            <p:extLst>
+              <p:ext uri="{386F3935-93C4-4BCD-93E2-E3B085C9AB24}">
+                <p16:designElem xmlns:p16="http://schemas.microsoft.com/office/powerpoint/2015/main" val="1"/>
+              </p:ext>
+            </p:extLst>
+          </p:nvPr>
+        </p:nvCxnSpPr>
+        <p:spPr>
+          <a:xfrm>
+            <a:off x="1207658" y="4474741"/>
+            <a:ext cx="9875520" cy="0"/>
+          </a:xfrm>
+          <a:prstGeom prst="line">
+            <a:avLst/>
+          </a:prstGeom>
+          <a:ln w="12700">
+            <a:solidFill>
+              <a:schemeClr val="tx1">
+                <a:lumMod val="75000"/>
+                <a:lumOff val="25000"/>
+              </a:schemeClr>
+            </a:solidFill>
+          </a:ln>
+        </p:spPr>
+        <p:style>
+          <a:lnRef idx="1">
+            <a:schemeClr val="accent1"/>
+          </a:lnRef>
+          <a:fillRef idx="0">
+            <a:schemeClr val="accent1"/>
+          </a:fillRef>
+          <a:effectRef idx="0">
+            <a:schemeClr val="accent1"/>
+          </a:effectRef>
+          <a:fontRef idx="minor">
+            <a:schemeClr val="tx1"/>
+          </a:fontRef>
+        </p:style>
+      </p:cxnSp>
+      <p:sp useBgFill="1">
+        <p:nvSpPr>
+          <p:cNvPr id="52" name="Rectangle 51">
+            <a:extLst>
+              <a:ext uri="{FF2B5EF4-FFF2-40B4-BE49-F238E27FC236}">
+                <a16:creationId xmlns:a16="http://schemas.microsoft.com/office/drawing/2014/main" id="{33428ACC-71EC-4171-9527-10983BA6B41D}"/>
+              </a:ext>
+              <a:ext uri="{C183D7F6-B498-43B3-948B-1728B52AA6E4}">
+                <adec:decorative xmlns:adec="http://schemas.microsoft.com/office/drawing/2017/decorative" val="1"/>
+              </a:ext>
+            </a:extLst>
+          </p:cNvPr>
+          <p:cNvSpPr>
+            <a:spLocks noGrp="1" noRot="1" noChangeAspect="1" noMove="1" noResize="1" noEditPoints="1" noAdjustHandles="1" noChangeArrowheads="1" noChangeShapeType="1" noTextEdit="1"/>
+          </p:cNvSpPr>
+          <p:nvPr>
+            <p:extLst>
+              <p:ext uri="{386F3935-93C4-4BCD-93E2-E3B085C9AB24}">
+                <p16:designElem xmlns:p16="http://schemas.microsoft.com/office/powerpoint/2015/main" val="1"/>
+              </p:ext>
+            </p:extLst>
+          </p:nvPr>
+        </p:nvSpPr>
+        <p:spPr>
+          <a:xfrm>
+            <a:off x="0" y="0"/>
+            <a:ext cx="12192001" cy="6858000"/>
+          </a:xfrm>
+          <a:prstGeom prst="rect">
+            <a:avLst/>
+          </a:prstGeom>
+          <a:ln>
+            <a:noFill/>
+          </a:ln>
+        </p:spPr>
+        <p:style>
+          <a:lnRef idx="2">
+            <a:schemeClr val="accent1">
+              <a:shade val="50000"/>
+            </a:schemeClr>
+          </a:lnRef>
+          <a:fillRef idx="1">
+            <a:schemeClr val="accent1"/>
+          </a:fillRef>
+          <a:effectRef idx="0">
+            <a:schemeClr val="accent1"/>
+          </a:effectRef>
+          <a:fontRef idx="minor">
+            <a:schemeClr val="lt1"/>
+          </a:fontRef>
+        </p:style>
+        <p:txBody>
+          <a:bodyPr rtlCol="0" anchor="ctr"/>
+          <a:lstStyle/>
+          <a:p>
+            <a:pPr algn="ctr"/>
+            <a:endParaRPr lang="en-US"/>
+          </a:p>
+        </p:txBody>
+      </p:sp>
+      <p:sp>
+        <p:nvSpPr>
+          <p:cNvPr id="2" name="Title 1">
+            <a:extLst>
+              <a:ext uri="{FF2B5EF4-FFF2-40B4-BE49-F238E27FC236}">
+                <a16:creationId xmlns:a16="http://schemas.microsoft.com/office/drawing/2014/main" id="{17449018-BACA-4856-BF81-9ABF43C4001F}"/>
+              </a:ext>
+            </a:extLst>
+          </p:cNvPr>
+          <p:cNvSpPr>
+            <a:spLocks noGrp="1"/>
+          </p:cNvSpPr>
+          <p:nvPr>
+            <p:ph type="title"/>
+          </p:nvPr>
+        </p:nvSpPr>
+        <p:spPr>
+          <a:xfrm>
+            <a:off x="8141110" y="639098"/>
+            <a:ext cx="3401961" cy="3494790"/>
+          </a:xfrm>
+        </p:spPr>
+        <p:txBody>
+          <a:bodyPr vert="horz" lIns="91440" tIns="45720" rIns="91440" bIns="45720" rtlCol="0" anchor="b">
+            <a:normAutofit/>
+          </a:bodyPr>
+          <a:lstStyle/>
+          <a:p>
+            <a:r>
+              <a:rPr lang="en-US" sz="5400">
+                <a:solidFill>
+                  <a:schemeClr val="tx1">
+                    <a:lumMod val="85000"/>
+                    <a:lumOff val="15000"/>
+                  </a:schemeClr>
+                </a:solidFill>
+              </a:rPr>
+              <a:t>EDA</a:t>
+            </a:r>
+          </a:p>
+        </p:txBody>
+      </p:sp>
       <p:pic>
         <p:nvPicPr>
-          <p:cNvPr id="8" name="Content Placeholder 8" descr="Chart, box and whisker chart&#10;&#10;Description automatically generated">
-            <a:extLst>
-              <a:ext uri="{FF2B5EF4-FFF2-40B4-BE49-F238E27FC236}">
-                <a16:creationId xmlns:a16="http://schemas.microsoft.com/office/drawing/2014/main" id="{930FFE38-CC3C-4CC3-A65D-46D0B5651324}"/>
+          <p:cNvPr id="9" name="Picture 8">
+            <a:extLst>
+              <a:ext uri="{FF2B5EF4-FFF2-40B4-BE49-F238E27FC236}">
+                <a16:creationId xmlns:a16="http://schemas.microsoft.com/office/drawing/2014/main" id="{015E5C93-341D-4077-AF48-E56C9C33EC20}"/>
               </a:ext>
             </a:extLst>
           </p:cNvPr>
@@ -7553,8 +7272,8 @@
         </p:blipFill>
         <p:spPr bwMode="auto">
           <a:xfrm>
-            <a:off x="6062571" y="643468"/>
-            <a:ext cx="4978192" cy="4978192"/>
+            <a:off x="633999" y="1741514"/>
+            <a:ext cx="6912217" cy="2851289"/>
           </a:xfrm>
           <a:prstGeom prst="rect">
             <a:avLst/>
@@ -7562,10 +7281,120 @@
           <a:noFill/>
         </p:spPr>
       </p:pic>
+      <p:cxnSp>
+        <p:nvCxnSpPr>
+          <p:cNvPr id="54" name="Straight Connector 53">
+            <a:extLst>
+              <a:ext uri="{FF2B5EF4-FFF2-40B4-BE49-F238E27FC236}">
+                <a16:creationId xmlns:a16="http://schemas.microsoft.com/office/drawing/2014/main" id="{BA22713B-ABB6-4391-97F9-0449A2B9B664}"/>
+              </a:ext>
+              <a:ext uri="{C183D7F6-B498-43B3-948B-1728B52AA6E4}">
+                <adec:decorative xmlns:adec="http://schemas.microsoft.com/office/drawing/2017/decorative" val="1"/>
+              </a:ext>
+            </a:extLst>
+          </p:cNvPr>
+          <p:cNvCxnSpPr>
+            <a:cxnSpLocks noGrp="1" noRot="1" noChangeAspect="1" noMove="1" noResize="1" noEditPoints="1" noAdjustHandles="1" noChangeArrowheads="1" noChangeShapeType="1"/>
+          </p:cNvCxnSpPr>
+          <p:nvPr>
+            <p:extLst>
+              <p:ext uri="{386F3935-93C4-4BCD-93E2-E3B085C9AB24}">
+                <p16:designElem xmlns:p16="http://schemas.microsoft.com/office/powerpoint/2015/main" val="1"/>
+              </p:ext>
+            </p:extLst>
+          </p:nvPr>
+        </p:nvCxnSpPr>
+        <p:spPr>
+          <a:xfrm>
+            <a:off x="8209305" y="4294754"/>
+            <a:ext cx="3200400" cy="0"/>
+          </a:xfrm>
+          <a:prstGeom prst="line">
+            <a:avLst/>
+          </a:prstGeom>
+          <a:ln w="12700">
+            <a:solidFill>
+              <a:schemeClr val="tx1">
+                <a:lumMod val="75000"/>
+                <a:lumOff val="25000"/>
+              </a:schemeClr>
+            </a:solidFill>
+          </a:ln>
+        </p:spPr>
+        <p:style>
+          <a:lnRef idx="1">
+            <a:schemeClr val="accent1"/>
+          </a:lnRef>
+          <a:fillRef idx="0">
+            <a:schemeClr val="accent1"/>
+          </a:fillRef>
+          <a:effectRef idx="0">
+            <a:schemeClr val="accent1"/>
+          </a:effectRef>
+          <a:fontRef idx="minor">
+            <a:schemeClr val="tx1"/>
+          </a:fontRef>
+        </p:style>
+      </p:cxnSp>
+      <p:sp>
+        <p:nvSpPr>
+          <p:cNvPr id="56" name="Rectangle 55">
+            <a:extLst>
+              <a:ext uri="{FF2B5EF4-FFF2-40B4-BE49-F238E27FC236}">
+                <a16:creationId xmlns:a16="http://schemas.microsoft.com/office/drawing/2014/main" id="{8D4480B4-953D-41FA-9052-09AB3A026947}"/>
+              </a:ext>
+              <a:ext uri="{C183D7F6-B498-43B3-948B-1728B52AA6E4}">
+                <adec:decorative xmlns:adec="http://schemas.microsoft.com/office/drawing/2017/decorative" val="1"/>
+              </a:ext>
+            </a:extLst>
+          </p:cNvPr>
+          <p:cNvSpPr>
+            <a:spLocks noGrp="1" noRot="1" noChangeAspect="1" noMove="1" noResize="1" noEditPoints="1" noAdjustHandles="1" noChangeArrowheads="1" noChangeShapeType="1" noTextEdit="1"/>
+          </p:cNvSpPr>
+          <p:nvPr>
+            <p:extLst>
+              <p:ext uri="{386F3935-93C4-4BCD-93E2-E3B085C9AB24}">
+                <p16:designElem xmlns:p16="http://schemas.microsoft.com/office/powerpoint/2015/main" val="1"/>
+              </p:ext>
+            </p:extLst>
+          </p:nvPr>
+        </p:nvSpPr>
+        <p:spPr>
+          <a:xfrm>
+            <a:off x="0" y="6400800"/>
+            <a:ext cx="12192000" cy="457200"/>
+          </a:xfrm>
+          <a:prstGeom prst="rect">
+            <a:avLst/>
+          </a:prstGeom>
+          <a:solidFill>
+            <a:srgbClr val="262626"/>
+          </a:solidFill>
+          <a:ln>
+            <a:noFill/>
+          </a:ln>
+        </p:spPr>
+        <p:style>
+          <a:lnRef idx="2">
+            <a:schemeClr val="accent1">
+              <a:shade val="50000"/>
+            </a:schemeClr>
+          </a:lnRef>
+          <a:fillRef idx="1">
+            <a:schemeClr val="accent1"/>
+          </a:fillRef>
+          <a:effectRef idx="0">
+            <a:schemeClr val="accent1"/>
+          </a:effectRef>
+          <a:fontRef idx="minor">
+            <a:schemeClr val="lt1"/>
+          </a:fontRef>
+        </p:style>
+      </p:sp>
     </p:spTree>
     <p:extLst>
       <p:ext uri="{BB962C8B-B14F-4D97-AF65-F5344CB8AC3E}">
-        <p14:creationId xmlns:p14="http://schemas.microsoft.com/office/powerpoint/2010/main" val="1230006365"/>
+        <p14:creationId xmlns:p14="http://schemas.microsoft.com/office/powerpoint/2010/main" val="2267467809"/>
       </p:ext>
     </p:extLst>
   </p:cSld>

--- a/cap3/Capstone_Final_Slides.pptx
+++ b/cap3/Capstone_Final_Slides.pptx
@@ -19,7 +19,11 @@
     <p:sldId id="322" r:id="rId16"/>
     <p:sldId id="323" r:id="rId17"/>
     <p:sldId id="309" r:id="rId18"/>
-    <p:sldId id="314" r:id="rId19"/>
+    <p:sldId id="324" r:id="rId19"/>
+    <p:sldId id="325" r:id="rId20"/>
+    <p:sldId id="326" r:id="rId21"/>
+    <p:sldId id="327" r:id="rId22"/>
+    <p:sldId id="314" r:id="rId23"/>
   </p:sldIdLst>
   <p:sldSz cx="12192000" cy="6858000"/>
   <p:notesSz cx="6858000" cy="9144000"/>
@@ -370,7 +374,7 @@
           <a:p>
             <a:fld id="{9184DA70-C731-4C70-880D-CCD4705E623C}" type="datetime1">
               <a:rPr lang="en-US" smtClean="0"/>
-              <a:t>2/17/2022</a:t>
+              <a:t>2/20/2022</a:t>
             </a:fld>
             <a:endParaRPr lang="en-US" dirty="0"/>
           </a:p>
@@ -558,7 +562,7 @@
           <a:p>
             <a:fld id="{4BE1D723-8F53-4F53-90B0-1982A396982E}" type="datetime1">
               <a:rPr lang="en-US" smtClean="0"/>
-              <a:t>2/17/2022</a:t>
+              <a:t>2/20/2022</a:t>
             </a:fld>
             <a:endParaRPr lang="en-US" dirty="0"/>
           </a:p>
@@ -931,7 +935,7 @@
           <a:p>
             <a:fld id="{97669AF7-7BEB-44E4-9852-375E34362B5B}" type="datetime1">
               <a:rPr lang="en-US" smtClean="0"/>
-              <a:t>2/17/2022</a:t>
+              <a:t>2/20/2022</a:t>
             </a:fld>
             <a:endParaRPr lang="en-US" dirty="0"/>
           </a:p>
@@ -1186,7 +1190,7 @@
           <a:p>
             <a:fld id="{BAAAC38D-0552-4C82-B593-E6124DFADBE2}" type="datetime1">
               <a:rPr lang="en-US" smtClean="0"/>
-              <a:t>2/17/2022</a:t>
+              <a:t>2/20/2022</a:t>
             </a:fld>
             <a:endParaRPr lang="en-US" dirty="0"/>
           </a:p>
@@ -1583,7 +1587,7 @@
           <a:p>
             <a:fld id="{D9DF0F1C-5577-4ACB-BB62-DF8F3C494C7E}" type="datetime1">
               <a:rPr lang="en-US" smtClean="0"/>
-              <a:t>2/17/2022</a:t>
+              <a:t>2/20/2022</a:t>
             </a:fld>
             <a:endParaRPr lang="en-US" dirty="0"/>
           </a:p>
@@ -1719,7 +1723,7 @@
           <a:p>
             <a:fld id="{1775B394-D9F9-4F0C-B15D-605F45CB9E9F}" type="datetime1">
               <a:rPr lang="en-US" smtClean="0"/>
-              <a:t>2/17/2022</a:t>
+              <a:t>2/20/2022</a:t>
             </a:fld>
             <a:endParaRPr lang="en-US" dirty="0"/>
           </a:p>
@@ -1876,7 +1880,7 @@
           <a:p>
             <a:fld id="{39667345-2558-425A-8533-9BFDBCE15005}" type="datetime1">
               <a:rPr lang="en-US" smtClean="0"/>
-              <a:t>2/17/2022</a:t>
+              <a:t>2/20/2022</a:t>
             </a:fld>
             <a:endParaRPr lang="en-US" dirty="0"/>
           </a:p>
@@ -2205,7 +2209,7 @@
           <a:p>
             <a:fld id="{92BEA474-078D-4E9B-9B14-09A87B19DC46}" type="datetime1">
               <a:rPr lang="en-US" smtClean="0"/>
-              <a:t>2/17/2022</a:t>
+              <a:t>2/20/2022</a:t>
             </a:fld>
             <a:endParaRPr lang="en-US" dirty="0"/>
           </a:p>
@@ -2555,7 +2559,7 @@
           <a:p>
             <a:fld id="{4907D986-8816-4272-A432-0437A28A9828}" type="datetime1">
               <a:rPr lang="en-US" smtClean="0"/>
-              <a:t>2/17/2022</a:t>
+              <a:t>2/20/2022</a:t>
             </a:fld>
             <a:endParaRPr lang="en-US" dirty="0"/>
           </a:p>
@@ -2816,7 +2820,7 @@
           <a:p>
             <a:fld id="{62D6E202-B606-4609-B914-27C9371A1F6D}" type="datetime1">
               <a:rPr lang="en-US" smtClean="0"/>
-              <a:t>2/17/2022</a:t>
+              <a:t>2/20/2022</a:t>
             </a:fld>
             <a:endParaRPr lang="en-US" dirty="0"/>
           </a:p>
@@ -5363,6 +5367,14 @@
 <file path=ppt/slides/slide14.xml><?xml version="1.0" encoding="utf-8"?>
 <p:sld xmlns:a="http://schemas.openxmlformats.org/drawingml/2006/main" xmlns:r="http://schemas.openxmlformats.org/officeDocument/2006/relationships" xmlns:p="http://schemas.openxmlformats.org/presentationml/2006/main">
   <p:cSld>
+    <p:bg>
+      <p:bgPr>
+        <a:solidFill>
+          <a:schemeClr val="bg1"/>
+        </a:solidFill>
+        <a:effectLst/>
+      </p:bgPr>
+    </p:bg>
     <p:spTree>
       <p:nvGrpSpPr>
         <p:cNvPr id="1" name=""/>
@@ -5379,6 +5391,231 @@
       </p:grpSpPr>
       <p:sp>
         <p:nvSpPr>
+          <p:cNvPr id="71" name="Rectangle 70">
+            <a:extLst>
+              <a:ext uri="{FF2B5EF4-FFF2-40B4-BE49-F238E27FC236}">
+                <a16:creationId xmlns:a16="http://schemas.microsoft.com/office/drawing/2014/main" id="{39E3965E-AC41-4711-9D10-E25ABB132D86}"/>
+              </a:ext>
+              <a:ext uri="{C183D7F6-B498-43B3-948B-1728B52AA6E4}">
+                <adec:decorative xmlns:adec="http://schemas.microsoft.com/office/drawing/2017/decorative" val="1"/>
+              </a:ext>
+            </a:extLst>
+          </p:cNvPr>
+          <p:cNvSpPr>
+            <a:spLocks noGrp="1" noRot="1" noChangeAspect="1" noMove="1" noResize="1" noEditPoints="1" noAdjustHandles="1" noChangeArrowheads="1" noChangeShapeType="1" noTextEdit="1"/>
+          </p:cNvSpPr>
+          <p:nvPr>
+            <p:extLst>
+              <p:ext uri="{386F3935-93C4-4BCD-93E2-E3B085C9AB24}">
+                <p16:designElem xmlns:p16="http://schemas.microsoft.com/office/powerpoint/2015/main" val="1"/>
+              </p:ext>
+            </p:extLst>
+          </p:nvPr>
+        </p:nvSpPr>
+        <p:spPr>
+          <a:xfrm>
+            <a:off x="3175" y="6400800"/>
+            <a:ext cx="12188825" cy="457200"/>
+          </a:xfrm>
+          <a:prstGeom prst="rect">
+            <a:avLst/>
+          </a:prstGeom>
+          <a:solidFill>
+            <a:srgbClr val="262626"/>
+          </a:solidFill>
+          <a:ln>
+            <a:noFill/>
+          </a:ln>
+        </p:spPr>
+        <p:style>
+          <a:lnRef idx="2">
+            <a:schemeClr val="accent1">
+              <a:shade val="50000"/>
+            </a:schemeClr>
+          </a:lnRef>
+          <a:fillRef idx="1">
+            <a:schemeClr val="accent1"/>
+          </a:fillRef>
+          <a:effectRef idx="0">
+            <a:schemeClr val="accent1"/>
+          </a:effectRef>
+          <a:fontRef idx="minor">
+            <a:schemeClr val="lt1"/>
+          </a:fontRef>
+        </p:style>
+      </p:sp>
+      <p:cxnSp>
+        <p:nvCxnSpPr>
+          <p:cNvPr id="73" name="Straight Connector 72">
+            <a:extLst>
+              <a:ext uri="{FF2B5EF4-FFF2-40B4-BE49-F238E27FC236}">
+                <a16:creationId xmlns:a16="http://schemas.microsoft.com/office/drawing/2014/main" id="{1F5DC8C3-BA5F-4EED-BB9A-A14272BD82A1}"/>
+              </a:ext>
+              <a:ext uri="{C183D7F6-B498-43B3-948B-1728B52AA6E4}">
+                <adec:decorative xmlns:adec="http://schemas.microsoft.com/office/drawing/2017/decorative" val="1"/>
+              </a:ext>
+            </a:extLst>
+          </p:cNvPr>
+          <p:cNvCxnSpPr>
+            <a:cxnSpLocks noGrp="1" noRot="1" noChangeAspect="1" noMove="1" noResize="1" noEditPoints="1" noAdjustHandles="1" noChangeArrowheads="1" noChangeShapeType="1"/>
+          </p:cNvCxnSpPr>
+          <p:nvPr>
+            <p:extLst>
+              <p:ext uri="{386F3935-93C4-4BCD-93E2-E3B085C9AB24}">
+                <p16:designElem xmlns:p16="http://schemas.microsoft.com/office/powerpoint/2015/main" val="1"/>
+              </p:ext>
+            </p:extLst>
+          </p:nvPr>
+        </p:nvCxnSpPr>
+        <p:spPr>
+          <a:xfrm>
+            <a:off x="1207658" y="4474741"/>
+            <a:ext cx="9875520" cy="0"/>
+          </a:xfrm>
+          <a:prstGeom prst="line">
+            <a:avLst/>
+          </a:prstGeom>
+          <a:ln w="12700">
+            <a:solidFill>
+              <a:schemeClr val="tx1">
+                <a:lumMod val="75000"/>
+                <a:lumOff val="25000"/>
+              </a:schemeClr>
+            </a:solidFill>
+          </a:ln>
+        </p:spPr>
+        <p:style>
+          <a:lnRef idx="1">
+            <a:schemeClr val="accent1"/>
+          </a:lnRef>
+          <a:fillRef idx="0">
+            <a:schemeClr val="accent1"/>
+          </a:fillRef>
+          <a:effectRef idx="0">
+            <a:schemeClr val="accent1"/>
+          </a:effectRef>
+          <a:fontRef idx="minor">
+            <a:schemeClr val="tx1"/>
+          </a:fontRef>
+        </p:style>
+      </p:cxnSp>
+      <p:sp useBgFill="1">
+        <p:nvSpPr>
+          <p:cNvPr id="75" name="Rectangle 74">
+            <a:extLst>
+              <a:ext uri="{FF2B5EF4-FFF2-40B4-BE49-F238E27FC236}">
+                <a16:creationId xmlns:a16="http://schemas.microsoft.com/office/drawing/2014/main" id="{B4D0E555-16F6-44D0-BF56-AF5FF5BDE9D6}"/>
+              </a:ext>
+              <a:ext uri="{C183D7F6-B498-43B3-948B-1728B52AA6E4}">
+                <adec:decorative xmlns:adec="http://schemas.microsoft.com/office/drawing/2017/decorative" val="1"/>
+              </a:ext>
+            </a:extLst>
+          </p:cNvPr>
+          <p:cNvSpPr>
+            <a:spLocks noGrp="1" noRot="1" noChangeAspect="1" noMove="1" noResize="1" noEditPoints="1" noAdjustHandles="1" noChangeArrowheads="1" noChangeShapeType="1" noTextEdit="1"/>
+          </p:cNvSpPr>
+          <p:nvPr>
+            <p:extLst>
+              <p:ext uri="{386F3935-93C4-4BCD-93E2-E3B085C9AB24}">
+                <p16:designElem xmlns:p16="http://schemas.microsoft.com/office/powerpoint/2015/main" val="1"/>
+              </p:ext>
+            </p:extLst>
+          </p:nvPr>
+        </p:nvSpPr>
+        <p:spPr>
+          <a:xfrm>
+            <a:off x="0" y="0"/>
+            <a:ext cx="12192000" cy="6858000"/>
+          </a:xfrm>
+          <a:prstGeom prst="rect">
+            <a:avLst/>
+          </a:prstGeom>
+          <a:ln>
+            <a:noFill/>
+          </a:ln>
+        </p:spPr>
+        <p:style>
+          <a:lnRef idx="2">
+            <a:schemeClr val="accent1">
+              <a:shade val="50000"/>
+            </a:schemeClr>
+          </a:lnRef>
+          <a:fillRef idx="1001">
+            <a:schemeClr val="lt1"/>
+          </a:fillRef>
+          <a:effectRef idx="0">
+            <a:schemeClr val="accent1"/>
+          </a:effectRef>
+          <a:fontRef idx="minor">
+            <a:schemeClr val="lt1"/>
+          </a:fontRef>
+        </p:style>
+        <p:txBody>
+          <a:bodyPr rtlCol="0" anchor="ctr"/>
+          <a:lstStyle/>
+          <a:p>
+            <a:pPr algn="ctr"/>
+            <a:endParaRPr lang="en-US"/>
+          </a:p>
+        </p:txBody>
+      </p:sp>
+      <p:sp>
+        <p:nvSpPr>
+          <p:cNvPr id="77" name="Rectangle 76">
+            <a:extLst>
+              <a:ext uri="{FF2B5EF4-FFF2-40B4-BE49-F238E27FC236}">
+                <a16:creationId xmlns:a16="http://schemas.microsoft.com/office/drawing/2014/main" id="{8117041D-1A7B-4ECA-AB68-3CFDB6726B8E}"/>
+              </a:ext>
+              <a:ext uri="{C183D7F6-B498-43B3-948B-1728B52AA6E4}">
+                <adec:decorative xmlns:adec="http://schemas.microsoft.com/office/drawing/2017/decorative" val="1"/>
+              </a:ext>
+            </a:extLst>
+          </p:cNvPr>
+          <p:cNvSpPr>
+            <a:spLocks noGrp="1" noRot="1" noChangeAspect="1" noMove="1" noResize="1" noEditPoints="1" noAdjustHandles="1" noChangeArrowheads="1" noChangeShapeType="1" noTextEdit="1"/>
+          </p:cNvSpPr>
+          <p:nvPr>
+            <p:extLst>
+              <p:ext uri="{386F3935-93C4-4BCD-93E2-E3B085C9AB24}">
+                <p16:designElem xmlns:p16="http://schemas.microsoft.com/office/powerpoint/2015/main" val="1"/>
+              </p:ext>
+            </p:extLst>
+          </p:nvPr>
+        </p:nvSpPr>
+        <p:spPr bwMode="white">
+          <a:xfrm>
+            <a:off x="-6220" y="0"/>
+            <a:ext cx="4641314" cy="6858000"/>
+          </a:xfrm>
+          <a:prstGeom prst="rect">
+            <a:avLst/>
+          </a:prstGeom>
+          <a:solidFill>
+            <a:srgbClr val="262626"/>
+          </a:solidFill>
+          <a:ln>
+            <a:noFill/>
+          </a:ln>
+        </p:spPr>
+        <p:style>
+          <a:lnRef idx="2">
+            <a:schemeClr val="accent1">
+              <a:shade val="50000"/>
+            </a:schemeClr>
+          </a:lnRef>
+          <a:fillRef idx="1">
+            <a:schemeClr val="accent1"/>
+          </a:fillRef>
+          <a:effectRef idx="0">
+            <a:schemeClr val="accent1"/>
+          </a:effectRef>
+          <a:fontRef idx="minor">
+            <a:schemeClr val="lt1"/>
+          </a:fontRef>
+        </p:style>
+      </p:sp>
+      <p:sp>
+        <p:nvSpPr>
           <p:cNvPr id="2" name="Title 1">
             <a:extLst>
               <a:ext uri="{FF2B5EF4-FFF2-40B4-BE49-F238E27FC236}">
@@ -5393,114 +5630,129 @@
             <p:ph type="title"/>
           </p:nvPr>
         </p:nvSpPr>
-        <p:spPr/>
+        <p:spPr>
+          <a:xfrm>
+            <a:off x="435869" y="640080"/>
+            <a:ext cx="3659246" cy="2862699"/>
+          </a:xfrm>
+        </p:spPr>
         <p:txBody>
-          <a:bodyPr/>
+          <a:bodyPr vert="horz" lIns="91440" tIns="45720" rIns="91440" bIns="45720" rtlCol="0" anchor="b">
+            <a:normAutofit/>
+          </a:bodyPr>
           <a:lstStyle/>
           <a:p>
             <a:r>
-              <a:rPr lang="en-US" dirty="0"/>
-              <a:t>Machine Learning Algorithms</a:t>
-            </a:r>
-            <a:endParaRPr lang="en-CA" dirty="0"/>
+              <a:rPr lang="en-US" sz="4400">
+                <a:solidFill>
+                  <a:srgbClr val="FFFFFF"/>
+                </a:solidFill>
+              </a:rPr>
+              <a:t>ACF and PACF</a:t>
+            </a:r>
           </a:p>
         </p:txBody>
       </p:sp>
-      <p:sp>
-        <p:nvSpPr>
-          <p:cNvPr id="3" name="Content Placeholder 2">
-            <a:extLst>
-              <a:ext uri="{FF2B5EF4-FFF2-40B4-BE49-F238E27FC236}">
-                <a16:creationId xmlns:a16="http://schemas.microsoft.com/office/drawing/2014/main" id="{CE301247-1CD6-40BC-BBA1-82512768E207}"/>
-              </a:ext>
-            </a:extLst>
-          </p:cNvPr>
-          <p:cNvSpPr>
-            <a:spLocks noGrp="1"/>
-          </p:cNvSpPr>
+      <p:cxnSp>
+        <p:nvCxnSpPr>
+          <p:cNvPr id="79" name="Straight Connector 78">
+            <a:extLst>
+              <a:ext uri="{FF2B5EF4-FFF2-40B4-BE49-F238E27FC236}">
+                <a16:creationId xmlns:a16="http://schemas.microsoft.com/office/drawing/2014/main" id="{ABCD2462-4C1E-401A-AC2D-F799A138B245}"/>
+              </a:ext>
+              <a:ext uri="{C183D7F6-B498-43B3-948B-1728B52AA6E4}">
+                <adec:decorative xmlns:adec="http://schemas.microsoft.com/office/drawing/2017/decorative" val="1"/>
+              </a:ext>
+            </a:extLst>
+          </p:cNvPr>
+          <p:cNvCxnSpPr>
+            <a:cxnSpLocks noGrp="1" noRot="1" noChangeAspect="1" noMove="1" noResize="1" noEditPoints="1" noAdjustHandles="1" noChangeArrowheads="1" noChangeShapeType="1"/>
+          </p:cNvCxnSpPr>
+          <p:nvPr>
+            <p:extLst>
+              <p:ext uri="{386F3935-93C4-4BCD-93E2-E3B085C9AB24}">
+                <p16:designElem xmlns:p16="http://schemas.microsoft.com/office/powerpoint/2015/main" val="1"/>
+              </p:ext>
+            </p:extLst>
+          </p:nvPr>
+        </p:nvCxnSpPr>
+        <p:spPr>
+          <a:xfrm>
+            <a:off x="573852" y="3663649"/>
+            <a:ext cx="3383280" cy="0"/>
+          </a:xfrm>
+          <a:prstGeom prst="line">
+            <a:avLst/>
+          </a:prstGeom>
+          <a:ln w="19050">
+            <a:solidFill>
+              <a:schemeClr val="accent1"/>
+            </a:solidFill>
+          </a:ln>
+        </p:spPr>
+        <p:style>
+          <a:lnRef idx="1">
+            <a:schemeClr val="accent1"/>
+          </a:lnRef>
+          <a:fillRef idx="0">
+            <a:schemeClr val="accent1"/>
+          </a:fillRef>
+          <a:effectRef idx="0">
+            <a:schemeClr val="accent1"/>
+          </a:effectRef>
+          <a:fontRef idx="minor">
+            <a:schemeClr val="tx1"/>
+          </a:fontRef>
+        </p:style>
+      </p:cxnSp>
+      <p:pic>
+        <p:nvPicPr>
+          <p:cNvPr id="1026" name="Picture 2">
+            <a:extLst>
+              <a:ext uri="{FF2B5EF4-FFF2-40B4-BE49-F238E27FC236}">
+                <a16:creationId xmlns:a16="http://schemas.microsoft.com/office/drawing/2014/main" id="{1AC6A90E-B078-464E-8D8D-1EC2B222B340}"/>
+              </a:ext>
+            </a:extLst>
+          </p:cNvPr>
+          <p:cNvPicPr>
+            <a:picLocks noGrp="1" noChangeAspect="1" noChangeArrowheads="1"/>
+          </p:cNvPicPr>
           <p:nvPr>
             <p:ph idx="1"/>
           </p:nvPr>
-        </p:nvSpPr>
-        <p:spPr/>
-        <p:txBody>
-          <a:bodyPr/>
-          <a:lstStyle/>
-          <a:p>
-            <a:pPr lvl="1">
-              <a:lnSpc>
-                <a:spcPct val="107000"/>
-              </a:lnSpc>
-              <a:spcBef>
-                <a:spcPts val="2400"/>
-              </a:spcBef>
-            </a:pPr>
-            <a:r>
-              <a:rPr lang="en-CA" sz="1600" b="1" i="0" dirty="0">
+        </p:nvPicPr>
+        <p:blipFill>
+          <a:blip r:embed="rId2">
+            <a:extLst>
+              <a:ext uri="{28A0092B-C50C-407E-A947-70E740481C1C}">
+                <a14:useLocalDpi xmlns:a14="http://schemas.microsoft.com/office/drawing/2010/main" val="0"/>
+              </a:ext>
+            </a:extLst>
+          </a:blip>
+          <a:stretch>
+            <a:fillRect/>
+          </a:stretch>
+        </p:blipFill>
+        <p:spPr bwMode="auto">
+          <a:xfrm>
+            <a:off x="5282335" y="1334496"/>
+            <a:ext cx="6275667" cy="4189007"/>
+          </a:xfrm>
+          <a:prstGeom prst="rect">
+            <a:avLst/>
+          </a:prstGeom>
+          <a:noFill/>
+          <a:extLst>
+            <a:ext uri="{909E8E84-426E-40DD-AFC4-6F175D3DCCD1}">
+              <a14:hiddenFill xmlns:a14="http://schemas.microsoft.com/office/drawing/2010/main">
                 <a:solidFill>
-                  <a:srgbClr val="24292F"/>
+                  <a:srgbClr val="FFFFFF"/>
                 </a:solidFill>
-                <a:effectLst/>
-                <a:latin typeface="Segoe UI" panose="020B0502040204020203" pitchFamily="34" charset="0"/>
-                <a:ea typeface="Times New Roman" panose="02020603050405020304" pitchFamily="18" charset="0"/>
-                <a:cs typeface="Times New Roman" panose="02020603050405020304" pitchFamily="18" charset="0"/>
-              </a:rPr>
-              <a:t>Ada Boost</a:t>
-            </a:r>
-          </a:p>
-          <a:p>
-            <a:pPr lvl="1">
-              <a:lnSpc>
-                <a:spcPct val="107000"/>
-              </a:lnSpc>
-              <a:spcBef>
-                <a:spcPts val="2400"/>
-              </a:spcBef>
-            </a:pPr>
-            <a:r>
-              <a:rPr lang="en-CA" sz="1600" b="1" dirty="0">
-                <a:solidFill>
-                  <a:srgbClr val="24292F"/>
-                </a:solidFill>
-                <a:effectLst/>
-                <a:latin typeface="Segoe UI" panose="020B0502040204020203" pitchFamily="34" charset="0"/>
-                <a:ea typeface="Times New Roman" panose="02020603050405020304" pitchFamily="18" charset="0"/>
-              </a:rPr>
-              <a:t>Linear Discriminant Analysis</a:t>
-            </a:r>
-          </a:p>
-          <a:p>
-            <a:pPr lvl="1">
-              <a:lnSpc>
-                <a:spcPct val="107000"/>
-              </a:lnSpc>
-              <a:spcBef>
-                <a:spcPts val="2400"/>
-              </a:spcBef>
-            </a:pPr>
-            <a:r>
-              <a:rPr lang="en-CA" sz="1600" b="1" dirty="0">
-                <a:solidFill>
-                  <a:srgbClr val="24292F"/>
-                </a:solidFill>
-                <a:effectLst/>
-                <a:latin typeface="Segoe UI" panose="020B0502040204020203" pitchFamily="34" charset="0"/>
-                <a:ea typeface="Times New Roman" panose="02020603050405020304" pitchFamily="18" charset="0"/>
-              </a:rPr>
-              <a:t>Light Gradient Boosting Machine</a:t>
-            </a:r>
-            <a:endParaRPr lang="en-CA" sz="1600" b="1" i="1" dirty="0">
-              <a:solidFill>
-                <a:srgbClr val="2F5496"/>
-              </a:solidFill>
-              <a:effectLst/>
-              <a:latin typeface="Calibri Light" panose="020F0302020204030204" pitchFamily="34" charset="0"/>
-              <a:ea typeface="Times New Roman" panose="02020603050405020304" pitchFamily="18" charset="0"/>
-              <a:cs typeface="Times New Roman" panose="02020603050405020304" pitchFamily="18" charset="0"/>
-            </a:endParaRPr>
-          </a:p>
-        </p:txBody>
-      </p:sp>
+              </a14:hiddenFill>
+            </a:ext>
+          </a:extLst>
+        </p:spPr>
+      </p:pic>
     </p:spTree>
     <p:extLst>
       <p:ext uri="{BB962C8B-B14F-4D97-AF65-F5344CB8AC3E}">
@@ -5536,7 +5788,7 @@
           <p:cNvPr id="2" name="Title 1">
             <a:extLst>
               <a:ext uri="{FF2B5EF4-FFF2-40B4-BE49-F238E27FC236}">
-                <a16:creationId xmlns:a16="http://schemas.microsoft.com/office/drawing/2014/main" id="{488DCAF3-5428-455B-B0F7-40554412B62D}"/>
+                <a16:creationId xmlns:a16="http://schemas.microsoft.com/office/drawing/2014/main" id="{A7A16D4F-BA72-42A5-B7D7-6027D71F7A00}"/>
               </a:ext>
             </a:extLst>
           </p:cNvPr>
@@ -5554,7 +5806,7 @@
           <a:p>
             <a:r>
               <a:rPr lang="en-CA" dirty="0"/>
-              <a:t>Future Extensions</a:t>
+              <a:t>Predictive Modeling</a:t>
             </a:r>
           </a:p>
         </p:txBody>
@@ -5564,7 +5816,7 @@
           <p:cNvPr id="3" name="Content Placeholder 2">
             <a:extLst>
               <a:ext uri="{FF2B5EF4-FFF2-40B4-BE49-F238E27FC236}">
-                <a16:creationId xmlns:a16="http://schemas.microsoft.com/office/drawing/2014/main" id="{62489B4C-AB98-4FD4-A13B-A847A60EBEFF}"/>
+                <a16:creationId xmlns:a16="http://schemas.microsoft.com/office/drawing/2014/main" id="{2E5E89E2-D243-4789-AA0B-57C9B4917008}"/>
               </a:ext>
             </a:extLst>
           </p:cNvPr>
@@ -5580,6 +5832,200 @@
           <a:bodyPr/>
           <a:lstStyle/>
           <a:p>
+            <a:r>
+              <a:rPr lang="en-CA" b="1" dirty="0"/>
+              <a:t>LSTM</a:t>
+            </a:r>
+            <a:r>
+              <a:rPr lang="en-CA" dirty="0"/>
+              <a:t>:</a:t>
+            </a:r>
+          </a:p>
+          <a:p>
+            <a:pPr lvl="1"/>
+            <a:r>
+              <a:rPr lang="en-CA" sz="1800" dirty="0">
+                <a:solidFill>
+                  <a:srgbClr val="24292F"/>
+                </a:solidFill>
+                <a:effectLst/>
+                <a:latin typeface="Segoe UI" panose="020B0502040204020203" pitchFamily="34" charset="0"/>
+                <a:ea typeface="Calibri" panose="020F0502020204030204" pitchFamily="34" charset="0"/>
+              </a:rPr>
+              <a:t>Long Short-Term Memory</a:t>
+            </a:r>
+          </a:p>
+          <a:p>
+            <a:pPr lvl="1"/>
+            <a:r>
+              <a:rPr lang="en-CA" sz="1800" dirty="0">
+                <a:solidFill>
+                  <a:srgbClr val="24292F"/>
+                </a:solidFill>
+                <a:effectLst/>
+                <a:latin typeface="Segoe UI" panose="020B0502040204020203" pitchFamily="34" charset="0"/>
+                <a:ea typeface="Calibri" panose="020F0502020204030204" pitchFamily="34" charset="0"/>
+              </a:rPr>
+              <a:t>a kind of recurrent neural network (RNN) architecture</a:t>
+            </a:r>
+          </a:p>
+          <a:p>
+            <a:pPr lvl="1"/>
+            <a:r>
+              <a:rPr lang="en-CA" sz="1800" dirty="0">
+                <a:solidFill>
+                  <a:srgbClr val="24292F"/>
+                </a:solidFill>
+                <a:effectLst/>
+                <a:latin typeface="Segoe UI" panose="020B0502040204020203" pitchFamily="34" charset="0"/>
+                <a:ea typeface="Calibri" panose="020F0502020204030204" pitchFamily="34" charset="0"/>
+              </a:rPr>
+              <a:t>they have some sort of ‘memory’</a:t>
+            </a:r>
+            <a:endParaRPr lang="en-CA" sz="1800" dirty="0">
+              <a:solidFill>
+                <a:srgbClr val="24292F"/>
+              </a:solidFill>
+              <a:latin typeface="Segoe UI" panose="020B0502040204020203" pitchFamily="34" charset="0"/>
+              <a:ea typeface="Calibri" panose="020F0502020204030204" pitchFamily="34" charset="0"/>
+            </a:endParaRPr>
+          </a:p>
+          <a:p>
+            <a:pPr lvl="1"/>
+            <a:r>
+              <a:rPr lang="en-CA" sz="1800" dirty="0">
+                <a:solidFill>
+                  <a:srgbClr val="24292F"/>
+                </a:solidFill>
+                <a:effectLst/>
+                <a:latin typeface="Segoe UI" panose="020B0502040204020203" pitchFamily="34" charset="0"/>
+                <a:ea typeface="Calibri" panose="020F0502020204030204" pitchFamily="34" charset="0"/>
+              </a:rPr>
+              <a:t>RNNs feed the output back as an input, making the output dependent on prior events.</a:t>
+            </a:r>
+          </a:p>
+          <a:p>
+            <a:pPr lvl="1"/>
+            <a:r>
+              <a:rPr lang="en-CA" sz="1800" dirty="0">
+                <a:solidFill>
+                  <a:srgbClr val="24292F"/>
+                </a:solidFill>
+                <a:latin typeface="Segoe UI" panose="020B0502040204020203" pitchFamily="34" charset="0"/>
+              </a:rPr>
+              <a:t>Useful in cases when we need to go back longer in time</a:t>
+            </a:r>
+          </a:p>
+          <a:p>
+            <a:pPr lvl="1"/>
+            <a:r>
+              <a:rPr lang="en-CA" sz="1800" dirty="0">
+                <a:solidFill>
+                  <a:srgbClr val="24292F"/>
+                </a:solidFill>
+                <a:effectLst/>
+                <a:latin typeface="Segoe UI" panose="020B0502040204020203" pitchFamily="34" charset="0"/>
+                <a:ea typeface="Calibri" panose="020F0502020204030204" pitchFamily="34" charset="0"/>
+              </a:rPr>
+              <a:t>capable of keeping the important information, doesn’t mind of back in time it is, and forget the useless one</a:t>
+            </a:r>
+            <a:endParaRPr lang="en-CA" dirty="0"/>
+          </a:p>
+        </p:txBody>
+      </p:sp>
+    </p:spTree>
+    <p:extLst>
+      <p:ext uri="{BB962C8B-B14F-4D97-AF65-F5344CB8AC3E}">
+        <p14:creationId xmlns:p14="http://schemas.microsoft.com/office/powerpoint/2010/main" val="1595405941"/>
+      </p:ext>
+    </p:extLst>
+  </p:cSld>
+  <p:clrMapOvr>
+    <a:masterClrMapping/>
+  </p:clrMapOvr>
+</p:sld>
+</file>
+
+<file path=ppt/slides/slide16.xml><?xml version="1.0" encoding="utf-8"?>
+<p:sld xmlns:a="http://schemas.openxmlformats.org/drawingml/2006/main" xmlns:r="http://schemas.openxmlformats.org/officeDocument/2006/relationships" xmlns:p="http://schemas.openxmlformats.org/presentationml/2006/main">
+  <p:cSld>
+    <p:spTree>
+      <p:nvGrpSpPr>
+        <p:cNvPr id="1" name=""/>
+        <p:cNvGrpSpPr/>
+        <p:nvPr/>
+      </p:nvGrpSpPr>
+      <p:grpSpPr>
+        <a:xfrm>
+          <a:off x="0" y="0"/>
+          <a:ext cx="0" cy="0"/>
+          <a:chOff x="0" y="0"/>
+          <a:chExt cx="0" cy="0"/>
+        </a:xfrm>
+      </p:grpSpPr>
+      <p:sp>
+        <p:nvSpPr>
+          <p:cNvPr id="2" name="Title 1">
+            <a:extLst>
+              <a:ext uri="{FF2B5EF4-FFF2-40B4-BE49-F238E27FC236}">
+                <a16:creationId xmlns:a16="http://schemas.microsoft.com/office/drawing/2014/main" id="{63ACDF1C-BE4E-4CC0-8210-858296B73753}"/>
+              </a:ext>
+            </a:extLst>
+          </p:cNvPr>
+          <p:cNvSpPr>
+            <a:spLocks noGrp="1"/>
+          </p:cNvSpPr>
+          <p:nvPr>
+            <p:ph type="title"/>
+          </p:nvPr>
+        </p:nvSpPr>
+        <p:spPr/>
+        <p:txBody>
+          <a:bodyPr/>
+          <a:lstStyle/>
+          <a:p>
+            <a:r>
+              <a:rPr lang="en-CA" dirty="0"/>
+              <a:t>Hyper parameter tuning</a:t>
+            </a:r>
+          </a:p>
+        </p:txBody>
+      </p:sp>
+      <p:sp>
+        <p:nvSpPr>
+          <p:cNvPr id="3" name="Content Placeholder 2">
+            <a:extLst>
+              <a:ext uri="{FF2B5EF4-FFF2-40B4-BE49-F238E27FC236}">
+                <a16:creationId xmlns:a16="http://schemas.microsoft.com/office/drawing/2014/main" id="{83C9E35D-A234-4F8D-9DC5-EC79E3C092D5}"/>
+              </a:ext>
+            </a:extLst>
+          </p:cNvPr>
+          <p:cNvSpPr>
+            <a:spLocks noGrp="1"/>
+          </p:cNvSpPr>
+          <p:nvPr>
+            <p:ph idx="1"/>
+          </p:nvPr>
+        </p:nvSpPr>
+        <p:spPr/>
+        <p:txBody>
+          <a:bodyPr/>
+          <a:lstStyle/>
+          <a:p>
+            <a:endParaRPr lang="en-CA" dirty="0"/>
+          </a:p>
+          <a:p>
+            <a:pPr marL="201168" lvl="1" indent="0">
+              <a:buNone/>
+            </a:pPr>
+            <a:endParaRPr lang="en-CA" dirty="0"/>
+          </a:p>
+          <a:p>
+            <a:pPr algn="just">
+              <a:lnSpc>
+                <a:spcPct val="115000"/>
+              </a:lnSpc>
+            </a:pPr>
             <a:r>
               <a:rPr lang="en-CA" sz="1800" dirty="0">
                 <a:solidFill>
@@ -5589,10 +6035,22 @@
                 <a:latin typeface="Segoe UI" panose="020B0502040204020203" pitchFamily="34" charset="0"/>
                 <a:ea typeface="Times New Roman" panose="02020603050405020304" pitchFamily="18" charset="0"/>
               </a:rPr>
-              <a:t>Availability of transaction data of customers can further assist in finding time sensitive trends in customer behavior</a:t>
-            </a:r>
-          </a:p>
-          <a:p>
+              <a:t>The parameters we need to tune in our LSTM deep learning model are </a:t>
+            </a:r>
+            <a:endParaRPr lang="en-CA" sz="1800" dirty="0">
+              <a:effectLst/>
+              <a:latin typeface="Times New Roman" panose="02020603050405020304" pitchFamily="18" charset="0"/>
+              <a:ea typeface="Times New Roman" panose="02020603050405020304" pitchFamily="18" charset="0"/>
+            </a:endParaRPr>
+          </a:p>
+          <a:p>
+            <a:pPr marL="342900" lvl="0" indent="-342900" algn="just">
+              <a:lnSpc>
+                <a:spcPct val="115000"/>
+              </a:lnSpc>
+              <a:buFont typeface="+mj-lt"/>
+              <a:buAutoNum type="arabicPeriod"/>
+            </a:pPr>
             <a:r>
               <a:rPr lang="en-CA" sz="1800" dirty="0">
                 <a:solidFill>
@@ -5602,17 +6060,48 @@
                 <a:latin typeface="Segoe UI" panose="020B0502040204020203" pitchFamily="34" charset="0"/>
                 <a:ea typeface="Times New Roman" panose="02020603050405020304" pitchFamily="18" charset="0"/>
               </a:rPr>
-              <a:t>More research on competitors in the market and the services they offer can reveal any attention needed on the services and packages offered by the company</a:t>
+              <a:t>Number of training epochs</a:t>
             </a:r>
             <a:endParaRPr lang="en-CA" sz="1800" dirty="0">
-              <a:solidFill>
-                <a:srgbClr val="24292F"/>
-              </a:solidFill>
-              <a:latin typeface="Segoe UI" panose="020B0502040204020203" pitchFamily="34" charset="0"/>
+              <a:effectLst/>
+              <a:latin typeface="Times New Roman" panose="02020603050405020304" pitchFamily="18" charset="0"/>
               <a:ea typeface="Times New Roman" panose="02020603050405020304" pitchFamily="18" charset="0"/>
             </a:endParaRPr>
           </a:p>
           <a:p>
+            <a:pPr marL="342900" lvl="0" indent="-342900" algn="just">
+              <a:lnSpc>
+                <a:spcPct val="115000"/>
+              </a:lnSpc>
+              <a:buFont typeface="+mj-lt"/>
+              <a:buAutoNum type="arabicPeriod"/>
+            </a:pPr>
+            <a:r>
+              <a:rPr lang="en-CA" sz="1800" dirty="0">
+                <a:solidFill>
+                  <a:srgbClr val="24292F"/>
+                </a:solidFill>
+                <a:effectLst/>
+                <a:latin typeface="Segoe UI" panose="020B0502040204020203" pitchFamily="34" charset="0"/>
+                <a:ea typeface="Times New Roman" panose="02020603050405020304" pitchFamily="18" charset="0"/>
+              </a:rPr>
+              <a:t>Number of batches</a:t>
+            </a:r>
+            <a:endParaRPr lang="en-CA" sz="1800" dirty="0">
+              <a:effectLst/>
+              <a:latin typeface="Times New Roman" panose="02020603050405020304" pitchFamily="18" charset="0"/>
+              <a:ea typeface="Times New Roman" panose="02020603050405020304" pitchFamily="18" charset="0"/>
+            </a:endParaRPr>
+          </a:p>
+          <a:p>
+            <a:pPr lvl="1"/>
+            <a:endParaRPr lang="en-CA" dirty="0"/>
+          </a:p>
+          <a:p>
+            <a:r>
+              <a:rPr lang="en-CA" dirty="0"/>
+              <a:t>Used trial and error method with multiple iterations and </a:t>
+            </a:r>
             <a:r>
               <a:rPr lang="en-CA" sz="1800" dirty="0">
                 <a:solidFill>
@@ -5623,7 +6112,7 @@
                 <a:ea typeface="Times New Roman" panose="02020603050405020304" pitchFamily="18" charset="0"/>
                 <a:cs typeface="Times New Roman" panose="02020603050405020304" pitchFamily="18" charset="0"/>
               </a:rPr>
-              <a:t>It also helps in understanding where the company stands in the competitive market. </a:t>
+              <a:t>chose number of epochs as 3 and batch size as 1.</a:t>
             </a:r>
             <a:endParaRPr lang="en-CA" sz="1800" dirty="0">
               <a:effectLst/>
@@ -5633,6 +6122,625 @@
             </a:endParaRPr>
           </a:p>
           <a:p>
+            <a:endParaRPr lang="en-CA" dirty="0"/>
+          </a:p>
+          <a:p>
+            <a:endParaRPr lang="en-CA" dirty="0"/>
+          </a:p>
+        </p:txBody>
+      </p:sp>
+    </p:spTree>
+    <p:extLst>
+      <p:ext uri="{BB962C8B-B14F-4D97-AF65-F5344CB8AC3E}">
+        <p14:creationId xmlns:p14="http://schemas.microsoft.com/office/powerpoint/2010/main" val="1256170764"/>
+      </p:ext>
+    </p:extLst>
+  </p:cSld>
+  <p:clrMapOvr>
+    <a:masterClrMapping/>
+  </p:clrMapOvr>
+</p:sld>
+</file>
+
+<file path=ppt/slides/slide17.xml><?xml version="1.0" encoding="utf-8"?>
+<p:sld xmlns:a="http://schemas.openxmlformats.org/drawingml/2006/main" xmlns:r="http://schemas.openxmlformats.org/officeDocument/2006/relationships" xmlns:p="http://schemas.openxmlformats.org/presentationml/2006/main">
+  <p:cSld>
+    <p:bg>
+      <p:bgPr>
+        <a:solidFill>
+          <a:schemeClr val="bg1"/>
+        </a:solidFill>
+        <a:effectLst/>
+      </p:bgPr>
+    </p:bg>
+    <p:spTree>
+      <p:nvGrpSpPr>
+        <p:cNvPr id="1" name=""/>
+        <p:cNvGrpSpPr/>
+        <p:nvPr/>
+      </p:nvGrpSpPr>
+      <p:grpSpPr>
+        <a:xfrm>
+          <a:off x="0" y="0"/>
+          <a:ext cx="0" cy="0"/>
+          <a:chOff x="0" y="0"/>
+          <a:chExt cx="0" cy="0"/>
+        </a:xfrm>
+      </p:grpSpPr>
+      <p:sp>
+        <p:nvSpPr>
+          <p:cNvPr id="9" name="Rectangle 8">
+            <a:extLst>
+              <a:ext uri="{FF2B5EF4-FFF2-40B4-BE49-F238E27FC236}">
+                <a16:creationId xmlns:a16="http://schemas.microsoft.com/office/drawing/2014/main" id="{39E3965E-AC41-4711-9D10-E25ABB132D86}"/>
+              </a:ext>
+              <a:ext uri="{C183D7F6-B498-43B3-948B-1728B52AA6E4}">
+                <adec:decorative xmlns:adec="http://schemas.microsoft.com/office/drawing/2017/decorative" val="1"/>
+              </a:ext>
+            </a:extLst>
+          </p:cNvPr>
+          <p:cNvSpPr>
+            <a:spLocks noGrp="1" noRot="1" noChangeAspect="1" noMove="1" noResize="1" noEditPoints="1" noAdjustHandles="1" noChangeArrowheads="1" noChangeShapeType="1" noTextEdit="1"/>
+          </p:cNvSpPr>
+          <p:nvPr>
+            <p:extLst>
+              <p:ext uri="{386F3935-93C4-4BCD-93E2-E3B085C9AB24}">
+                <p16:designElem xmlns:p16="http://schemas.microsoft.com/office/powerpoint/2015/main" val="1"/>
+              </p:ext>
+            </p:extLst>
+          </p:nvPr>
+        </p:nvSpPr>
+        <p:spPr>
+          <a:xfrm>
+            <a:off x="3175" y="6400800"/>
+            <a:ext cx="12188825" cy="457200"/>
+          </a:xfrm>
+          <a:prstGeom prst="rect">
+            <a:avLst/>
+          </a:prstGeom>
+          <a:solidFill>
+            <a:srgbClr val="262626"/>
+          </a:solidFill>
+          <a:ln>
+            <a:noFill/>
+          </a:ln>
+        </p:spPr>
+        <p:style>
+          <a:lnRef idx="2">
+            <a:schemeClr val="accent1">
+              <a:shade val="50000"/>
+            </a:schemeClr>
+          </a:lnRef>
+          <a:fillRef idx="1">
+            <a:schemeClr val="accent1"/>
+          </a:fillRef>
+          <a:effectRef idx="0">
+            <a:schemeClr val="accent1"/>
+          </a:effectRef>
+          <a:fontRef idx="minor">
+            <a:schemeClr val="lt1"/>
+          </a:fontRef>
+        </p:style>
+      </p:sp>
+      <p:cxnSp>
+        <p:nvCxnSpPr>
+          <p:cNvPr id="11" name="Straight Connector 10">
+            <a:extLst>
+              <a:ext uri="{FF2B5EF4-FFF2-40B4-BE49-F238E27FC236}">
+                <a16:creationId xmlns:a16="http://schemas.microsoft.com/office/drawing/2014/main" id="{1F5DC8C3-BA5F-4EED-BB9A-A14272BD82A1}"/>
+              </a:ext>
+              <a:ext uri="{C183D7F6-B498-43B3-948B-1728B52AA6E4}">
+                <adec:decorative xmlns:adec="http://schemas.microsoft.com/office/drawing/2017/decorative" val="1"/>
+              </a:ext>
+            </a:extLst>
+          </p:cNvPr>
+          <p:cNvCxnSpPr>
+            <a:cxnSpLocks noGrp="1" noRot="1" noChangeAspect="1" noMove="1" noResize="1" noEditPoints="1" noAdjustHandles="1" noChangeArrowheads="1" noChangeShapeType="1"/>
+          </p:cNvCxnSpPr>
+          <p:nvPr>
+            <p:extLst>
+              <p:ext uri="{386F3935-93C4-4BCD-93E2-E3B085C9AB24}">
+                <p16:designElem xmlns:p16="http://schemas.microsoft.com/office/powerpoint/2015/main" val="1"/>
+              </p:ext>
+            </p:extLst>
+          </p:nvPr>
+        </p:nvCxnSpPr>
+        <p:spPr>
+          <a:xfrm>
+            <a:off x="1207658" y="4474741"/>
+            <a:ext cx="9875520" cy="0"/>
+          </a:xfrm>
+          <a:prstGeom prst="line">
+            <a:avLst/>
+          </a:prstGeom>
+          <a:ln w="12700">
+            <a:solidFill>
+              <a:schemeClr val="tx1">
+                <a:lumMod val="75000"/>
+                <a:lumOff val="25000"/>
+              </a:schemeClr>
+            </a:solidFill>
+          </a:ln>
+        </p:spPr>
+        <p:style>
+          <a:lnRef idx="1">
+            <a:schemeClr val="accent1"/>
+          </a:lnRef>
+          <a:fillRef idx="0">
+            <a:schemeClr val="accent1"/>
+          </a:fillRef>
+          <a:effectRef idx="0">
+            <a:schemeClr val="accent1"/>
+          </a:effectRef>
+          <a:fontRef idx="minor">
+            <a:schemeClr val="tx1"/>
+          </a:fontRef>
+        </p:style>
+      </p:cxnSp>
+      <p:pic>
+        <p:nvPicPr>
+          <p:cNvPr id="4" name="Content Placeholder 3">
+            <a:extLst>
+              <a:ext uri="{FF2B5EF4-FFF2-40B4-BE49-F238E27FC236}">
+                <a16:creationId xmlns:a16="http://schemas.microsoft.com/office/drawing/2014/main" id="{040122C9-6C0F-4679-9094-28E144D83BEB}"/>
+              </a:ext>
+            </a:extLst>
+          </p:cNvPr>
+          <p:cNvPicPr>
+            <a:picLocks noGrp="1" noChangeAspect="1"/>
+          </p:cNvPicPr>
+          <p:nvPr>
+            <p:ph idx="1"/>
+          </p:nvPr>
+        </p:nvPicPr>
+        <p:blipFill rotWithShape="1">
+          <a:blip r:embed="rId2">
+            <a:extLst>
+              <a:ext uri="{28A0092B-C50C-407E-A947-70E740481C1C}">
+                <a14:useLocalDpi xmlns:a14="http://schemas.microsoft.com/office/drawing/2010/main" val="0"/>
+              </a:ext>
+            </a:extLst>
+          </a:blip>
+          <a:srcRect t="1902" b="1538"/>
+          <a:stretch/>
+        </p:blipFill>
+        <p:spPr bwMode="auto">
+          <a:xfrm>
+            <a:off x="-32" y="10"/>
+            <a:ext cx="12192031" cy="4915066"/>
+          </a:xfrm>
+          <a:prstGeom prst="rect">
+            <a:avLst/>
+          </a:prstGeom>
+          <a:noFill/>
+        </p:spPr>
+      </p:pic>
+      <p:sp>
+        <p:nvSpPr>
+          <p:cNvPr id="13" name="Rectangle 12">
+            <a:extLst>
+              <a:ext uri="{FF2B5EF4-FFF2-40B4-BE49-F238E27FC236}">
+                <a16:creationId xmlns:a16="http://schemas.microsoft.com/office/drawing/2014/main" id="{0B4FB531-34DA-4777-9BD5-5B885DC38198}"/>
+              </a:ext>
+              <a:ext uri="{C183D7F6-B498-43B3-948B-1728B52AA6E4}">
+                <adec:decorative xmlns:adec="http://schemas.microsoft.com/office/drawing/2017/decorative" val="1"/>
+              </a:ext>
+            </a:extLst>
+          </p:cNvPr>
+          <p:cNvSpPr>
+            <a:spLocks noGrp="1" noRot="1" noChangeAspect="1" noMove="1" noResize="1" noEditPoints="1" noAdjustHandles="1" noChangeArrowheads="1" noChangeShapeType="1" noTextEdit="1"/>
+          </p:cNvSpPr>
+          <p:nvPr>
+            <p:extLst>
+              <p:ext uri="{386F3935-93C4-4BCD-93E2-E3B085C9AB24}">
+                <p16:designElem xmlns:p16="http://schemas.microsoft.com/office/powerpoint/2015/main" val="1"/>
+              </p:ext>
+            </p:extLst>
+          </p:nvPr>
+        </p:nvSpPr>
+        <p:spPr bwMode="white">
+          <a:xfrm>
+            <a:off x="1507" y="4915076"/>
+            <a:ext cx="12188952" cy="1942924"/>
+          </a:xfrm>
+          <a:prstGeom prst="rect">
+            <a:avLst/>
+          </a:prstGeom>
+          <a:solidFill>
+            <a:srgbClr val="262626"/>
+          </a:solidFill>
+          <a:ln>
+            <a:noFill/>
+          </a:ln>
+        </p:spPr>
+        <p:style>
+          <a:lnRef idx="2">
+            <a:schemeClr val="accent1">
+              <a:shade val="50000"/>
+            </a:schemeClr>
+          </a:lnRef>
+          <a:fillRef idx="1">
+            <a:schemeClr val="accent1"/>
+          </a:fillRef>
+          <a:effectRef idx="0">
+            <a:schemeClr val="accent1"/>
+          </a:effectRef>
+          <a:fontRef idx="minor">
+            <a:schemeClr val="lt1"/>
+          </a:fontRef>
+        </p:style>
+      </p:sp>
+      <p:sp>
+        <p:nvSpPr>
+          <p:cNvPr id="2" name="Title 1">
+            <a:extLst>
+              <a:ext uri="{FF2B5EF4-FFF2-40B4-BE49-F238E27FC236}">
+                <a16:creationId xmlns:a16="http://schemas.microsoft.com/office/drawing/2014/main" id="{DF157B8D-8145-4146-9ED0-AC3A1E0ACC01}"/>
+              </a:ext>
+            </a:extLst>
+          </p:cNvPr>
+          <p:cNvSpPr>
+            <a:spLocks noGrp="1"/>
+          </p:cNvSpPr>
+          <p:nvPr>
+            <p:ph type="title"/>
+          </p:nvPr>
+        </p:nvSpPr>
+        <p:spPr>
+          <a:xfrm>
+            <a:off x="828675" y="5120639"/>
+            <a:ext cx="7137263" cy="1280161"/>
+          </a:xfrm>
+        </p:spPr>
+        <p:txBody>
+          <a:bodyPr vert="horz" lIns="91440" tIns="45720" rIns="91440" bIns="45720" rtlCol="0" anchor="ctr">
+            <a:normAutofit/>
+          </a:bodyPr>
+          <a:lstStyle/>
+          <a:p>
+            <a:pPr algn="r"/>
+            <a:r>
+              <a:rPr lang="en-US" sz="4800">
+                <a:solidFill>
+                  <a:srgbClr val="FFFFFF"/>
+                </a:solidFill>
+              </a:rPr>
+              <a:t>Final model </a:t>
+            </a:r>
+          </a:p>
+        </p:txBody>
+      </p:sp>
+      <p:cxnSp>
+        <p:nvCxnSpPr>
+          <p:cNvPr id="15" name="Straight Connector 14">
+            <a:extLst>
+              <a:ext uri="{FF2B5EF4-FFF2-40B4-BE49-F238E27FC236}">
+                <a16:creationId xmlns:a16="http://schemas.microsoft.com/office/drawing/2014/main" id="{D5B557D3-D7B4-404B-84A1-9BD182BE5B06}"/>
+              </a:ext>
+              <a:ext uri="{C183D7F6-B498-43B3-948B-1728B52AA6E4}">
+                <adec:decorative xmlns:adec="http://schemas.microsoft.com/office/drawing/2017/decorative" val="1"/>
+              </a:ext>
+            </a:extLst>
+          </p:cNvPr>
+          <p:cNvCxnSpPr>
+            <a:cxnSpLocks noGrp="1" noRot="1" noChangeAspect="1" noMove="1" noResize="1" noEditPoints="1" noAdjustHandles="1" noChangeArrowheads="1" noChangeShapeType="1"/>
+          </p:cNvCxnSpPr>
+          <p:nvPr>
+            <p:extLst>
+              <p:ext uri="{386F3935-93C4-4BCD-93E2-E3B085C9AB24}">
+                <p16:designElem xmlns:p16="http://schemas.microsoft.com/office/powerpoint/2015/main" val="1"/>
+              </p:ext>
+            </p:extLst>
+          </p:nvPr>
+        </p:nvCxnSpPr>
+        <p:spPr>
+          <a:xfrm rot="16200000">
+            <a:off x="7532813" y="5760720"/>
+            <a:ext cx="1188720" cy="0"/>
+          </a:xfrm>
+          <a:prstGeom prst="line">
+            <a:avLst/>
+          </a:prstGeom>
+          <a:ln w="19050">
+            <a:solidFill>
+              <a:schemeClr val="accent1"/>
+            </a:solidFill>
+          </a:ln>
+        </p:spPr>
+        <p:style>
+          <a:lnRef idx="1">
+            <a:schemeClr val="accent1"/>
+          </a:lnRef>
+          <a:fillRef idx="0">
+            <a:schemeClr val="accent1"/>
+          </a:fillRef>
+          <a:effectRef idx="0">
+            <a:schemeClr val="accent1"/>
+          </a:effectRef>
+          <a:fontRef idx="minor">
+            <a:schemeClr val="tx1"/>
+          </a:fontRef>
+        </p:style>
+      </p:cxnSp>
+    </p:spTree>
+    <p:extLst>
+      <p:ext uri="{BB962C8B-B14F-4D97-AF65-F5344CB8AC3E}">
+        <p14:creationId xmlns:p14="http://schemas.microsoft.com/office/powerpoint/2010/main" val="137097395"/>
+      </p:ext>
+    </p:extLst>
+  </p:cSld>
+  <p:clrMapOvr>
+    <a:overrideClrMapping bg1="dk1" tx1="lt1" bg2="dk2" tx2="lt2" accent1="accent1" accent2="accent2" accent3="accent3" accent4="accent4" accent5="accent5" accent6="accent6" hlink="hlink" folHlink="folHlink"/>
+  </p:clrMapOvr>
+</p:sld>
+</file>
+
+<file path=ppt/slides/slide18.xml><?xml version="1.0" encoding="utf-8"?>
+<p:sld xmlns:a="http://schemas.openxmlformats.org/drawingml/2006/main" xmlns:r="http://schemas.openxmlformats.org/officeDocument/2006/relationships" xmlns:p="http://schemas.openxmlformats.org/presentationml/2006/main">
+  <p:cSld>
+    <p:spTree>
+      <p:nvGrpSpPr>
+        <p:cNvPr id="1" name=""/>
+        <p:cNvGrpSpPr/>
+        <p:nvPr/>
+      </p:nvGrpSpPr>
+      <p:grpSpPr>
+        <a:xfrm>
+          <a:off x="0" y="0"/>
+          <a:ext cx="0" cy="0"/>
+          <a:chOff x="0" y="0"/>
+          <a:chExt cx="0" cy="0"/>
+        </a:xfrm>
+      </p:grpSpPr>
+      <p:sp>
+        <p:nvSpPr>
+          <p:cNvPr id="2" name="Title 1">
+            <a:extLst>
+              <a:ext uri="{FF2B5EF4-FFF2-40B4-BE49-F238E27FC236}">
+                <a16:creationId xmlns:a16="http://schemas.microsoft.com/office/drawing/2014/main" id="{A7CC0765-ED66-4E2B-9082-CE7B71BEFB0B}"/>
+              </a:ext>
+            </a:extLst>
+          </p:cNvPr>
+          <p:cNvSpPr>
+            <a:spLocks noGrp="1"/>
+          </p:cNvSpPr>
+          <p:nvPr>
+            <p:ph type="title"/>
+          </p:nvPr>
+        </p:nvSpPr>
+        <p:spPr/>
+        <p:txBody>
+          <a:bodyPr/>
+          <a:lstStyle/>
+          <a:p>
+            <a:r>
+              <a:rPr lang="en-CA" dirty="0"/>
+              <a:t>Model performance</a:t>
+            </a:r>
+          </a:p>
+        </p:txBody>
+      </p:sp>
+      <p:sp>
+        <p:nvSpPr>
+          <p:cNvPr id="3" name="Content Placeholder 2">
+            <a:extLst>
+              <a:ext uri="{FF2B5EF4-FFF2-40B4-BE49-F238E27FC236}">
+                <a16:creationId xmlns:a16="http://schemas.microsoft.com/office/drawing/2014/main" id="{EF013AE3-90C0-4442-A4A9-40D09DE4CB6C}"/>
+              </a:ext>
+            </a:extLst>
+          </p:cNvPr>
+          <p:cNvSpPr>
+            <a:spLocks noGrp="1"/>
+          </p:cNvSpPr>
+          <p:nvPr>
+            <p:ph idx="1"/>
+          </p:nvPr>
+        </p:nvSpPr>
+        <p:spPr/>
+        <p:txBody>
+          <a:bodyPr/>
+          <a:lstStyle/>
+          <a:p>
+            <a:r>
+              <a:rPr lang="en-CA" dirty="0"/>
+              <a:t>Measure used: RMSE</a:t>
+            </a:r>
+          </a:p>
+          <a:p>
+            <a:pPr lvl="1"/>
+            <a:r>
+              <a:rPr lang="en-CA" sz="1800" dirty="0">
+                <a:solidFill>
+                  <a:srgbClr val="24292F"/>
+                </a:solidFill>
+                <a:effectLst/>
+                <a:latin typeface="Segoe UI" panose="020B0502040204020203" pitchFamily="34" charset="0"/>
+                <a:ea typeface="Times New Roman" panose="02020603050405020304" pitchFamily="18" charset="0"/>
+              </a:rPr>
+              <a:t>It is a forecasting problem</a:t>
+            </a:r>
+          </a:p>
+          <a:p>
+            <a:pPr lvl="1"/>
+            <a:r>
+              <a:rPr lang="en-CA" sz="1800" dirty="0">
+                <a:solidFill>
+                  <a:srgbClr val="24292F"/>
+                </a:solidFill>
+                <a:latin typeface="Segoe UI" panose="020B0502040204020203" pitchFamily="34" charset="0"/>
+                <a:ea typeface="Times New Roman" panose="02020603050405020304" pitchFamily="18" charset="0"/>
+              </a:rPr>
+              <a:t>It</a:t>
+            </a:r>
+            <a:r>
+              <a:rPr lang="en-CA" sz="1800" dirty="0">
+                <a:solidFill>
+                  <a:srgbClr val="24292F"/>
+                </a:solidFill>
+                <a:effectLst/>
+                <a:latin typeface="Segoe UI" panose="020B0502040204020203" pitchFamily="34" charset="0"/>
+                <a:ea typeface="Times New Roman" panose="02020603050405020304" pitchFamily="18" charset="0"/>
+              </a:rPr>
+              <a:t> punishes large errors</a:t>
+            </a:r>
+          </a:p>
+          <a:p>
+            <a:pPr lvl="1"/>
+            <a:r>
+              <a:rPr lang="en-CA" sz="1800" dirty="0">
+                <a:solidFill>
+                  <a:srgbClr val="24292F"/>
+                </a:solidFill>
+                <a:latin typeface="Segoe UI" panose="020B0502040204020203" pitchFamily="34" charset="0"/>
+                <a:ea typeface="Times New Roman" panose="02020603050405020304" pitchFamily="18" charset="0"/>
+              </a:rPr>
+              <a:t>R</a:t>
+            </a:r>
+            <a:r>
+              <a:rPr lang="en-CA" sz="1800" dirty="0">
+                <a:solidFill>
+                  <a:srgbClr val="24292F"/>
+                </a:solidFill>
+                <a:effectLst/>
+                <a:latin typeface="Segoe UI" panose="020B0502040204020203" pitchFamily="34" charset="0"/>
+                <a:ea typeface="Times New Roman" panose="02020603050405020304" pitchFamily="18" charset="0"/>
+              </a:rPr>
+              <a:t>esults in a score that is in the same units as the</a:t>
+            </a:r>
+            <a:r>
+              <a:rPr lang="en-CA" sz="2000" dirty="0">
+                <a:effectLst/>
+              </a:rPr>
+              <a:t> number of deaths.</a:t>
+            </a:r>
+            <a:endParaRPr lang="en-CA" sz="1800" dirty="0">
+              <a:solidFill>
+                <a:srgbClr val="24292F"/>
+              </a:solidFill>
+              <a:effectLst/>
+              <a:latin typeface="Segoe UI" panose="020B0502040204020203" pitchFamily="34" charset="0"/>
+              <a:ea typeface="Times New Roman" panose="02020603050405020304" pitchFamily="18" charset="0"/>
+            </a:endParaRPr>
+          </a:p>
+          <a:p>
+            <a:pPr lvl="1"/>
+            <a:endParaRPr lang="en-CA" dirty="0"/>
+          </a:p>
+        </p:txBody>
+      </p:sp>
+    </p:spTree>
+    <p:extLst>
+      <p:ext uri="{BB962C8B-B14F-4D97-AF65-F5344CB8AC3E}">
+        <p14:creationId xmlns:p14="http://schemas.microsoft.com/office/powerpoint/2010/main" val="3890019749"/>
+      </p:ext>
+    </p:extLst>
+  </p:cSld>
+  <p:clrMapOvr>
+    <a:masterClrMapping/>
+  </p:clrMapOvr>
+</p:sld>
+</file>
+
+<file path=ppt/slides/slide19.xml><?xml version="1.0" encoding="utf-8"?>
+<p:sld xmlns:a="http://schemas.openxmlformats.org/drawingml/2006/main" xmlns:r="http://schemas.openxmlformats.org/officeDocument/2006/relationships" xmlns:p="http://schemas.openxmlformats.org/presentationml/2006/main">
+  <p:cSld>
+    <p:spTree>
+      <p:nvGrpSpPr>
+        <p:cNvPr id="1" name=""/>
+        <p:cNvGrpSpPr/>
+        <p:nvPr/>
+      </p:nvGrpSpPr>
+      <p:grpSpPr>
+        <a:xfrm>
+          <a:off x="0" y="0"/>
+          <a:ext cx="0" cy="0"/>
+          <a:chOff x="0" y="0"/>
+          <a:chExt cx="0" cy="0"/>
+        </a:xfrm>
+      </p:grpSpPr>
+      <p:sp>
+        <p:nvSpPr>
+          <p:cNvPr id="2" name="Title 1">
+            <a:extLst>
+              <a:ext uri="{FF2B5EF4-FFF2-40B4-BE49-F238E27FC236}">
+                <a16:creationId xmlns:a16="http://schemas.microsoft.com/office/drawing/2014/main" id="{488DCAF3-5428-455B-B0F7-40554412B62D}"/>
+              </a:ext>
+            </a:extLst>
+          </p:cNvPr>
+          <p:cNvSpPr>
+            <a:spLocks noGrp="1"/>
+          </p:cNvSpPr>
+          <p:nvPr>
+            <p:ph type="title"/>
+          </p:nvPr>
+        </p:nvSpPr>
+        <p:spPr/>
+        <p:txBody>
+          <a:bodyPr/>
+          <a:lstStyle/>
+          <a:p>
+            <a:r>
+              <a:rPr lang="en-CA" dirty="0"/>
+              <a:t>Future Extensions</a:t>
+            </a:r>
+          </a:p>
+        </p:txBody>
+      </p:sp>
+      <p:sp>
+        <p:nvSpPr>
+          <p:cNvPr id="3" name="Content Placeholder 2">
+            <a:extLst>
+              <a:ext uri="{FF2B5EF4-FFF2-40B4-BE49-F238E27FC236}">
+                <a16:creationId xmlns:a16="http://schemas.microsoft.com/office/drawing/2014/main" id="{62489B4C-AB98-4FD4-A13B-A847A60EBEFF}"/>
+              </a:ext>
+            </a:extLst>
+          </p:cNvPr>
+          <p:cNvSpPr>
+            <a:spLocks noGrp="1"/>
+          </p:cNvSpPr>
+          <p:nvPr>
+            <p:ph idx="1"/>
+          </p:nvPr>
+        </p:nvSpPr>
+        <p:spPr/>
+        <p:txBody>
+          <a:bodyPr/>
+          <a:lstStyle/>
+          <a:p>
+            <a:r>
+              <a:rPr lang="en-CA" sz="1800" dirty="0">
+                <a:solidFill>
+                  <a:srgbClr val="24292F"/>
+                </a:solidFill>
+                <a:effectLst/>
+                <a:latin typeface="Segoe UI" panose="020B0502040204020203" pitchFamily="34" charset="0"/>
+                <a:ea typeface="Times New Roman" panose="02020603050405020304" pitchFamily="18" charset="0"/>
+              </a:rPr>
+              <a:t>- Additional features that may contribute to the number of deaths like number of cases, number of elderly people, and other factors can also be considered.</a:t>
+            </a:r>
+          </a:p>
+          <a:p>
+            <a:r>
+              <a:rPr lang="en-CA" sz="1800" dirty="0">
+                <a:solidFill>
+                  <a:srgbClr val="24292F"/>
+                </a:solidFill>
+                <a:latin typeface="Segoe UI" panose="020B0502040204020203" pitchFamily="34" charset="0"/>
+                <a:ea typeface="Times New Roman" panose="02020603050405020304" pitchFamily="18" charset="0"/>
+              </a:rPr>
+              <a:t>- A</a:t>
+            </a:r>
+            <a:r>
+              <a:rPr lang="en-CA" sz="1800" dirty="0">
+                <a:solidFill>
+                  <a:srgbClr val="24292F"/>
+                </a:solidFill>
+                <a:effectLst/>
+                <a:latin typeface="Segoe UI" panose="020B0502040204020203" pitchFamily="34" charset="0"/>
+                <a:ea typeface="Times New Roman" panose="02020603050405020304" pitchFamily="18" charset="0"/>
+              </a:rPr>
+              <a:t> multivariate, multi-step forecasting needs to be done in such cases.</a:t>
+            </a:r>
             <a:endParaRPr lang="en-CA" dirty="0"/>
           </a:p>
         </p:txBody>
@@ -7731,12 +8839,12 @@
 </file>
 
 <file path=customXml/item1.xml><?xml version="1.0" encoding="utf-8"?>
-<p:properties xmlns:p="http://schemas.microsoft.com/office/2006/metadata/properties" xmlns:xsi="http://www.w3.org/2001/XMLSchema-instance" xmlns:pc="http://schemas.microsoft.com/office/infopath/2007/PartnerControls">
-  <documentManagement>
-    <Status xmlns="71af3243-3dd4-4a8d-8c0d-dd76da1f02a5">Not started</Status>
-    <MediaServiceKeyPoints xmlns="71af3243-3dd4-4a8d-8c0d-dd76da1f02a5" xsi:nil="true"/>
-  </documentManagement>
-</p:properties>
+<?mso-contentType ?>
+<FormTemplates xmlns="http://schemas.microsoft.com/sharepoint/v3/contenttype/forms">
+  <Display>DocumentLibraryForm</Display>
+  <Edit>DocumentLibraryForm</Edit>
+  <New>DocumentLibraryForm</New>
+</FormTemplates>
 </file>
 
 <file path=customXml/item2.xml><?xml version="1.0" encoding="utf-8"?>
@@ -7961,20 +9069,18 @@
 </file>
 
 <file path=customXml/item3.xml><?xml version="1.0" encoding="utf-8"?>
-<?mso-contentType ?>
-<FormTemplates xmlns="http://schemas.microsoft.com/sharepoint/v3/contenttype/forms">
-  <Display>DocumentLibraryForm</Display>
-  <Edit>DocumentLibraryForm</Edit>
-  <New>DocumentLibraryForm</New>
-</FormTemplates>
+<p:properties xmlns:p="http://schemas.microsoft.com/office/2006/metadata/properties" xmlns:xsi="http://www.w3.org/2001/XMLSchema-instance" xmlns:pc="http://schemas.microsoft.com/office/infopath/2007/PartnerControls">
+  <documentManagement>
+    <Status xmlns="71af3243-3dd4-4a8d-8c0d-dd76da1f02a5">Not started</Status>
+    <MediaServiceKeyPoints xmlns="71af3243-3dd4-4a8d-8c0d-dd76da1f02a5" xsi:nil="true"/>
+  </documentManagement>
+</p:properties>
 </file>
 
 <file path=customXml/itemProps1.xml><?xml version="1.0" encoding="utf-8"?>
-<ds:datastoreItem xmlns:ds="http://schemas.openxmlformats.org/officeDocument/2006/customXml" ds:itemID="{A03EEFF0-FB57-4CB4-8BFC-DF397689E2ED}">
+<ds:datastoreItem xmlns:ds="http://schemas.openxmlformats.org/officeDocument/2006/customXml" ds:itemID="{AA3F7EDC-E5B4-4BBC-9D2A-CBE6D46C37AD}">
   <ds:schemaRefs>
-    <ds:schemaRef ds:uri="http://schemas.microsoft.com/office/2006/metadata/properties"/>
-    <ds:schemaRef ds:uri="http://schemas.microsoft.com/office/infopath/2007/PartnerControls"/>
-    <ds:schemaRef ds:uri="71af3243-3dd4-4a8d-8c0d-dd76da1f02a5"/>
+    <ds:schemaRef ds:uri="http://schemas.microsoft.com/sharepoint/v3/contenttype/forms"/>
   </ds:schemaRefs>
 </ds:datastoreItem>
 </file>
@@ -7999,9 +9105,11 @@
 </file>
 
 <file path=customXml/itemProps3.xml><?xml version="1.0" encoding="utf-8"?>
-<ds:datastoreItem xmlns:ds="http://schemas.openxmlformats.org/officeDocument/2006/customXml" ds:itemID="{AA3F7EDC-E5B4-4BBC-9D2A-CBE6D46C37AD}">
+<ds:datastoreItem xmlns:ds="http://schemas.openxmlformats.org/officeDocument/2006/customXml" ds:itemID="{A03EEFF0-FB57-4CB4-8BFC-DF397689E2ED}">
   <ds:schemaRefs>
-    <ds:schemaRef ds:uri="http://schemas.microsoft.com/sharepoint/v3/contenttype/forms"/>
+    <ds:schemaRef ds:uri="http://schemas.microsoft.com/office/2006/metadata/properties"/>
+    <ds:schemaRef ds:uri="http://schemas.microsoft.com/office/infopath/2007/PartnerControls"/>
+    <ds:schemaRef ds:uri="71af3243-3dd4-4a8d-8c0d-dd76da1f02a5"/>
   </ds:schemaRefs>
 </ds:datastoreItem>
 </file>
--- a/cap3/Capstone_Final_Slides.pptx
+++ b/cap3/Capstone_Final_Slides.pptx
@@ -374,7 +374,7 @@
           <a:p>
             <a:fld id="{9184DA70-C731-4C70-880D-CCD4705E623C}" type="datetime1">
               <a:rPr lang="en-US" smtClean="0"/>
-              <a:t>2/20/2022</a:t>
+              <a:t>2/25/2022</a:t>
             </a:fld>
             <a:endParaRPr lang="en-US" dirty="0"/>
           </a:p>
@@ -562,7 +562,7 @@
           <a:p>
             <a:fld id="{4BE1D723-8F53-4F53-90B0-1982A396982E}" type="datetime1">
               <a:rPr lang="en-US" smtClean="0"/>
-              <a:t>2/20/2022</a:t>
+              <a:t>2/25/2022</a:t>
             </a:fld>
             <a:endParaRPr lang="en-US" dirty="0"/>
           </a:p>
@@ -935,7 +935,7 @@
           <a:p>
             <a:fld id="{97669AF7-7BEB-44E4-9852-375E34362B5B}" type="datetime1">
               <a:rPr lang="en-US" smtClean="0"/>
-              <a:t>2/20/2022</a:t>
+              <a:t>2/25/2022</a:t>
             </a:fld>
             <a:endParaRPr lang="en-US" dirty="0"/>
           </a:p>
@@ -1190,7 +1190,7 @@
           <a:p>
             <a:fld id="{BAAAC38D-0552-4C82-B593-E6124DFADBE2}" type="datetime1">
               <a:rPr lang="en-US" smtClean="0"/>
-              <a:t>2/20/2022</a:t>
+              <a:t>2/25/2022</a:t>
             </a:fld>
             <a:endParaRPr lang="en-US" dirty="0"/>
           </a:p>
@@ -1587,7 +1587,7 @@
           <a:p>
             <a:fld id="{D9DF0F1C-5577-4ACB-BB62-DF8F3C494C7E}" type="datetime1">
               <a:rPr lang="en-US" smtClean="0"/>
-              <a:t>2/20/2022</a:t>
+              <a:t>2/25/2022</a:t>
             </a:fld>
             <a:endParaRPr lang="en-US" dirty="0"/>
           </a:p>
@@ -1723,7 +1723,7 @@
           <a:p>
             <a:fld id="{1775B394-D9F9-4F0C-B15D-605F45CB9E9F}" type="datetime1">
               <a:rPr lang="en-US" smtClean="0"/>
-              <a:t>2/20/2022</a:t>
+              <a:t>2/25/2022</a:t>
             </a:fld>
             <a:endParaRPr lang="en-US" dirty="0"/>
           </a:p>
@@ -1880,7 +1880,7 @@
           <a:p>
             <a:fld id="{39667345-2558-425A-8533-9BFDBCE15005}" type="datetime1">
               <a:rPr lang="en-US" smtClean="0"/>
-              <a:t>2/20/2022</a:t>
+              <a:t>2/25/2022</a:t>
             </a:fld>
             <a:endParaRPr lang="en-US" dirty="0"/>
           </a:p>
@@ -2209,7 +2209,7 @@
           <a:p>
             <a:fld id="{92BEA474-078D-4E9B-9B14-09A87B19DC46}" type="datetime1">
               <a:rPr lang="en-US" smtClean="0"/>
-              <a:t>2/20/2022</a:t>
+              <a:t>2/25/2022</a:t>
             </a:fld>
             <a:endParaRPr lang="en-US" dirty="0"/>
           </a:p>
@@ -2559,7 +2559,7 @@
           <a:p>
             <a:fld id="{4907D986-8816-4272-A432-0437A28A9828}" type="datetime1">
               <a:rPr lang="en-US" smtClean="0"/>
-              <a:t>2/20/2022</a:t>
+              <a:t>2/25/2022</a:t>
             </a:fld>
             <a:endParaRPr lang="en-US" dirty="0"/>
           </a:p>
@@ -2820,7 +2820,7 @@
           <a:p>
             <a:fld id="{62D6E202-B606-4609-B914-27C9371A1F6D}" type="datetime1">
               <a:rPr lang="en-US" smtClean="0"/>
-              <a:t>2/20/2022</a:t>
+              <a:t>2/25/2022</a:t>
             </a:fld>
             <a:endParaRPr lang="en-US" dirty="0"/>
           </a:p>
@@ -5862,15 +5862,11 @@
                 <a:solidFill>
                   <a:srgbClr val="24292F"/>
                 </a:solidFill>
-                <a:effectLst/>
                 <a:latin typeface="Segoe UI" panose="020B0502040204020203" pitchFamily="34" charset="0"/>
                 <a:ea typeface="Calibri" panose="020F0502020204030204" pitchFamily="34" charset="0"/>
               </a:rPr>
-              <a:t>a kind of recurrent neural network (RNN) architecture</a:t>
-            </a:r>
-          </a:p>
-          <a:p>
-            <a:pPr lvl="1"/>
+              <a:t>A</a:t>
+            </a:r>
             <a:r>
               <a:rPr lang="en-CA" sz="1800" dirty="0">
                 <a:solidFill>
@@ -5880,7 +5876,21 @@
                 <a:latin typeface="Segoe UI" panose="020B0502040204020203" pitchFamily="34" charset="0"/>
                 <a:ea typeface="Calibri" panose="020F0502020204030204" pitchFamily="34" charset="0"/>
               </a:rPr>
-              <a:t>they have some sort of ‘memory’</a:t>
+              <a:t> kind of recurrent neural network (RNN) architecture</a:t>
+            </a:r>
+          </a:p>
+          <a:p>
+            <a:pPr lvl="1"/>
+            <a:r>
+              <a:rPr lang="en-CA" sz="1800" dirty="0">
+                <a:solidFill>
+                  <a:srgbClr val="24292F"/>
+                </a:solidFill>
+                <a:effectLst/>
+                <a:latin typeface="Segoe UI" panose="020B0502040204020203" pitchFamily="34" charset="0"/>
+                <a:ea typeface="Calibri" panose="020F0502020204030204" pitchFamily="34" charset="0"/>
+              </a:rPr>
+              <a:t>They have some sort of ‘memory’</a:t>
             </a:r>
             <a:endParaRPr lang="en-CA" sz="1800" dirty="0">
               <a:solidFill>
@@ -5923,11 +5933,21 @@
                 <a:solidFill>
                   <a:srgbClr val="24292F"/>
                 </a:solidFill>
+                <a:latin typeface="Segoe UI" panose="020B0502040204020203" pitchFamily="34" charset="0"/>
+                <a:ea typeface="Calibri" panose="020F0502020204030204" pitchFamily="34" charset="0"/>
+              </a:rPr>
+              <a:t>C</a:t>
+            </a:r>
+            <a:r>
+              <a:rPr lang="en-CA" sz="1800" dirty="0">
+                <a:solidFill>
+                  <a:srgbClr val="24292F"/>
+                </a:solidFill>
                 <a:effectLst/>
                 <a:latin typeface="Segoe UI" panose="020B0502040204020203" pitchFamily="34" charset="0"/>
                 <a:ea typeface="Calibri" panose="020F0502020204030204" pitchFamily="34" charset="0"/>
               </a:rPr>
-              <a:t>capable of keeping the important information, doesn’t mind of back in time it is, and forget the useless one</a:t>
+              <a:t>apable of keeping the important information, and forget the useless one</a:t>
             </a:r>
             <a:endParaRPr lang="en-CA" dirty="0"/>
           </a:p>
@@ -6613,6 +6633,19 @@
               </a:rPr>
               <a:t> number of deaths.</a:t>
             </a:r>
+          </a:p>
+          <a:p>
+            <a:pPr lvl="1"/>
+            <a:r>
+              <a:rPr lang="en-CA" sz="2000" dirty="0">
+                <a:solidFill>
+                  <a:srgbClr val="24292F"/>
+                </a:solidFill>
+                <a:latin typeface="Segoe UI" panose="020B0502040204020203" pitchFamily="34" charset="0"/>
+                <a:ea typeface="Times New Roman" panose="02020603050405020304" pitchFamily="18" charset="0"/>
+              </a:rPr>
+              <a:t>RMSE on test set: 4.6</a:t>
+            </a:r>
             <a:endParaRPr lang="en-CA" sz="1800" dirty="0">
               <a:solidFill>
                 <a:srgbClr val="24292F"/>
@@ -6872,28 +6905,28 @@
             <a:pPr lvl="1"/>
             <a:r>
               <a:rPr lang="en-CA" dirty="0"/>
-              <a:t>Data ingestion pipeline to periodically ingest daily Covid data</a:t>
+              <a:t>Create a data ingestion pipeline to periodically ingest daily Covid data</a:t>
             </a:r>
           </a:p>
           <a:p>
             <a:pPr lvl="1"/>
             <a:r>
               <a:rPr lang="en-CA" dirty="0"/>
-              <a:t>Perform necessary transformations on the data and store in the cloud</a:t>
+              <a:t>Perform necessary transformations on the data and store it</a:t>
             </a:r>
           </a:p>
           <a:p>
             <a:pPr lvl="1"/>
             <a:r>
               <a:rPr lang="en-CA" dirty="0"/>
-              <a:t>Create live dashboard</a:t>
+              <a:t>Create live dashboard based on the data</a:t>
             </a:r>
           </a:p>
           <a:p>
             <a:pPr lvl="1"/>
             <a:r>
               <a:rPr lang="en-CA" dirty="0"/>
-              <a:t>Construct predictive model</a:t>
+              <a:t>Construct predictive model using ML/DL models to make projections</a:t>
             </a:r>
           </a:p>
           <a:p>
@@ -7435,23 +7468,39 @@
           <a:p>
             <a:pPr lvl="1"/>
             <a:r>
-              <a:rPr lang="en-CA" sz="1800" dirty="0">
-                <a:solidFill>
-                  <a:srgbClr val="24292F"/>
-                </a:solidFill>
-                <a:effectLst/>
-                <a:latin typeface="Segoe UI" panose="020B0502040204020203" pitchFamily="34" charset="0"/>
-                <a:ea typeface="Times New Roman" panose="02020603050405020304" pitchFamily="18" charset="0"/>
-              </a:rPr>
-              <a:t>only for Repatriated Travellers</a:t>
-            </a:r>
-            <a:endParaRPr lang="en-CA" dirty="0"/>
+              <a:rPr lang="en-CA" dirty="0"/>
+              <a:t>Values missing for only for Repatriated Travellers</a:t>
+            </a:r>
           </a:p>
           <a:p>
             <a:pPr lvl="1"/>
             <a:r>
               <a:rPr lang="en-CA" dirty="0"/>
               <a:t>Eventually get deleted when we filter for province specific data</a:t>
+            </a:r>
+          </a:p>
+          <a:p>
+            <a:pPr lvl="1"/>
+            <a:endParaRPr lang="en-CA" dirty="0"/>
+          </a:p>
+          <a:p>
+            <a:pPr lvl="1"/>
+            <a:endParaRPr lang="en-CA" dirty="0"/>
+          </a:p>
+          <a:p>
+            <a:pPr marL="201168" lvl="1" indent="0">
+              <a:buNone/>
+            </a:pPr>
+            <a:r>
+              <a:rPr lang="en-CA" sz="1900" dirty="0"/>
+              <a:t>Filtering</a:t>
+            </a:r>
+          </a:p>
+          <a:p>
+            <a:pPr lvl="1"/>
+            <a:r>
+              <a:rPr lang="en-CA" dirty="0"/>
+              <a:t>Include only the data from top 10 provinces, filter out everything else.</a:t>
             </a:r>
           </a:p>
           <a:p>
@@ -8839,12 +8888,12 @@
 </file>
 
 <file path=customXml/item1.xml><?xml version="1.0" encoding="utf-8"?>
-<?mso-contentType ?>
-<FormTemplates xmlns="http://schemas.microsoft.com/sharepoint/v3/contenttype/forms">
-  <Display>DocumentLibraryForm</Display>
-  <Edit>DocumentLibraryForm</Edit>
-  <New>DocumentLibraryForm</New>
-</FormTemplates>
+<p:properties xmlns:p="http://schemas.microsoft.com/office/2006/metadata/properties" xmlns:xsi="http://www.w3.org/2001/XMLSchema-instance" xmlns:pc="http://schemas.microsoft.com/office/infopath/2007/PartnerControls">
+  <documentManagement>
+    <Status xmlns="71af3243-3dd4-4a8d-8c0d-dd76da1f02a5">Not started</Status>
+    <MediaServiceKeyPoints xmlns="71af3243-3dd4-4a8d-8c0d-dd76da1f02a5" xsi:nil="true"/>
+  </documentManagement>
+</p:properties>
 </file>
 
 <file path=customXml/item2.xml><?xml version="1.0" encoding="utf-8"?>
@@ -9069,18 +9118,20 @@
 </file>
 
 <file path=customXml/item3.xml><?xml version="1.0" encoding="utf-8"?>
-<p:properties xmlns:p="http://schemas.microsoft.com/office/2006/metadata/properties" xmlns:xsi="http://www.w3.org/2001/XMLSchema-instance" xmlns:pc="http://schemas.microsoft.com/office/infopath/2007/PartnerControls">
-  <documentManagement>
-    <Status xmlns="71af3243-3dd4-4a8d-8c0d-dd76da1f02a5">Not started</Status>
-    <MediaServiceKeyPoints xmlns="71af3243-3dd4-4a8d-8c0d-dd76da1f02a5" xsi:nil="true"/>
-  </documentManagement>
-</p:properties>
+<?mso-contentType ?>
+<FormTemplates xmlns="http://schemas.microsoft.com/sharepoint/v3/contenttype/forms">
+  <Display>DocumentLibraryForm</Display>
+  <Edit>DocumentLibraryForm</Edit>
+  <New>DocumentLibraryForm</New>
+</FormTemplates>
 </file>
 
 <file path=customXml/itemProps1.xml><?xml version="1.0" encoding="utf-8"?>
-<ds:datastoreItem xmlns:ds="http://schemas.openxmlformats.org/officeDocument/2006/customXml" ds:itemID="{AA3F7EDC-E5B4-4BBC-9D2A-CBE6D46C37AD}">
+<ds:datastoreItem xmlns:ds="http://schemas.openxmlformats.org/officeDocument/2006/customXml" ds:itemID="{A03EEFF0-FB57-4CB4-8BFC-DF397689E2ED}">
   <ds:schemaRefs>
-    <ds:schemaRef ds:uri="http://schemas.microsoft.com/sharepoint/v3/contenttype/forms"/>
+    <ds:schemaRef ds:uri="http://schemas.microsoft.com/office/2006/metadata/properties"/>
+    <ds:schemaRef ds:uri="http://schemas.microsoft.com/office/infopath/2007/PartnerControls"/>
+    <ds:schemaRef ds:uri="71af3243-3dd4-4a8d-8c0d-dd76da1f02a5"/>
   </ds:schemaRefs>
 </ds:datastoreItem>
 </file>
@@ -9105,11 +9156,9 @@
 </file>
 
 <file path=customXml/itemProps3.xml><?xml version="1.0" encoding="utf-8"?>
-<ds:datastoreItem xmlns:ds="http://schemas.openxmlformats.org/officeDocument/2006/customXml" ds:itemID="{A03EEFF0-FB57-4CB4-8BFC-DF397689E2ED}">
+<ds:datastoreItem xmlns:ds="http://schemas.openxmlformats.org/officeDocument/2006/customXml" ds:itemID="{AA3F7EDC-E5B4-4BBC-9D2A-CBE6D46C37AD}">
   <ds:schemaRefs>
-    <ds:schemaRef ds:uri="http://schemas.microsoft.com/office/2006/metadata/properties"/>
-    <ds:schemaRef ds:uri="http://schemas.microsoft.com/office/infopath/2007/PartnerControls"/>
-    <ds:schemaRef ds:uri="71af3243-3dd4-4a8d-8c0d-dd76da1f02a5"/>
+    <ds:schemaRef ds:uri="http://schemas.microsoft.com/sharepoint/v3/contenttype/forms"/>
   </ds:schemaRefs>
 </ds:datastoreItem>
 </file>